--- a/Getting Your DB Schema Under Control With SSDT - SQL Saturday.pptx
+++ b/Getting Your DB Schema Under Control With SSDT - SQL Saturday.pptx
@@ -228,7 +228,7 @@
           <a:p>
             <a:fld id="{A91C24B7-45C9-41FD-A78C-C7253DD9DAB8}" type="datetimeFigureOut">
               <a:rPr lang="en-US" smtClean="0"/>
-              <a:t>5/16/2018</a:t>
+              <a:t>11/19/2019</a:t>
             </a:fld>
             <a:endParaRPr lang="en-US"/>
           </a:p>
@@ -737,6 +737,90 @@
           <a:bodyPr/>
           <a:lstStyle/>
           <a:p>
+            <a:endParaRPr lang="en-US" dirty="0"/>
+          </a:p>
+        </p:txBody>
+      </p:sp>
+      <p:sp>
+        <p:nvSpPr>
+          <p:cNvPr id="4" name="Slide Number Placeholder 3"/>
+          <p:cNvSpPr>
+            <a:spLocks noGrp="1"/>
+          </p:cNvSpPr>
+          <p:nvPr>
+            <p:ph type="sldNum" sz="quarter" idx="5"/>
+          </p:nvPr>
+        </p:nvSpPr>
+        <p:spPr/>
+        <p:txBody>
+          <a:bodyPr/>
+          <a:lstStyle/>
+          <a:p>
+            <a:fld id="{205E3C98-63D7-475C-978E-1DBC9F9B9B7D}" type="slidenum">
+              <a:rPr lang="en-US" smtClean="0"/>
+              <a:t>4</a:t>
+            </a:fld>
+            <a:endParaRPr lang="en-US"/>
+          </a:p>
+        </p:txBody>
+      </p:sp>
+    </p:spTree>
+    <p:extLst>
+      <p:ext uri="{BB962C8B-B14F-4D97-AF65-F5344CB8AC3E}">
+        <p14:creationId xmlns:p14="http://schemas.microsoft.com/office/powerpoint/2010/main" val="1345404271"/>
+      </p:ext>
+    </p:extLst>
+  </p:cSld>
+  <p:clrMapOvr>
+    <a:masterClrMapping/>
+  </p:clrMapOvr>
+</p:notes>
+</file>
+
+<file path=ppt/notesSlides/notesSlide4.xml><?xml version="1.0" encoding="utf-8"?>
+<p:notes xmlns:a="http://schemas.openxmlformats.org/drawingml/2006/main" xmlns:r="http://schemas.openxmlformats.org/officeDocument/2006/relationships" xmlns:p="http://schemas.openxmlformats.org/presentationml/2006/main">
+  <p:cSld>
+    <p:spTree>
+      <p:nvGrpSpPr>
+        <p:cNvPr id="1" name=""/>
+        <p:cNvGrpSpPr/>
+        <p:nvPr/>
+      </p:nvGrpSpPr>
+      <p:grpSpPr>
+        <a:xfrm>
+          <a:off x="0" y="0"/>
+          <a:ext cx="0" cy="0"/>
+          <a:chOff x="0" y="0"/>
+          <a:chExt cx="0" cy="0"/>
+        </a:xfrm>
+      </p:grpSpPr>
+      <p:sp>
+        <p:nvSpPr>
+          <p:cNvPr id="2" name="Slide Image Placeholder 1"/>
+          <p:cNvSpPr>
+            <a:spLocks noGrp="1" noRot="1" noChangeAspect="1"/>
+          </p:cNvSpPr>
+          <p:nvPr>
+            <p:ph type="sldImg"/>
+          </p:nvPr>
+        </p:nvSpPr>
+        <p:spPr/>
+      </p:sp>
+      <p:sp>
+        <p:nvSpPr>
+          <p:cNvPr id="3" name="Notes Placeholder 2"/>
+          <p:cNvSpPr>
+            <a:spLocks noGrp="1"/>
+          </p:cNvSpPr>
+          <p:nvPr>
+            <p:ph type="body" idx="1"/>
+          </p:nvPr>
+        </p:nvSpPr>
+        <p:spPr/>
+        <p:txBody>
+          <a:bodyPr/>
+          <a:lstStyle/>
+          <a:p>
             <a:r>
               <a:rPr lang="en-US" dirty="0"/>
               <a:t>See next slides</a:t>
@@ -780,7 +864,7 @@
 </p:notes>
 </file>
 
-<file path=ppt/notesSlides/notesSlide4.xml><?xml version="1.0" encoding="utf-8"?>
+<file path=ppt/notesSlides/notesSlide5.xml><?xml version="1.0" encoding="utf-8"?>
 <p:notes xmlns:a="http://schemas.openxmlformats.org/drawingml/2006/main" xmlns:r="http://schemas.openxmlformats.org/officeDocument/2006/relationships" xmlns:p="http://schemas.openxmlformats.org/presentationml/2006/main">
   <p:cSld>
     <p:spTree>
@@ -1910,7 +1994,7 @@
           <a:graphicData uri="http://schemas.openxmlformats.org/presentationml/2006/ole">
             <mc:AlternateContent xmlns:mc="http://schemas.openxmlformats.org/markup-compatibility/2006">
               <mc:Choice xmlns:v="urn:schemas-microsoft-com:vml" Requires="v">
-                <p:oleObj spid="_x0000_s1046" name="Image" r:id="rId10" imgW="2279520" imgH="1310400" progId="Photoshop.Image.18">
+                <p:oleObj spid="_x0000_s1051" name="Image" r:id="rId10" imgW="2279520" imgH="1310400" progId="Photoshop.Image.18">
                   <p:embed/>
                 </p:oleObj>
               </mc:Choice>
@@ -2212,50 +2296,50 @@
       </a:lvl9pPr>
     </p:otherStyle>
   </p:txStyles>
-  <p:extLst mod="1">
+  <p:extLst>
     <p:ext uri="{27BBF7A9-308A-43DC-89C8-2F10F3537804}">
       <p15:sldGuideLst xmlns:p15="http://schemas.microsoft.com/office/powerpoint/2012/main">
-        <p15:guide id="1" orient="horz" pos="2381" userDrawn="1">
+        <p15:guide id="1" orient="horz" pos="2381">
           <p15:clr>
             <a:srgbClr val="F26B43"/>
           </p15:clr>
         </p15:guide>
-        <p15:guide id="2" pos="3629" userDrawn="1">
+        <p15:guide id="2" pos="3629">
           <p15:clr>
             <a:srgbClr val="F26B43"/>
           </p15:clr>
         </p15:guide>
-        <p15:guide id="3" pos="7030" userDrawn="1">
+        <p15:guide id="3" pos="7030">
           <p15:clr>
             <a:srgbClr val="F26B43"/>
           </p15:clr>
         </p15:guide>
-        <p15:guide id="4" pos="227" userDrawn="1">
+        <p15:guide id="4" pos="227">
           <p15:clr>
             <a:srgbClr val="F26B43"/>
           </p15:clr>
         </p15:guide>
-        <p15:guide id="5" orient="horz" pos="227" userDrawn="1">
+        <p15:guide id="5" orient="horz" pos="227">
           <p15:clr>
             <a:srgbClr val="F26B43"/>
           </p15:clr>
         </p15:guide>
-        <p15:guide id="7" orient="horz" pos="680" userDrawn="1">
+        <p15:guide id="7" orient="horz" pos="680">
           <p15:clr>
             <a:srgbClr val="F26B43"/>
           </p15:clr>
         </p15:guide>
-        <p15:guide id="8" orient="horz" pos="907" userDrawn="1">
+        <p15:guide id="8" orient="horz" pos="907">
           <p15:clr>
             <a:srgbClr val="F26B43"/>
           </p15:clr>
         </p15:guide>
-        <p15:guide id="9" orient="horz" pos="3855" userDrawn="1">
+        <p15:guide id="9" orient="horz" pos="3855">
           <p15:clr>
             <a:srgbClr val="F26B43"/>
           </p15:clr>
         </p15:guide>
-        <p15:guide id="10" orient="horz" pos="2041" userDrawn="1">
+        <p15:guide id="10" orient="horz" pos="2041">
           <p15:clr>
             <a:srgbClr val="F26B43"/>
           </p15:clr>
@@ -3897,7 +3981,19 @@
               <a:rPr lang="en-US" sz="2400" dirty="0">
                 <a:hlinkClick r:id="rId3"/>
               </a:rPr>
-              <a:t>http://schottsql.wordpress.com</a:t>
+              <a:t>http</a:t>
+            </a:r>
+            <a:r>
+              <a:rPr lang="en-US" sz="2400">
+                <a:hlinkClick r:id="rId3"/>
+              </a:rPr>
+              <a:t>://schottsql.</a:t>
+            </a:r>
+            <a:r>
+              <a:rPr lang="en-US" sz="2400" dirty="0">
+                <a:hlinkClick r:id="rId3"/>
+              </a:rPr>
+              <a:t>com</a:t>
             </a:r>
             <a:endParaRPr lang="en-US" sz="2400" dirty="0"/>
           </a:p>
@@ -3957,19 +4053,6 @@
               <a:rPr lang="en-US" sz="2400" dirty="0"/>
               <a:t>Rate this presentation:</a:t>
             </a:r>
-          </a:p>
-          <a:p>
-            <a:r>
-              <a:rPr lang="en-US" altLang="en-US" sz="2400" dirty="0">
-                <a:solidFill>
-                  <a:schemeClr val="tx1"/>
-                </a:solidFill>
-                <a:latin typeface="Arial" panose="020B0604020202020204" pitchFamily="34" charset="0"/>
-                <a:hlinkClick r:id="rId5"/>
-              </a:rPr>
-              <a:t>http://spkr8.com/t/75511</a:t>
-            </a:r>
-            <a:endParaRPr lang="en-US" sz="2400" dirty="0"/>
           </a:p>
         </p:txBody>
       </p:sp>
@@ -8983,7 +9066,7 @@
 <file path=ppt/theme/theme1.xml><?xml version="1.0" encoding="utf-8"?>
 <a:theme xmlns:a="http://schemas.openxmlformats.org/drawingml/2006/main" name="SQLSatOslo 2016">
   <a:themeElements>
-    <a:clrScheme name="PASS SQLSaturday">
+    <a:clrScheme name="Custom 1">
       <a:dk1>
         <a:srgbClr val="101820"/>
       </a:dk1>
@@ -9015,10 +9098,10 @@
         <a:srgbClr val="AF272F"/>
       </a:accent6>
       <a:hlink>
-        <a:srgbClr val="00BF6F"/>
+        <a:srgbClr val="005F37"/>
       </a:hlink>
       <a:folHlink>
-        <a:srgbClr val="2DCCD3"/>
+        <a:srgbClr val="008F53"/>
       </a:folHlink>
     </a:clrScheme>
     <a:fontScheme name="PASS SQLSaturday">

--- a/Getting Your DB Schema Under Control With SSDT - SQL Saturday.pptx
+++ b/Getting Your DB Schema Under Control With SSDT - SQL Saturday.pptx
@@ -5,22 +5,24 @@
     <p:sldMasterId id="2147483648" r:id="rId1"/>
   </p:sldMasterIdLst>
   <p:notesMasterIdLst>
-    <p:notesMasterId r:id="rId15"/>
+    <p:notesMasterId r:id="rId17"/>
   </p:notesMasterIdLst>
   <p:sldIdLst>
     <p:sldId id="263" r:id="rId2"/>
-    <p:sldId id="264" r:id="rId3"/>
-    <p:sldId id="265" r:id="rId4"/>
-    <p:sldId id="275" r:id="rId5"/>
-    <p:sldId id="279" r:id="rId6"/>
-    <p:sldId id="280" r:id="rId7"/>
-    <p:sldId id="281" r:id="rId8"/>
-    <p:sldId id="282" r:id="rId9"/>
-    <p:sldId id="266" r:id="rId10"/>
-    <p:sldId id="285" r:id="rId11"/>
-    <p:sldId id="274" r:id="rId12"/>
-    <p:sldId id="284" r:id="rId13"/>
-    <p:sldId id="273" r:id="rId14"/>
+    <p:sldId id="257" r:id="rId3"/>
+    <p:sldId id="264" r:id="rId4"/>
+    <p:sldId id="265" r:id="rId5"/>
+    <p:sldId id="286" r:id="rId6"/>
+    <p:sldId id="275" r:id="rId7"/>
+    <p:sldId id="279" r:id="rId8"/>
+    <p:sldId id="280" r:id="rId9"/>
+    <p:sldId id="281" r:id="rId10"/>
+    <p:sldId id="282" r:id="rId11"/>
+    <p:sldId id="266" r:id="rId12"/>
+    <p:sldId id="285" r:id="rId13"/>
+    <p:sldId id="274" r:id="rId14"/>
+    <p:sldId id="284" r:id="rId15"/>
+    <p:sldId id="273" r:id="rId16"/>
   </p:sldIdLst>
   <p:sldSz cx="11520488" cy="6480175"/>
   <p:notesSz cx="6858000" cy="9144000"/>
@@ -141,9 +143,44 @@
 <file path=ppt/revisionInfo.xml><?xml version="1.0" encoding="utf-8"?>
 <p1510:revInfo xmlns:a="http://schemas.openxmlformats.org/drawingml/2006/main" xmlns:r="http://schemas.openxmlformats.org/officeDocument/2006/relationships" xmlns:p1510="http://schemas.microsoft.com/office/powerpoint/2015/10/main">
   <p1510:revLst>
-    <p1510:client id="{4CC5A066-8865-4B77-AE89-BED06B94F445}" v="17" dt="2018-04-20T02:44:33.456"/>
+    <p1510:client id="{DA959C98-C598-451D-9E8F-568516E4CD3F}" v="7" dt="2020-02-12T13:21:35.573"/>
   </p1510:revLst>
 </p1510:revInfo>
+</file>
+
+<file path=ppt/changesInfos/changesInfo1.xml><?xml version="1.0" encoding="utf-8"?>
+<pc:chgInfo xmlns:a="http://schemas.openxmlformats.org/drawingml/2006/main" xmlns:r="http://schemas.openxmlformats.org/officeDocument/2006/relationships" xmlns:ac="http://schemas.microsoft.com/office/drawing/2013/main/command" xmlns:pc="http://schemas.microsoft.com/office/powerpoint/2013/main/command">
+  <pc:docChgLst>
+    <pc:chgData name="Peter Schott" userId="285ed9c2763531fb" providerId="LiveId" clId="{DA959C98-C598-451D-9E8F-568516E4CD3F}"/>
+    <pc:docChg chg="custSel delSld modSld">
+      <pc:chgData name="Peter Schott" userId="285ed9c2763531fb" providerId="LiveId" clId="{DA959C98-C598-451D-9E8F-568516E4CD3F}" dt="2020-02-13T04:03:45.385" v="694" actId="20577"/>
+      <pc:docMkLst>
+        <pc:docMk/>
+      </pc:docMkLst>
+      <pc:sldChg chg="del">
+        <pc:chgData name="Peter Schott" userId="285ed9c2763531fb" providerId="LiveId" clId="{DA959C98-C598-451D-9E8F-568516E4CD3F}" dt="2020-02-12T13:16:03.994" v="0" actId="47"/>
+        <pc:sldMkLst>
+          <pc:docMk/>
+          <pc:sldMk cId="903825920" sldId="265"/>
+        </pc:sldMkLst>
+      </pc:sldChg>
+      <pc:sldChg chg="modNotesTx">
+        <pc:chgData name="Peter Schott" userId="285ed9c2763531fb" providerId="LiveId" clId="{DA959C98-C598-451D-9E8F-568516E4CD3F}" dt="2020-02-12T13:22:26.606" v="476" actId="20577"/>
+        <pc:sldMkLst>
+          <pc:docMk/>
+          <pc:sldMk cId="2511727188" sldId="275"/>
+        </pc:sldMkLst>
+      </pc:sldChg>
+      <pc:sldChg chg="modNotesTx">
+        <pc:chgData name="Peter Schott" userId="285ed9c2763531fb" providerId="LiveId" clId="{DA959C98-C598-451D-9E8F-568516E4CD3F}" dt="2020-02-13T04:03:45.385" v="694" actId="20577"/>
+        <pc:sldMkLst>
+          <pc:docMk/>
+          <pc:sldMk cId="3617159197" sldId="285"/>
+        </pc:sldMkLst>
+      </pc:sldChg>
+    </pc:docChg>
+  </pc:docChgLst>
+</pc:chgInfo>
 </file>
 
 <file path=ppt/notesMasters/notesMaster1.xml><?xml version="1.0" encoding="utf-8"?>
@@ -228,7 +265,7 @@
           <a:p>
             <a:fld id="{A91C24B7-45C9-41FD-A78C-C7253DD9DAB8}" type="datetimeFigureOut">
               <a:rPr lang="en-US" smtClean="0"/>
-              <a:t>11/19/2019</a:t>
+              <a:t>2/12/2020</a:t>
             </a:fld>
             <a:endParaRPr lang="en-US"/>
           </a:p>
@@ -584,7 +621,7 @@
           <a:p>
             <a:fld id="{72A8FC1E-06AC-4303-A803-811885543167}" type="slidenum">
               <a:rPr lang="en-US" smtClean="0"/>
-              <a:t>2</a:t>
+              <a:t>3</a:t>
             </a:fld>
             <a:endParaRPr lang="en-US"/>
           </a:p>
@@ -653,6 +690,89 @@
             </a:r>
           </a:p>
           <a:p>
+            <a:r>
+              <a:rPr lang="en-US" dirty="0"/>
+              <a:t>Or use </a:t>
+            </a:r>
+            <a:r>
+              <a:rPr lang="en-US" dirty="0" err="1"/>
+              <a:t>Chocolately</a:t>
+            </a:r>
+            <a:r>
+              <a:rPr lang="en-US" dirty="0"/>
+              <a:t> to install VS shell + </a:t>
+            </a:r>
+            <a:r>
+              <a:rPr lang="en-US" dirty="0" err="1"/>
+              <a:t>ssdt</a:t>
+            </a:r>
+            <a:r>
+              <a:rPr lang="en-US" dirty="0"/>
+              <a:t>.</a:t>
+            </a:r>
+          </a:p>
+          <a:p>
+            <a:endParaRPr lang="en-US" dirty="0"/>
+          </a:p>
+          <a:p>
+            <a:r>
+              <a:rPr lang="en-US" dirty="0" err="1"/>
+              <a:t>choco</a:t>
+            </a:r>
+            <a:r>
+              <a:rPr lang="en-US" dirty="0"/>
+              <a:t> install visualstudio2019community</a:t>
+            </a:r>
+          </a:p>
+          <a:p>
+            <a:r>
+              <a:rPr lang="en-US" sz="1200" b="0" i="0" kern="1200" dirty="0" err="1">
+                <a:solidFill>
+                  <a:schemeClr val="tx1"/>
+                </a:solidFill>
+                <a:effectLst/>
+                <a:latin typeface="+mn-lt"/>
+                <a:ea typeface="+mn-ea"/>
+                <a:cs typeface="+mn-cs"/>
+              </a:rPr>
+              <a:t>choco</a:t>
+            </a:r>
+            <a:r>
+              <a:rPr lang="en-US" sz="1200" b="0" i="0" kern="1200" dirty="0">
+                <a:solidFill>
+                  <a:schemeClr val="tx1"/>
+                </a:solidFill>
+                <a:effectLst/>
+                <a:latin typeface="+mn-lt"/>
+                <a:ea typeface="+mn-ea"/>
+                <a:cs typeface="+mn-cs"/>
+              </a:rPr>
+              <a:t> install visualstudio2019-workload-databuildtools --package-parameters "--no-</a:t>
+            </a:r>
+            <a:r>
+              <a:rPr lang="en-US" sz="1200" b="0" i="0" kern="1200" dirty="0" err="1">
+                <a:solidFill>
+                  <a:schemeClr val="tx1"/>
+                </a:solidFill>
+                <a:effectLst/>
+                <a:latin typeface="+mn-lt"/>
+                <a:ea typeface="+mn-ea"/>
+                <a:cs typeface="+mn-cs"/>
+              </a:rPr>
+              <a:t>includeRecommended</a:t>
+            </a:r>
+            <a:r>
+              <a:rPr lang="en-US" sz="1200" b="0" i="0" kern="1200" dirty="0">
+                <a:solidFill>
+                  <a:schemeClr val="tx1"/>
+                </a:solidFill>
+                <a:effectLst/>
+                <a:latin typeface="+mn-lt"/>
+                <a:ea typeface="+mn-ea"/>
+                <a:cs typeface="+mn-cs"/>
+              </a:rPr>
+              <a:t>"</a:t>
+            </a:r>
             <a:endParaRPr lang="en-US" dirty="0"/>
           </a:p>
         </p:txBody>
@@ -674,7 +794,7 @@
           <a:p>
             <a:fld id="{72A8FC1E-06AC-4303-A803-811885543167}" type="slidenum">
               <a:rPr lang="en-US" smtClean="0"/>
-              <a:t>3</a:t>
+              <a:t>4</a:t>
             </a:fld>
             <a:endParaRPr lang="en-US"/>
           </a:p>
@@ -737,6 +857,56 @@
           <a:bodyPr/>
           <a:lstStyle/>
           <a:p>
+            <a:r>
+              <a:rPr lang="en-US" sz="1200" b="0" i="0" kern="1200" dirty="0" err="1">
+                <a:solidFill>
+                  <a:schemeClr val="tx1"/>
+                </a:solidFill>
+                <a:effectLst/>
+                <a:latin typeface="+mn-lt"/>
+                <a:ea typeface="+mn-ea"/>
+                <a:cs typeface="+mn-cs"/>
+              </a:rPr>
+              <a:t>choco</a:t>
+            </a:r>
+            <a:r>
+              <a:rPr lang="en-US" sz="1200" b="0" i="0" kern="1200" dirty="0">
+                <a:solidFill>
+                  <a:schemeClr val="tx1"/>
+                </a:solidFill>
+                <a:effectLst/>
+                <a:latin typeface="+mn-lt"/>
+                <a:ea typeface="+mn-ea"/>
+                <a:cs typeface="+mn-cs"/>
+              </a:rPr>
+              <a:t> install visualstudio2019-workload-databuildtools --package-parameters "--no-</a:t>
+            </a:r>
+            <a:r>
+              <a:rPr lang="en-US" sz="1200" b="0" i="0" kern="1200" dirty="0" err="1">
+                <a:solidFill>
+                  <a:schemeClr val="tx1"/>
+                </a:solidFill>
+                <a:effectLst/>
+                <a:latin typeface="+mn-lt"/>
+                <a:ea typeface="+mn-ea"/>
+                <a:cs typeface="+mn-cs"/>
+              </a:rPr>
+              <a:t>includeRecommended</a:t>
+            </a:r>
+            <a:r>
+              <a:rPr lang="en-US" sz="1200" b="0" i="0" kern="1200" dirty="0">
+                <a:solidFill>
+                  <a:schemeClr val="tx1"/>
+                </a:solidFill>
+                <a:effectLst/>
+                <a:latin typeface="+mn-lt"/>
+                <a:ea typeface="+mn-ea"/>
+                <a:cs typeface="+mn-cs"/>
+              </a:rPr>
+              <a:t>“</a:t>
+            </a:r>
+          </a:p>
+          <a:p>
             <a:endParaRPr lang="en-US" dirty="0"/>
           </a:p>
         </p:txBody>
@@ -758,7 +928,7 @@
           <a:p>
             <a:fld id="{205E3C98-63D7-475C-978E-1DBC9F9B9B7D}" type="slidenum">
               <a:rPr lang="en-US" smtClean="0"/>
-              <a:t>4</a:t>
+              <a:t>5</a:t>
             </a:fld>
             <a:endParaRPr lang="en-US"/>
           </a:p>
@@ -767,7 +937,7 @@
     </p:spTree>
     <p:extLst>
       <p:ext uri="{BB962C8B-B14F-4D97-AF65-F5344CB8AC3E}">
-        <p14:creationId xmlns:p14="http://schemas.microsoft.com/office/powerpoint/2010/main" val="1345404271"/>
+        <p14:creationId xmlns:p14="http://schemas.microsoft.com/office/powerpoint/2010/main" val="3964907677"/>
       </p:ext>
     </p:extLst>
   </p:cSld>
@@ -823,8 +993,95 @@
           <a:p>
             <a:r>
               <a:rPr lang="en-US" dirty="0"/>
-              <a:t>See next slides</a:t>
-            </a:r>
+              <a:t>Create empty project</a:t>
+            </a:r>
+          </a:p>
+          <a:p>
+            <a:r>
+              <a:rPr lang="en-US" dirty="0"/>
+              <a:t>Observe how sparse the project looks – no guidance</a:t>
+            </a:r>
+          </a:p>
+          <a:p>
+            <a:r>
+              <a:rPr lang="en-US" dirty="0"/>
+              <a:t>Import “AdventureWorks2012” – full import only works on empty/new project. Afterwards can only import scripts.</a:t>
+            </a:r>
+          </a:p>
+          <a:p>
+            <a:r>
+              <a:rPr lang="en-US" dirty="0"/>
+              <a:t>Usually avoid importing logins, users, and permissions – those tend to be environment-specific</a:t>
+            </a:r>
+          </a:p>
+          <a:p>
+            <a:pPr marL="0" marR="0" lvl="0" indent="0" algn="l" defTabSz="914400" rtl="0" eaLnBrk="1" fontAlgn="auto" latinLnBrk="0" hangingPunct="1">
+              <a:lnSpc>
+                <a:spcPct val="100000"/>
+              </a:lnSpc>
+              <a:spcBef>
+                <a:spcPts val="0"/>
+              </a:spcBef>
+              <a:spcAft>
+                <a:spcPts val="0"/>
+              </a:spcAft>
+              <a:buClrTx/>
+              <a:buSzTx/>
+              <a:buFontTx/>
+              <a:buNone/>
+              <a:tabLst/>
+              <a:defRPr/>
+            </a:pPr>
+            <a:r>
+              <a:rPr lang="en-US" dirty="0"/>
+              <a:t>Explore project – properties, object scripts (all CREATE), folders by schema/type</a:t>
+            </a:r>
+          </a:p>
+          <a:p>
+            <a:pPr marL="0" marR="0" lvl="0" indent="0" algn="l" defTabSz="914400" rtl="0" eaLnBrk="1" fontAlgn="auto" latinLnBrk="0" hangingPunct="1">
+              <a:lnSpc>
+                <a:spcPct val="100000"/>
+              </a:lnSpc>
+              <a:spcBef>
+                <a:spcPts val="0"/>
+              </a:spcBef>
+              <a:spcAft>
+                <a:spcPts val="0"/>
+              </a:spcAft>
+              <a:buClrTx/>
+              <a:buSzTx/>
+              <a:buFontTx/>
+              <a:buNone/>
+              <a:tabLst/>
+              <a:defRPr/>
+            </a:pPr>
+            <a:r>
+              <a:rPr lang="en-US" dirty="0"/>
+              <a:t>Show empty project with “Template” – folders and structures I’ve found helpful</a:t>
+            </a:r>
+          </a:p>
+          <a:p>
+            <a:pPr marL="0" marR="0" lvl="0" indent="0" algn="l" defTabSz="914400" rtl="0" eaLnBrk="1" fontAlgn="auto" latinLnBrk="0" hangingPunct="1">
+              <a:lnSpc>
+                <a:spcPct val="100000"/>
+              </a:lnSpc>
+              <a:spcBef>
+                <a:spcPts val="0"/>
+              </a:spcBef>
+              <a:spcAft>
+                <a:spcPts val="0"/>
+              </a:spcAft>
+              <a:buClrTx/>
+              <a:buSzTx/>
+              <a:buFontTx/>
+              <a:buNone/>
+              <a:tabLst/>
+              <a:defRPr/>
+            </a:pPr>
+            <a:endParaRPr lang="en-US" dirty="0"/>
+          </a:p>
+          <a:p>
+            <a:endParaRPr lang="en-US" dirty="0"/>
           </a:p>
         </p:txBody>
       </p:sp>
@@ -835,7 +1092,7 @@
             <a:spLocks noGrp="1"/>
           </p:cNvSpPr>
           <p:nvPr>
-            <p:ph type="sldNum" sz="quarter" idx="10"/>
+            <p:ph type="sldNum" sz="quarter" idx="5"/>
           </p:nvPr>
         </p:nvSpPr>
         <p:spPr/>
@@ -843,9 +1100,9 @@
           <a:bodyPr/>
           <a:lstStyle/>
           <a:p>
-            <a:fld id="{72A8FC1E-06AC-4303-A803-811885543167}" type="slidenum">
+            <a:fld id="{205E3C98-63D7-475C-978E-1DBC9F9B9B7D}" type="slidenum">
               <a:rPr lang="en-US" smtClean="0"/>
-              <a:t>5</a:t>
+              <a:t>6</a:t>
             </a:fld>
             <a:endParaRPr lang="en-US"/>
           </a:p>
@@ -854,7 +1111,7 @@
     </p:spTree>
     <p:extLst>
       <p:ext uri="{BB962C8B-B14F-4D97-AF65-F5344CB8AC3E}">
-        <p14:creationId xmlns:p14="http://schemas.microsoft.com/office/powerpoint/2010/main" val="2993956762"/>
+        <p14:creationId xmlns:p14="http://schemas.microsoft.com/office/powerpoint/2010/main" val="1345404271"/>
       </p:ext>
     </p:extLst>
   </p:cSld>
@@ -910,37 +1167,8 @@
           <a:p>
             <a:r>
               <a:rPr lang="en-US" dirty="0"/>
-              <a:t>Sometimes the import just doesn’t work.</a:t>
-            </a:r>
-          </a:p>
-          <a:p>
-            <a:r>
-              <a:rPr lang="en-US" dirty="0"/>
-              <a:t>Leave variable blank if DB name will always be the same</a:t>
-            </a:r>
-          </a:p>
-          <a:p>
-            <a:r>
-              <a:rPr lang="en-US" dirty="0"/>
-              <a:t>Choose “Different Database, Different Server” for linked server </a:t>
-            </a:r>
-            <a:r>
-              <a:rPr lang="en-US" dirty="0" err="1"/>
-              <a:t>dbs</a:t>
-            </a:r>
-            <a:endParaRPr lang="en-US" dirty="0"/>
-          </a:p>
-          <a:p>
-            <a:endParaRPr lang="en-US" dirty="0"/>
-          </a:p>
-          <a:p>
-            <a:r>
-              <a:rPr lang="en-US" dirty="0"/>
-              <a:t>https://msdn.microsoft.com/en-us/library/hh550080(v=VS.103).aspx</a:t>
-            </a:r>
-          </a:p>
-          <a:p>
-            <a:endParaRPr lang="en-US" dirty="0"/>
+              <a:t>See next slides</a:t>
+            </a:r>
           </a:p>
         </p:txBody>
       </p:sp>
@@ -970,7 +1198,296 @@
     </p:spTree>
     <p:extLst>
       <p:ext uri="{BB962C8B-B14F-4D97-AF65-F5344CB8AC3E}">
+        <p14:creationId xmlns:p14="http://schemas.microsoft.com/office/powerpoint/2010/main" val="2993956762"/>
+      </p:ext>
+    </p:extLst>
+  </p:cSld>
+  <p:clrMapOvr>
+    <a:masterClrMapping/>
+  </p:clrMapOvr>
+</p:notes>
+</file>
+
+<file path=ppt/notesSlides/notesSlide6.xml><?xml version="1.0" encoding="utf-8"?>
+<p:notes xmlns:a="http://schemas.openxmlformats.org/drawingml/2006/main" xmlns:r="http://schemas.openxmlformats.org/officeDocument/2006/relationships" xmlns:p="http://schemas.openxmlformats.org/presentationml/2006/main">
+  <p:cSld>
+    <p:spTree>
+      <p:nvGrpSpPr>
+        <p:cNvPr id="1" name=""/>
+        <p:cNvGrpSpPr/>
+        <p:nvPr/>
+      </p:nvGrpSpPr>
+      <p:grpSpPr>
+        <a:xfrm>
+          <a:off x="0" y="0"/>
+          <a:ext cx="0" cy="0"/>
+          <a:chOff x="0" y="0"/>
+          <a:chExt cx="0" cy="0"/>
+        </a:xfrm>
+      </p:grpSpPr>
+      <p:sp>
+        <p:nvSpPr>
+          <p:cNvPr id="2" name="Slide Image Placeholder 1"/>
+          <p:cNvSpPr>
+            <a:spLocks noGrp="1" noRot="1" noChangeAspect="1"/>
+          </p:cNvSpPr>
+          <p:nvPr>
+            <p:ph type="sldImg"/>
+          </p:nvPr>
+        </p:nvSpPr>
+        <p:spPr/>
+      </p:sp>
+      <p:sp>
+        <p:nvSpPr>
+          <p:cNvPr id="3" name="Notes Placeholder 2"/>
+          <p:cNvSpPr>
+            <a:spLocks noGrp="1"/>
+          </p:cNvSpPr>
+          <p:nvPr>
+            <p:ph type="body" idx="1"/>
+          </p:nvPr>
+        </p:nvSpPr>
+        <p:spPr/>
+        <p:txBody>
+          <a:bodyPr/>
+          <a:lstStyle/>
+          <a:p>
+            <a:r>
+              <a:rPr lang="en-US" dirty="0"/>
+              <a:t>Sometimes the import just doesn’t work.</a:t>
+            </a:r>
+          </a:p>
+          <a:p>
+            <a:r>
+              <a:rPr lang="en-US" dirty="0"/>
+              <a:t>Leave variable blank if DB name will always be the same</a:t>
+            </a:r>
+          </a:p>
+          <a:p>
+            <a:r>
+              <a:rPr lang="en-US" dirty="0"/>
+              <a:t>Choose “Different Database, Different Server” for linked server </a:t>
+            </a:r>
+            <a:r>
+              <a:rPr lang="en-US" dirty="0" err="1"/>
+              <a:t>dbs</a:t>
+            </a:r>
+            <a:endParaRPr lang="en-US" dirty="0"/>
+          </a:p>
+          <a:p>
+            <a:endParaRPr lang="en-US" dirty="0"/>
+          </a:p>
+          <a:p>
+            <a:r>
+              <a:rPr lang="en-US" dirty="0"/>
+              <a:t>https://msdn.microsoft.com/en-us/library/hh550080(v=VS.103).aspx</a:t>
+            </a:r>
+          </a:p>
+          <a:p>
+            <a:endParaRPr lang="en-US" dirty="0"/>
+          </a:p>
+        </p:txBody>
+      </p:sp>
+      <p:sp>
+        <p:nvSpPr>
+          <p:cNvPr id="4" name="Slide Number Placeholder 3"/>
+          <p:cNvSpPr>
+            <a:spLocks noGrp="1"/>
+          </p:cNvSpPr>
+          <p:nvPr>
+            <p:ph type="sldNum" sz="quarter" idx="10"/>
+          </p:nvPr>
+        </p:nvSpPr>
+        <p:spPr/>
+        <p:txBody>
+          <a:bodyPr/>
+          <a:lstStyle/>
+          <a:p>
+            <a:fld id="{72A8FC1E-06AC-4303-A803-811885543167}" type="slidenum">
+              <a:rPr lang="en-US" smtClean="0"/>
+              <a:t>9</a:t>
+            </a:fld>
+            <a:endParaRPr lang="en-US"/>
+          </a:p>
+        </p:txBody>
+      </p:sp>
+    </p:spTree>
+    <p:extLst>
+      <p:ext uri="{BB962C8B-B14F-4D97-AF65-F5344CB8AC3E}">
         <p14:creationId xmlns:p14="http://schemas.microsoft.com/office/powerpoint/2010/main" val="3534527889"/>
+      </p:ext>
+    </p:extLst>
+  </p:cSld>
+  <p:clrMapOvr>
+    <a:masterClrMapping/>
+  </p:clrMapOvr>
+</p:notes>
+</file>
+
+<file path=ppt/notesSlides/notesSlide7.xml><?xml version="1.0" encoding="utf-8"?>
+<p:notes xmlns:a="http://schemas.openxmlformats.org/drawingml/2006/main" xmlns:r="http://schemas.openxmlformats.org/officeDocument/2006/relationships" xmlns:p="http://schemas.openxmlformats.org/presentationml/2006/main">
+  <p:cSld>
+    <p:spTree>
+      <p:nvGrpSpPr>
+        <p:cNvPr id="1" name=""/>
+        <p:cNvGrpSpPr/>
+        <p:nvPr/>
+      </p:nvGrpSpPr>
+      <p:grpSpPr>
+        <a:xfrm>
+          <a:off x="0" y="0"/>
+          <a:ext cx="0" cy="0"/>
+          <a:chOff x="0" y="0"/>
+          <a:chExt cx="0" cy="0"/>
+        </a:xfrm>
+      </p:grpSpPr>
+      <p:sp>
+        <p:nvSpPr>
+          <p:cNvPr id="2" name="Slide Image Placeholder 1"/>
+          <p:cNvSpPr>
+            <a:spLocks noGrp="1" noRot="1" noChangeAspect="1"/>
+          </p:cNvSpPr>
+          <p:nvPr>
+            <p:ph type="sldImg"/>
+          </p:nvPr>
+        </p:nvSpPr>
+        <p:spPr/>
+      </p:sp>
+      <p:sp>
+        <p:nvSpPr>
+          <p:cNvPr id="3" name="Notes Placeholder 2"/>
+          <p:cNvSpPr>
+            <a:spLocks noGrp="1"/>
+          </p:cNvSpPr>
+          <p:nvPr>
+            <p:ph type="body" idx="1"/>
+          </p:nvPr>
+        </p:nvSpPr>
+        <p:spPr/>
+        <p:txBody>
+          <a:bodyPr/>
+          <a:lstStyle/>
+          <a:p>
+            <a:pPr marL="171450" indent="-171450">
+              <a:buFont typeface="Arial" panose="020B0604020202020204" pitchFamily="34" charset="0"/>
+              <a:buChar char="•"/>
+            </a:pPr>
+            <a:r>
+              <a:rPr lang="en-US" dirty="0"/>
+              <a:t>Build/Publish</a:t>
+            </a:r>
+          </a:p>
+          <a:p>
+            <a:pPr marL="171450" indent="-171450">
+              <a:buFont typeface="Arial" panose="020B0604020202020204" pitchFamily="34" charset="0"/>
+              <a:buChar char="•"/>
+            </a:pPr>
+            <a:r>
+              <a:rPr lang="en-US" dirty="0"/>
+              <a:t>Deploy/Publish profiles to save options</a:t>
+            </a:r>
+          </a:p>
+          <a:p>
+            <a:pPr marL="171450" indent="-171450">
+              <a:buFont typeface="Arial" panose="020B0604020202020204" pitchFamily="34" charset="0"/>
+              <a:buChar char="•"/>
+            </a:pPr>
+            <a:r>
+              <a:rPr lang="en-US" dirty="0"/>
+              <a:t>Adding new objects/changing existing ones</a:t>
+            </a:r>
+          </a:p>
+          <a:p>
+            <a:pPr marL="628650" lvl="1" indent="-171450">
+              <a:buFont typeface="Arial" panose="020B0604020202020204" pitchFamily="34" charset="0"/>
+              <a:buChar char="•"/>
+            </a:pPr>
+            <a:r>
+              <a:rPr lang="en-US" dirty="0"/>
+              <a:t>Remember to check “Ignored” scripts</a:t>
+            </a:r>
+          </a:p>
+          <a:p>
+            <a:pPr marL="171450" lvl="0" indent="-171450">
+              <a:buFont typeface="Arial" panose="020B0604020202020204" pitchFamily="34" charset="0"/>
+              <a:buChar char="•"/>
+            </a:pPr>
+            <a:r>
+              <a:rPr lang="en-US" dirty="0"/>
+              <a:t>Pre/Post scripts</a:t>
+            </a:r>
+          </a:p>
+          <a:p>
+            <a:pPr marL="171450" lvl="0" indent="-171450">
+              <a:buFont typeface="Arial" panose="020B0604020202020204" pitchFamily="34" charset="0"/>
+              <a:buChar char="•"/>
+            </a:pPr>
+            <a:r>
+              <a:rPr lang="en-US" dirty="0"/>
+              <a:t>Snapshots</a:t>
+            </a:r>
+          </a:p>
+          <a:p>
+            <a:pPr marL="171450" lvl="0" indent="-171450">
+              <a:buFont typeface="Arial" panose="020B0604020202020204" pitchFamily="34" charset="0"/>
+              <a:buChar char="•"/>
+            </a:pPr>
+            <a:r>
+              <a:rPr lang="en-US" dirty="0"/>
+              <a:t>VCS – git, TFS, SVN, </a:t>
+            </a:r>
+            <a:r>
+              <a:rPr lang="en-US" dirty="0" err="1"/>
+              <a:t>etc</a:t>
+            </a:r>
+            <a:endParaRPr lang="en-US" dirty="0"/>
+          </a:p>
+          <a:p>
+            <a:pPr marL="171450" lvl="0" indent="-171450">
+              <a:buFont typeface="Arial" panose="020B0604020202020204" pitchFamily="34" charset="0"/>
+              <a:buChar char="•"/>
+            </a:pPr>
+            <a:r>
+              <a:rPr lang="en-US"/>
+              <a:t>Command-Line w/ demos</a:t>
+            </a:r>
+          </a:p>
+          <a:p>
+            <a:pPr marL="171450" lvl="0" indent="-171450">
+              <a:buFont typeface="Arial" panose="020B0604020202020204" pitchFamily="34" charset="0"/>
+              <a:buChar char="•"/>
+            </a:pPr>
+            <a:endParaRPr lang="en-US" dirty="0"/>
+          </a:p>
+        </p:txBody>
+      </p:sp>
+      <p:sp>
+        <p:nvSpPr>
+          <p:cNvPr id="4" name="Slide Number Placeholder 3"/>
+          <p:cNvSpPr>
+            <a:spLocks noGrp="1"/>
+          </p:cNvSpPr>
+          <p:nvPr>
+            <p:ph type="sldNum" sz="quarter" idx="5"/>
+          </p:nvPr>
+        </p:nvSpPr>
+        <p:spPr/>
+        <p:txBody>
+          <a:bodyPr/>
+          <a:lstStyle/>
+          <a:p>
+            <a:fld id="{205E3C98-63D7-475C-978E-1DBC9F9B9B7D}" type="slidenum">
+              <a:rPr lang="en-US" smtClean="0"/>
+              <a:t>12</a:t>
+            </a:fld>
+            <a:endParaRPr lang="en-US"/>
+          </a:p>
+        </p:txBody>
+      </p:sp>
+    </p:spTree>
+    <p:extLst>
+      <p:ext uri="{BB962C8B-B14F-4D97-AF65-F5344CB8AC3E}">
+        <p14:creationId xmlns:p14="http://schemas.microsoft.com/office/powerpoint/2010/main" val="4287518488"/>
       </p:ext>
     </p:extLst>
   </p:cSld>
@@ -1831,6 +2348,218 @@
 </p:sldLayout>
 </file>
 
+<file path=ppt/slideLayouts/slideLayout8.xml><?xml version="1.0" encoding="utf-8"?>
+<p:sldLayout xmlns:a="http://schemas.openxmlformats.org/drawingml/2006/main" xmlns:r="http://schemas.openxmlformats.org/officeDocument/2006/relationships" xmlns:p="http://schemas.openxmlformats.org/presentationml/2006/main" type="title">
+  <p:cSld name="Title Slide">
+    <p:spTree>
+      <p:nvGrpSpPr>
+        <p:cNvPr id="1" name=""/>
+        <p:cNvGrpSpPr/>
+        <p:nvPr/>
+      </p:nvGrpSpPr>
+      <p:grpSpPr>
+        <a:xfrm>
+          <a:off x="0" y="0"/>
+          <a:ext cx="0" cy="0"/>
+          <a:chOff x="0" y="0"/>
+          <a:chExt cx="0" cy="0"/>
+        </a:xfrm>
+      </p:grpSpPr>
+      <p:sp>
+        <p:nvSpPr>
+          <p:cNvPr id="2" name="Title 1"/>
+          <p:cNvSpPr>
+            <a:spLocks noGrp="1"/>
+          </p:cNvSpPr>
+          <p:nvPr>
+            <p:ph type="ctrTitle"/>
+          </p:nvPr>
+        </p:nvSpPr>
+        <p:spPr>
+          <a:xfrm>
+            <a:off x="864037" y="2013055"/>
+            <a:ext cx="9792415" cy="1389038"/>
+          </a:xfrm>
+        </p:spPr>
+        <p:txBody>
+          <a:bodyPr/>
+          <a:lstStyle/>
+          <a:p>
+            <a:r>
+              <a:rPr lang="en-US"/>
+              <a:t>Click to edit Master title style</a:t>
+            </a:r>
+          </a:p>
+        </p:txBody>
+      </p:sp>
+      <p:sp>
+        <p:nvSpPr>
+          <p:cNvPr id="3" name="Subtitle 2"/>
+          <p:cNvSpPr>
+            <a:spLocks noGrp="1"/>
+          </p:cNvSpPr>
+          <p:nvPr>
+            <p:ph type="subTitle" idx="1"/>
+          </p:nvPr>
+        </p:nvSpPr>
+        <p:spPr>
+          <a:xfrm>
+            <a:off x="1728073" y="3672099"/>
+            <a:ext cx="8064342" cy="1656045"/>
+          </a:xfrm>
+        </p:spPr>
+        <p:txBody>
+          <a:bodyPr/>
+          <a:lstStyle>
+            <a:lvl1pPr marL="0" indent="0" algn="ctr">
+              <a:buNone/>
+              <a:defRPr/>
+            </a:lvl1pPr>
+            <a:lvl2pPr marL="432008" indent="0" algn="ctr">
+              <a:buNone/>
+              <a:defRPr/>
+            </a:lvl2pPr>
+            <a:lvl3pPr marL="864017" indent="0" algn="ctr">
+              <a:buNone/>
+              <a:defRPr/>
+            </a:lvl3pPr>
+            <a:lvl4pPr marL="1296025" indent="0" algn="ctr">
+              <a:buNone/>
+              <a:defRPr/>
+            </a:lvl4pPr>
+            <a:lvl5pPr marL="1728033" indent="0" algn="ctr">
+              <a:buNone/>
+              <a:defRPr/>
+            </a:lvl5pPr>
+            <a:lvl6pPr marL="2160041" indent="0" algn="ctr">
+              <a:buNone/>
+              <a:defRPr/>
+            </a:lvl6pPr>
+            <a:lvl7pPr marL="2592050" indent="0" algn="ctr">
+              <a:buNone/>
+              <a:defRPr/>
+            </a:lvl7pPr>
+            <a:lvl8pPr marL="3024058" indent="0" algn="ctr">
+              <a:buNone/>
+              <a:defRPr/>
+            </a:lvl8pPr>
+            <a:lvl9pPr marL="3456066" indent="0" algn="ctr">
+              <a:buNone/>
+              <a:defRPr/>
+            </a:lvl9pPr>
+          </a:lstStyle>
+          <a:p>
+            <a:r>
+              <a:rPr lang="en-US"/>
+              <a:t>Click to edit Master subtitle style</a:t>
+            </a:r>
+          </a:p>
+        </p:txBody>
+      </p:sp>
+      <p:sp>
+        <p:nvSpPr>
+          <p:cNvPr id="4" name="Rectangle 4"/>
+          <p:cNvSpPr>
+            <a:spLocks noGrp="1" noChangeArrowheads="1"/>
+          </p:cNvSpPr>
+          <p:nvPr>
+            <p:ph type="dt" sz="half" idx="10"/>
+          </p:nvPr>
+        </p:nvSpPr>
+        <p:spPr>
+          <a:ln/>
+        </p:spPr>
+        <p:txBody>
+          <a:bodyPr/>
+          <a:lstStyle>
+            <a:lvl1pPr>
+              <a:defRPr/>
+            </a:lvl1pPr>
+          </a:lstStyle>
+          <a:p>
+            <a:pPr>
+              <a:defRPr/>
+            </a:pPr>
+            <a:endParaRPr lang="en-US"/>
+          </a:p>
+        </p:txBody>
+      </p:sp>
+      <p:sp>
+        <p:nvSpPr>
+          <p:cNvPr id="5" name="Rectangle 5"/>
+          <p:cNvSpPr>
+            <a:spLocks noGrp="1" noChangeArrowheads="1"/>
+          </p:cNvSpPr>
+          <p:nvPr>
+            <p:ph type="ftr" sz="quarter" idx="11"/>
+          </p:nvPr>
+        </p:nvSpPr>
+        <p:spPr>
+          <a:ln/>
+        </p:spPr>
+        <p:txBody>
+          <a:bodyPr/>
+          <a:lstStyle>
+            <a:lvl1pPr>
+              <a:defRPr/>
+            </a:lvl1pPr>
+          </a:lstStyle>
+          <a:p>
+            <a:pPr>
+              <a:defRPr/>
+            </a:pPr>
+            <a:endParaRPr lang="en-US"/>
+          </a:p>
+        </p:txBody>
+      </p:sp>
+      <p:sp>
+        <p:nvSpPr>
+          <p:cNvPr id="6" name="Rectangle 6"/>
+          <p:cNvSpPr>
+            <a:spLocks noGrp="1" noChangeArrowheads="1"/>
+          </p:cNvSpPr>
+          <p:nvPr>
+            <p:ph type="sldNum" sz="quarter" idx="12"/>
+          </p:nvPr>
+        </p:nvSpPr>
+        <p:spPr>
+          <a:ln/>
+        </p:spPr>
+        <p:txBody>
+          <a:bodyPr/>
+          <a:lstStyle>
+            <a:lvl1pPr>
+              <a:defRPr/>
+            </a:lvl1pPr>
+          </a:lstStyle>
+          <a:p>
+            <a:pPr>
+              <a:defRPr/>
+            </a:pPr>
+            <a:fld id="{8D889851-40B5-416A-A503-DEA8EC6C1688}" type="slidenum">
+              <a:rPr lang="en-US"/>
+              <a:pPr>
+                <a:defRPr/>
+              </a:pPr>
+              <a:t>‹#›</a:t>
+            </a:fld>
+            <a:endParaRPr lang="en-US"/>
+          </a:p>
+        </p:txBody>
+      </p:sp>
+    </p:spTree>
+    <p:extLst>
+      <p:ext uri="{BB962C8B-B14F-4D97-AF65-F5344CB8AC3E}">
+        <p14:creationId xmlns:p14="http://schemas.microsoft.com/office/powerpoint/2010/main" val="4287369780"/>
+      </p:ext>
+    </p:extLst>
+  </p:cSld>
+  <p:clrMapOvr>
+    <a:masterClrMapping/>
+  </p:clrMapOvr>
+</p:sldLayout>
+</file>
+
 <file path=ppt/slideMasters/slideMaster1.xml><?xml version="1.0" encoding="utf-8"?>
 <p:sldMaster xmlns:a="http://schemas.openxmlformats.org/drawingml/2006/main" xmlns:r="http://schemas.openxmlformats.org/officeDocument/2006/relationships" xmlns:p="http://schemas.openxmlformats.org/presentationml/2006/main">
   <p:cSld>
@@ -1994,12 +2723,12 @@
           <a:graphicData uri="http://schemas.openxmlformats.org/presentationml/2006/ole">
             <mc:AlternateContent xmlns:mc="http://schemas.openxmlformats.org/markup-compatibility/2006">
               <mc:Choice xmlns:v="urn:schemas-microsoft-com:vml" Requires="v">
-                <p:oleObj spid="_x0000_s1051" name="Image" r:id="rId10" imgW="2279520" imgH="1310400" progId="Photoshop.Image.18">
+                <p:oleObj spid="_x0000_s1026" name="Image" r:id="rId11" imgW="2279520" imgH="1310400" progId="Photoshop.Image.18">
                   <p:embed/>
                 </p:oleObj>
               </mc:Choice>
               <mc:Fallback>
-                <p:oleObj name="Image" r:id="rId10" imgW="2279520" imgH="1310400" progId="Photoshop.Image.18">
+                <p:oleObj name="Image" r:id="rId11" imgW="2279520" imgH="1310400" progId="Photoshop.Image.18">
                   <p:embed/>
                   <p:pic>
                     <p:nvPicPr>
@@ -2008,7 +2737,7 @@
                       <p:nvPr/>
                     </p:nvPicPr>
                     <p:blipFill>
-                      <a:blip r:embed="rId11"/>
+                      <a:blip r:embed="rId12"/>
                       <a:stretch>
                         <a:fillRect/>
                       </a:stretch>
@@ -2045,6 +2774,7 @@
     <p:sldLayoutId id="2147483656" r:id="rId5"/>
     <p:sldLayoutId id="2147483652" r:id="rId6"/>
     <p:sldLayoutId id="2147483655" r:id="rId7"/>
+    <p:sldLayoutId id="2147483657" r:id="rId8"/>
   </p:sldLayoutIdLst>
   <p:txStyles>
     <p:titleStyle>
@@ -2448,74 +3178,10 @@
       </p:grpSpPr>
       <p:sp>
         <p:nvSpPr>
-          <p:cNvPr id="4" name="Title 3">
-            <a:extLst>
-              <a:ext uri="{FF2B5EF4-FFF2-40B4-BE49-F238E27FC236}">
-                <a16:creationId xmlns:a16="http://schemas.microsoft.com/office/drawing/2014/main" id="{D8347365-ADDB-4DDA-94F1-3A6C77915DAE}"/>
-              </a:ext>
-            </a:extLst>
-          </p:cNvPr>
-          <p:cNvSpPr>
-            <a:spLocks noGrp="1"/>
-          </p:cNvSpPr>
-          <p:nvPr>
-            <p:ph type="title"/>
-          </p:nvPr>
-        </p:nvSpPr>
-        <p:spPr>
-          <a:xfrm>
-            <a:off x="4966284" y="360363"/>
-            <a:ext cx="6193842" cy="5759449"/>
-          </a:xfrm>
-        </p:spPr>
-        <p:txBody>
-          <a:bodyPr/>
-          <a:lstStyle/>
-          <a:p>
-            <a:pPr algn="l"/>
-            <a:r>
-              <a:rPr lang="en-US" sz="9600" dirty="0"/>
-              <a:t>Back to the Project!</a:t>
-            </a:r>
-          </a:p>
-        </p:txBody>
-      </p:sp>
-    </p:spTree>
-    <p:extLst>
-      <p:ext uri="{BB962C8B-B14F-4D97-AF65-F5344CB8AC3E}">
-        <p14:creationId xmlns:p14="http://schemas.microsoft.com/office/powerpoint/2010/main" val="3617159197"/>
-      </p:ext>
-    </p:extLst>
-  </p:cSld>
-  <p:clrMapOvr>
-    <a:masterClrMapping/>
-  </p:clrMapOvr>
-</p:sld>
-</file>
-
-<file path=ppt/slides/slide11.xml><?xml version="1.0" encoding="utf-8"?>
-<p:sld xmlns:a="http://schemas.openxmlformats.org/drawingml/2006/main" xmlns:r="http://schemas.openxmlformats.org/officeDocument/2006/relationships" xmlns:p="http://schemas.openxmlformats.org/presentationml/2006/main">
-  <p:cSld>
-    <p:spTree>
-      <p:nvGrpSpPr>
-        <p:cNvPr id="1" name=""/>
-        <p:cNvGrpSpPr/>
-        <p:nvPr/>
-      </p:nvGrpSpPr>
-      <p:grpSpPr>
-        <a:xfrm>
-          <a:off x="0" y="0"/>
-          <a:ext cx="0" cy="0"/>
-          <a:chOff x="0" y="0"/>
-          <a:chExt cx="0" cy="0"/>
-        </a:xfrm>
-      </p:grpSpPr>
-      <p:sp>
-        <p:nvSpPr>
           <p:cNvPr id="2" name="Title 1">
             <a:extLst>
               <a:ext uri="{FF2B5EF4-FFF2-40B4-BE49-F238E27FC236}">
-                <a16:creationId xmlns:a16="http://schemas.microsoft.com/office/drawing/2014/main" id="{33D08392-A10B-4AA1-A274-63B50976F2D6}"/>
+                <a16:creationId xmlns:a16="http://schemas.microsoft.com/office/drawing/2014/main" id="{15BAF32E-3072-48A9-9BED-490BF6303564}"/>
               </a:ext>
             </a:extLst>
           </p:cNvPr>
@@ -2533,7 +3199,7 @@
           <a:p>
             <a:r>
               <a:rPr lang="en-US" dirty="0"/>
-              <a:t>Potential Gotchas</a:t>
+              <a:t>Linked Servers</a:t>
             </a:r>
           </a:p>
         </p:txBody>
@@ -2543,7 +3209,7 @@
           <p:cNvPr id="3" name="Content Placeholder 2">
             <a:extLst>
               <a:ext uri="{FF2B5EF4-FFF2-40B4-BE49-F238E27FC236}">
-                <a16:creationId xmlns:a16="http://schemas.microsoft.com/office/drawing/2014/main" id="{E2D99E83-0C87-4976-99FC-314FC960626F}"/>
+                <a16:creationId xmlns:a16="http://schemas.microsoft.com/office/drawing/2014/main" id="{1F517A9D-9AD8-4377-84B1-DF08447CDAEF}"/>
               </a:ext>
             </a:extLst>
           </p:cNvPr>
@@ -2554,55 +3220,79 @@
             <p:ph idx="1"/>
           </p:nvPr>
         </p:nvSpPr>
-        <p:spPr/>
+        <p:spPr>
+          <a:xfrm>
+            <a:off x="792110" y="1725046"/>
+            <a:ext cx="6788433" cy="1636545"/>
+          </a:xfrm>
+        </p:spPr>
         <p:txBody>
-          <a:bodyPr/>
+          <a:bodyPr>
+            <a:normAutofit fontScale="77500" lnSpcReduction="20000"/>
+          </a:bodyPr>
           <a:lstStyle/>
           <a:p>
             <a:r>
               <a:rPr lang="en-US" dirty="0"/>
-              <a:t>Large numbers of objects</a:t>
+              <a:t>Similar to Cross-Database objects</a:t>
             </a:r>
           </a:p>
           <a:p>
             <a:r>
               <a:rPr lang="en-US" dirty="0"/>
-              <a:t>External</a:t>
+              <a:t>Set your options</a:t>
             </a:r>
             <a:r>
               <a:rPr lang="en-US" baseline="0" dirty="0"/>
-              <a:t> databases</a:t>
-            </a:r>
-          </a:p>
-          <a:p>
-            <a:r>
-              <a:rPr lang="en-US" baseline="0" dirty="0"/>
-              <a:t>Users and Permissions</a:t>
-            </a:r>
-          </a:p>
-          <a:p>
-            <a:r>
-              <a:rPr lang="en-US" baseline="0" dirty="0"/>
-              <a:t>Rollbacks</a:t>
-            </a:r>
-          </a:p>
-          <a:p>
-            <a:r>
-              <a:rPr lang="en-US" baseline="0" dirty="0"/>
-              <a:t>SQL Server-only features such as </a:t>
-            </a:r>
-            <a:r>
-              <a:rPr lang="en-US" baseline="0" dirty="0" err="1"/>
-              <a:t>FileStream</a:t>
-            </a:r>
-            <a:endParaRPr lang="en-US" dirty="0"/>
+              <a:t> and </a:t>
+            </a:r>
+            <a:r>
+              <a:rPr lang="en-US" dirty="0"/>
+              <a:t>variables appropriately</a:t>
+            </a:r>
+          </a:p>
+          <a:p>
+            <a:r>
+              <a:rPr lang="en-US" dirty="0"/>
+              <a:t>Doesn’t seem to work w/ OPENQUERY</a:t>
+            </a:r>
           </a:p>
         </p:txBody>
       </p:sp>
+      <p:pic>
+        <p:nvPicPr>
+          <p:cNvPr id="4" name="Picture 3">
+            <a:extLst>
+              <a:ext uri="{FF2B5EF4-FFF2-40B4-BE49-F238E27FC236}">
+                <a16:creationId xmlns:a16="http://schemas.microsoft.com/office/drawing/2014/main" id="{B93EE7B9-6FDB-4CF6-8D2F-D7102F2B7F5D}"/>
+              </a:ext>
+            </a:extLst>
+          </p:cNvPr>
+          <p:cNvPicPr>
+            <a:picLocks noChangeAspect="1"/>
+          </p:cNvPicPr>
+          <p:nvPr/>
+        </p:nvPicPr>
+        <p:blipFill>
+          <a:blip r:embed="rId2"/>
+          <a:stretch>
+            <a:fillRect/>
+          </a:stretch>
+        </p:blipFill>
+        <p:spPr>
+          <a:xfrm>
+            <a:off x="2592159" y="3274452"/>
+            <a:ext cx="5993042" cy="2860714"/>
+          </a:xfrm>
+          <a:prstGeom prst="rect">
+            <a:avLst/>
+          </a:prstGeom>
+        </p:spPr>
+      </p:pic>
     </p:spTree>
     <p:extLst>
       <p:ext uri="{BB962C8B-B14F-4D97-AF65-F5344CB8AC3E}">
-        <p14:creationId xmlns:p14="http://schemas.microsoft.com/office/powerpoint/2010/main" val="1565111515"/>
+        <p14:creationId xmlns:p14="http://schemas.microsoft.com/office/powerpoint/2010/main" val="2657909093"/>
       </p:ext>
     </p:extLst>
   </p:cSld>
@@ -2926,27 +3616,183 @@
                       </p:childTnLst>
                     </p:cTn>
                   </p:par>
+                </p:childTnLst>
+              </p:cTn>
+              <p:prevCondLst>
+                <p:cond evt="onPrev" delay="0">
+                  <p:tgtEl>
+                    <p:sldTgt/>
+                  </p:tgtEl>
+                </p:cond>
+              </p:prevCondLst>
+              <p:nextCondLst>
+                <p:cond evt="onNext" delay="0">
+                  <p:tgtEl>
+                    <p:sldTgt/>
+                  </p:tgtEl>
+                </p:cond>
+              </p:nextCondLst>
+            </p:seq>
+          </p:childTnLst>
+        </p:cTn>
+      </p:par>
+    </p:tnLst>
+  </p:timing>
+</p:sld>
+</file>
+
+<file path=ppt/slides/slide11.xml><?xml version="1.0" encoding="utf-8"?>
+<p:sld xmlns:a="http://schemas.openxmlformats.org/drawingml/2006/main" xmlns:r="http://schemas.openxmlformats.org/officeDocument/2006/relationships" xmlns:p="http://schemas.openxmlformats.org/presentationml/2006/main">
+  <p:cSld>
+    <p:spTree>
+      <p:nvGrpSpPr>
+        <p:cNvPr id="1" name=""/>
+        <p:cNvGrpSpPr/>
+        <p:nvPr/>
+      </p:nvGrpSpPr>
+      <p:grpSpPr>
+        <a:xfrm>
+          <a:off x="0" y="0"/>
+          <a:ext cx="0" cy="0"/>
+          <a:chOff x="0" y="0"/>
+          <a:chExt cx="0" cy="0"/>
+        </a:xfrm>
+      </p:grpSpPr>
+      <p:sp>
+        <p:nvSpPr>
+          <p:cNvPr id="2" name="Title 1">
+            <a:extLst>
+              <a:ext uri="{FF2B5EF4-FFF2-40B4-BE49-F238E27FC236}">
+                <a16:creationId xmlns:a16="http://schemas.microsoft.com/office/drawing/2014/main" id="{E4F36F66-45CF-4D2F-A14D-80C872F8C1A1}"/>
+              </a:ext>
+            </a:extLst>
+          </p:cNvPr>
+          <p:cNvSpPr>
+            <a:spLocks noGrp="1"/>
+          </p:cNvSpPr>
+          <p:nvPr>
+            <p:ph type="title"/>
+          </p:nvPr>
+        </p:nvSpPr>
+        <p:spPr/>
+        <p:txBody>
+          <a:bodyPr/>
+          <a:lstStyle/>
+          <a:p>
+            <a:r>
+              <a:rPr lang="en-US" dirty="0"/>
+              <a:t>Users/Logins</a:t>
+            </a:r>
+          </a:p>
+        </p:txBody>
+      </p:sp>
+      <p:sp>
+        <p:nvSpPr>
+          <p:cNvPr id="3" name="Content Placeholder 2">
+            <a:extLst>
+              <a:ext uri="{FF2B5EF4-FFF2-40B4-BE49-F238E27FC236}">
+                <a16:creationId xmlns:a16="http://schemas.microsoft.com/office/drawing/2014/main" id="{245CBCE6-5DD6-4018-8E85-3DCCAA41C6DF}"/>
+              </a:ext>
+            </a:extLst>
+          </p:cNvPr>
+          <p:cNvSpPr>
+            <a:spLocks noGrp="1"/>
+          </p:cNvSpPr>
+          <p:nvPr>
+            <p:ph idx="1"/>
+          </p:nvPr>
+        </p:nvSpPr>
+        <p:spPr/>
+        <p:txBody>
+          <a:bodyPr/>
+          <a:lstStyle/>
+          <a:p>
+            <a:r>
+              <a:rPr lang="en-US" dirty="0"/>
+              <a:t>Easiest to ignore initially</a:t>
+            </a:r>
+          </a:p>
+          <a:p>
+            <a:r>
+              <a:rPr lang="en-US" dirty="0"/>
+              <a:t>Use DB Roles</a:t>
+            </a:r>
+          </a:p>
+          <a:p>
+            <a:pPr lvl="1"/>
+            <a:r>
+              <a:rPr lang="en-US" dirty="0"/>
+              <a:t>Import puts these in the “Security” folder</a:t>
+            </a:r>
+          </a:p>
+          <a:p>
+            <a:r>
+              <a:rPr lang="en-US" dirty="0"/>
+              <a:t>If</a:t>
+            </a:r>
+            <a:r>
+              <a:rPr lang="en-US" baseline="0" dirty="0"/>
+              <a:t> you really need this, there are ways…</a:t>
+            </a:r>
+          </a:p>
+          <a:p>
+            <a:pPr lvl="1"/>
+            <a:r>
+              <a:rPr lang="en-US" dirty="0">
+                <a:hlinkClick r:id="rId2"/>
+              </a:rPr>
+              <a:t>https://schottsql.wordpress.com/2013/05/14/ssdt-setting-different-permissions-per-environment/</a:t>
+            </a:r>
+            <a:endParaRPr lang="en-US" dirty="0"/>
+          </a:p>
+          <a:p>
+            <a:pPr lvl="1"/>
+            <a:r>
+              <a:rPr lang="en-US" dirty="0"/>
+              <a:t>Kudos to Jamie Thomson for the idea</a:t>
+            </a:r>
+          </a:p>
+        </p:txBody>
+      </p:sp>
+    </p:spTree>
+    <p:extLst>
+      <p:ext uri="{BB962C8B-B14F-4D97-AF65-F5344CB8AC3E}">
+        <p14:creationId xmlns:p14="http://schemas.microsoft.com/office/powerpoint/2010/main" val="1211547763"/>
+      </p:ext>
+    </p:extLst>
+  </p:cSld>
+  <p:clrMapOvr>
+    <a:masterClrMapping/>
+  </p:clrMapOvr>
+  <p:timing>
+    <p:tnLst>
+      <p:par>
+        <p:cTn id="1" dur="indefinite" restart="never" nodeType="tmRoot">
+          <p:childTnLst>
+            <p:seq concurrent="1" nextAc="seek">
+              <p:cTn id="2" dur="indefinite" nodeType="mainSeq">
+                <p:childTnLst>
                   <p:par>
-                    <p:cTn id="21" fill="hold">
+                    <p:cTn id="3" fill="hold">
                       <p:stCondLst>
                         <p:cond delay="indefinite"/>
                       </p:stCondLst>
                       <p:childTnLst>
                         <p:par>
-                          <p:cTn id="22" fill="hold">
+                          <p:cTn id="4" fill="hold">
                             <p:stCondLst>
                               <p:cond delay="0"/>
                             </p:stCondLst>
                             <p:childTnLst>
                               <p:par>
-                                <p:cTn id="23" presetID="2" presetClass="entr" presetSubtype="4" fill="hold" nodeType="clickEffect">
+                                <p:cTn id="5" presetID="2" presetClass="entr" presetSubtype="4" fill="hold" nodeType="clickEffect">
                                   <p:stCondLst>
                                     <p:cond delay="0"/>
                                   </p:stCondLst>
                                   <p:childTnLst>
                                     <p:set>
                                       <p:cBhvr>
-                                        <p:cTn id="24" dur="1" fill="hold">
+                                        <p:cTn id="6" dur="1" fill="hold">
                                           <p:stCondLst>
                                             <p:cond delay="0"/>
                                           </p:stCondLst>
@@ -2954,7 +3800,7 @@
                                         <p:tgtEl>
                                           <p:spTgt spid="3">
                                             <p:txEl>
-                                              <p:pRg st="3" end="3"/>
+                                              <p:pRg st="0" end="0"/>
                                             </p:txEl>
                                           </p:spTgt>
                                         </p:tgtEl>
@@ -2968,11 +3814,11 @@
                                     </p:set>
                                     <p:anim calcmode="lin" valueType="num">
                                       <p:cBhvr additive="base">
-                                        <p:cTn id="25" dur="500" fill="hold"/>
-                                        <p:tgtEl>
-                                          <p:spTgt spid="3">
-                                            <p:txEl>
-                                              <p:pRg st="3" end="3"/>
+                                        <p:cTn id="7" dur="500" fill="hold"/>
+                                        <p:tgtEl>
+                                          <p:spTgt spid="3">
+                                            <p:txEl>
+                                              <p:pRg st="0" end="0"/>
                                             </p:txEl>
                                           </p:spTgt>
                                         </p:tgtEl>
@@ -2995,11 +3841,11 @@
                                     </p:anim>
                                     <p:anim calcmode="lin" valueType="num">
                                       <p:cBhvr additive="base">
-                                        <p:cTn id="26" dur="500" fill="hold"/>
-                                        <p:tgtEl>
-                                          <p:spTgt spid="3">
-                                            <p:txEl>
-                                              <p:pRg st="3" end="3"/>
+                                        <p:cTn id="8" dur="500" fill="hold"/>
+                                        <p:tgtEl>
+                                          <p:spTgt spid="3">
+                                            <p:txEl>
+                                              <p:pRg st="0" end="0"/>
                                             </p:txEl>
                                           </p:spTgt>
                                         </p:tgtEl>
@@ -3030,26 +3876,26 @@
                     </p:cTn>
                   </p:par>
                   <p:par>
-                    <p:cTn id="27" fill="hold">
+                    <p:cTn id="9" fill="hold">
                       <p:stCondLst>
                         <p:cond delay="indefinite"/>
                       </p:stCondLst>
                       <p:childTnLst>
                         <p:par>
-                          <p:cTn id="28" fill="hold">
+                          <p:cTn id="10" fill="hold">
                             <p:stCondLst>
                               <p:cond delay="0"/>
                             </p:stCondLst>
                             <p:childTnLst>
                               <p:par>
-                                <p:cTn id="29" presetID="2" presetClass="entr" presetSubtype="4" fill="hold" nodeType="clickEffect">
+                                <p:cTn id="11" presetID="2" presetClass="entr" presetSubtype="4" fill="hold" nodeType="clickEffect">
                                   <p:stCondLst>
                                     <p:cond delay="0"/>
                                   </p:stCondLst>
                                   <p:childTnLst>
                                     <p:set>
                                       <p:cBhvr>
-                                        <p:cTn id="30" dur="1" fill="hold">
+                                        <p:cTn id="12" dur="1" fill="hold">
                                           <p:stCondLst>
                                             <p:cond delay="0"/>
                                           </p:stCondLst>
@@ -3057,7 +3903,7 @@
                                         <p:tgtEl>
                                           <p:spTgt spid="3">
                                             <p:txEl>
-                                              <p:pRg st="4" end="4"/>
+                                              <p:pRg st="1" end="1"/>
                                             </p:txEl>
                                           </p:spTgt>
                                         </p:tgtEl>
@@ -3071,11 +3917,11 @@
                                     </p:set>
                                     <p:anim calcmode="lin" valueType="num">
                                       <p:cBhvr additive="base">
-                                        <p:cTn id="31" dur="500" fill="hold"/>
-                                        <p:tgtEl>
-                                          <p:spTgt spid="3">
-                                            <p:txEl>
-                                              <p:pRg st="4" end="4"/>
+                                        <p:cTn id="13" dur="500" fill="hold"/>
+                                        <p:tgtEl>
+                                          <p:spTgt spid="3">
+                                            <p:txEl>
+                                              <p:pRg st="1" end="1"/>
                                             </p:txEl>
                                           </p:spTgt>
                                         </p:tgtEl>
@@ -3098,11 +3944,387 @@
                                     </p:anim>
                                     <p:anim calcmode="lin" valueType="num">
                                       <p:cBhvr additive="base">
-                                        <p:cTn id="32" dur="500" fill="hold"/>
+                                        <p:cTn id="14" dur="500" fill="hold"/>
+                                        <p:tgtEl>
+                                          <p:spTgt spid="3">
+                                            <p:txEl>
+                                              <p:pRg st="1" end="1"/>
+                                            </p:txEl>
+                                          </p:spTgt>
+                                        </p:tgtEl>
+                                        <p:attrNameLst>
+                                          <p:attrName>ppt_y</p:attrName>
+                                        </p:attrNameLst>
+                                      </p:cBhvr>
+                                      <p:tavLst>
+                                        <p:tav tm="0">
+                                          <p:val>
+                                            <p:strVal val="1+#ppt_h/2"/>
+                                          </p:val>
+                                        </p:tav>
+                                        <p:tav tm="100000">
+                                          <p:val>
+                                            <p:strVal val="#ppt_y"/>
+                                          </p:val>
+                                        </p:tav>
+                                      </p:tavLst>
+                                    </p:anim>
+                                  </p:childTnLst>
+                                </p:cTn>
+                              </p:par>
+                              <p:par>
+                                <p:cTn id="15" presetID="2" presetClass="entr" presetSubtype="4" fill="hold" nodeType="withEffect">
+                                  <p:stCondLst>
+                                    <p:cond delay="0"/>
+                                  </p:stCondLst>
+                                  <p:childTnLst>
+                                    <p:set>
+                                      <p:cBhvr>
+                                        <p:cTn id="16" dur="1" fill="hold">
+                                          <p:stCondLst>
+                                            <p:cond delay="0"/>
+                                          </p:stCondLst>
+                                        </p:cTn>
+                                        <p:tgtEl>
+                                          <p:spTgt spid="3">
+                                            <p:txEl>
+                                              <p:pRg st="2" end="2"/>
+                                            </p:txEl>
+                                          </p:spTgt>
+                                        </p:tgtEl>
+                                        <p:attrNameLst>
+                                          <p:attrName>style.visibility</p:attrName>
+                                        </p:attrNameLst>
+                                      </p:cBhvr>
+                                      <p:to>
+                                        <p:strVal val="visible"/>
+                                      </p:to>
+                                    </p:set>
+                                    <p:anim calcmode="lin" valueType="num">
+                                      <p:cBhvr additive="base">
+                                        <p:cTn id="17" dur="500" fill="hold"/>
+                                        <p:tgtEl>
+                                          <p:spTgt spid="3">
+                                            <p:txEl>
+                                              <p:pRg st="2" end="2"/>
+                                            </p:txEl>
+                                          </p:spTgt>
+                                        </p:tgtEl>
+                                        <p:attrNameLst>
+                                          <p:attrName>ppt_x</p:attrName>
+                                        </p:attrNameLst>
+                                      </p:cBhvr>
+                                      <p:tavLst>
+                                        <p:tav tm="0">
+                                          <p:val>
+                                            <p:strVal val="#ppt_x"/>
+                                          </p:val>
+                                        </p:tav>
+                                        <p:tav tm="100000">
+                                          <p:val>
+                                            <p:strVal val="#ppt_x"/>
+                                          </p:val>
+                                        </p:tav>
+                                      </p:tavLst>
+                                    </p:anim>
+                                    <p:anim calcmode="lin" valueType="num">
+                                      <p:cBhvr additive="base">
+                                        <p:cTn id="18" dur="500" fill="hold"/>
+                                        <p:tgtEl>
+                                          <p:spTgt spid="3">
+                                            <p:txEl>
+                                              <p:pRg st="2" end="2"/>
+                                            </p:txEl>
+                                          </p:spTgt>
+                                        </p:tgtEl>
+                                        <p:attrNameLst>
+                                          <p:attrName>ppt_y</p:attrName>
+                                        </p:attrNameLst>
+                                      </p:cBhvr>
+                                      <p:tavLst>
+                                        <p:tav tm="0">
+                                          <p:val>
+                                            <p:strVal val="1+#ppt_h/2"/>
+                                          </p:val>
+                                        </p:tav>
+                                        <p:tav tm="100000">
+                                          <p:val>
+                                            <p:strVal val="#ppt_y"/>
+                                          </p:val>
+                                        </p:tav>
+                                      </p:tavLst>
+                                    </p:anim>
+                                  </p:childTnLst>
+                                </p:cTn>
+                              </p:par>
+                            </p:childTnLst>
+                          </p:cTn>
+                        </p:par>
+                      </p:childTnLst>
+                    </p:cTn>
+                  </p:par>
+                  <p:par>
+                    <p:cTn id="19" fill="hold">
+                      <p:stCondLst>
+                        <p:cond delay="indefinite"/>
+                      </p:stCondLst>
+                      <p:childTnLst>
+                        <p:par>
+                          <p:cTn id="20" fill="hold">
+                            <p:stCondLst>
+                              <p:cond delay="0"/>
+                            </p:stCondLst>
+                            <p:childTnLst>
+                              <p:par>
+                                <p:cTn id="21" presetID="2" presetClass="entr" presetSubtype="4" fill="hold" nodeType="clickEffect">
+                                  <p:stCondLst>
+                                    <p:cond delay="0"/>
+                                  </p:stCondLst>
+                                  <p:childTnLst>
+                                    <p:set>
+                                      <p:cBhvr>
+                                        <p:cTn id="22" dur="1" fill="hold">
+                                          <p:stCondLst>
+                                            <p:cond delay="0"/>
+                                          </p:stCondLst>
+                                        </p:cTn>
+                                        <p:tgtEl>
+                                          <p:spTgt spid="3">
+                                            <p:txEl>
+                                              <p:pRg st="3" end="3"/>
+                                            </p:txEl>
+                                          </p:spTgt>
+                                        </p:tgtEl>
+                                        <p:attrNameLst>
+                                          <p:attrName>style.visibility</p:attrName>
+                                        </p:attrNameLst>
+                                      </p:cBhvr>
+                                      <p:to>
+                                        <p:strVal val="visible"/>
+                                      </p:to>
+                                    </p:set>
+                                    <p:anim calcmode="lin" valueType="num">
+                                      <p:cBhvr additive="base">
+                                        <p:cTn id="23" dur="500" fill="hold"/>
+                                        <p:tgtEl>
+                                          <p:spTgt spid="3">
+                                            <p:txEl>
+                                              <p:pRg st="3" end="3"/>
+                                            </p:txEl>
+                                          </p:spTgt>
+                                        </p:tgtEl>
+                                        <p:attrNameLst>
+                                          <p:attrName>ppt_x</p:attrName>
+                                        </p:attrNameLst>
+                                      </p:cBhvr>
+                                      <p:tavLst>
+                                        <p:tav tm="0">
+                                          <p:val>
+                                            <p:strVal val="#ppt_x"/>
+                                          </p:val>
+                                        </p:tav>
+                                        <p:tav tm="100000">
+                                          <p:val>
+                                            <p:strVal val="#ppt_x"/>
+                                          </p:val>
+                                        </p:tav>
+                                      </p:tavLst>
+                                    </p:anim>
+                                    <p:anim calcmode="lin" valueType="num">
+                                      <p:cBhvr additive="base">
+                                        <p:cTn id="24" dur="500" fill="hold"/>
+                                        <p:tgtEl>
+                                          <p:spTgt spid="3">
+                                            <p:txEl>
+                                              <p:pRg st="3" end="3"/>
+                                            </p:txEl>
+                                          </p:spTgt>
+                                        </p:tgtEl>
+                                        <p:attrNameLst>
+                                          <p:attrName>ppt_y</p:attrName>
+                                        </p:attrNameLst>
+                                      </p:cBhvr>
+                                      <p:tavLst>
+                                        <p:tav tm="0">
+                                          <p:val>
+                                            <p:strVal val="1+#ppt_h/2"/>
+                                          </p:val>
+                                        </p:tav>
+                                        <p:tav tm="100000">
+                                          <p:val>
+                                            <p:strVal val="#ppt_y"/>
+                                          </p:val>
+                                        </p:tav>
+                                      </p:tavLst>
+                                    </p:anim>
+                                  </p:childTnLst>
+                                </p:cTn>
+                              </p:par>
+                            </p:childTnLst>
+                          </p:cTn>
+                        </p:par>
+                      </p:childTnLst>
+                    </p:cTn>
+                  </p:par>
+                  <p:par>
+                    <p:cTn id="25" fill="hold">
+                      <p:stCondLst>
+                        <p:cond delay="indefinite"/>
+                      </p:stCondLst>
+                      <p:childTnLst>
+                        <p:par>
+                          <p:cTn id="26" fill="hold">
+                            <p:stCondLst>
+                              <p:cond delay="0"/>
+                            </p:stCondLst>
+                            <p:childTnLst>
+                              <p:par>
+                                <p:cTn id="27" presetID="2" presetClass="entr" presetSubtype="4" fill="hold" nodeType="clickEffect">
+                                  <p:stCondLst>
+                                    <p:cond delay="0"/>
+                                  </p:stCondLst>
+                                  <p:childTnLst>
+                                    <p:set>
+                                      <p:cBhvr>
+                                        <p:cTn id="28" dur="1" fill="hold">
+                                          <p:stCondLst>
+                                            <p:cond delay="0"/>
+                                          </p:stCondLst>
+                                        </p:cTn>
                                         <p:tgtEl>
                                           <p:spTgt spid="3">
                                             <p:txEl>
                                               <p:pRg st="4" end="4"/>
+                                            </p:txEl>
+                                          </p:spTgt>
+                                        </p:tgtEl>
+                                        <p:attrNameLst>
+                                          <p:attrName>style.visibility</p:attrName>
+                                        </p:attrNameLst>
+                                      </p:cBhvr>
+                                      <p:to>
+                                        <p:strVal val="visible"/>
+                                      </p:to>
+                                    </p:set>
+                                    <p:anim calcmode="lin" valueType="num">
+                                      <p:cBhvr additive="base">
+                                        <p:cTn id="29" dur="500" fill="hold"/>
+                                        <p:tgtEl>
+                                          <p:spTgt spid="3">
+                                            <p:txEl>
+                                              <p:pRg st="4" end="4"/>
+                                            </p:txEl>
+                                          </p:spTgt>
+                                        </p:tgtEl>
+                                        <p:attrNameLst>
+                                          <p:attrName>ppt_x</p:attrName>
+                                        </p:attrNameLst>
+                                      </p:cBhvr>
+                                      <p:tavLst>
+                                        <p:tav tm="0">
+                                          <p:val>
+                                            <p:strVal val="#ppt_x"/>
+                                          </p:val>
+                                        </p:tav>
+                                        <p:tav tm="100000">
+                                          <p:val>
+                                            <p:strVal val="#ppt_x"/>
+                                          </p:val>
+                                        </p:tav>
+                                      </p:tavLst>
+                                    </p:anim>
+                                    <p:anim calcmode="lin" valueType="num">
+                                      <p:cBhvr additive="base">
+                                        <p:cTn id="30" dur="500" fill="hold"/>
+                                        <p:tgtEl>
+                                          <p:spTgt spid="3">
+                                            <p:txEl>
+                                              <p:pRg st="4" end="4"/>
+                                            </p:txEl>
+                                          </p:spTgt>
+                                        </p:tgtEl>
+                                        <p:attrNameLst>
+                                          <p:attrName>ppt_y</p:attrName>
+                                        </p:attrNameLst>
+                                      </p:cBhvr>
+                                      <p:tavLst>
+                                        <p:tav tm="0">
+                                          <p:val>
+                                            <p:strVal val="1+#ppt_h/2"/>
+                                          </p:val>
+                                        </p:tav>
+                                        <p:tav tm="100000">
+                                          <p:val>
+                                            <p:strVal val="#ppt_y"/>
+                                          </p:val>
+                                        </p:tav>
+                                      </p:tavLst>
+                                    </p:anim>
+                                  </p:childTnLst>
+                                </p:cTn>
+                              </p:par>
+                              <p:par>
+                                <p:cTn id="31" presetID="2" presetClass="entr" presetSubtype="4" fill="hold" nodeType="withEffect">
+                                  <p:stCondLst>
+                                    <p:cond delay="0"/>
+                                  </p:stCondLst>
+                                  <p:childTnLst>
+                                    <p:set>
+                                      <p:cBhvr>
+                                        <p:cTn id="32" dur="1" fill="hold">
+                                          <p:stCondLst>
+                                            <p:cond delay="0"/>
+                                          </p:stCondLst>
+                                        </p:cTn>
+                                        <p:tgtEl>
+                                          <p:spTgt spid="3">
+                                            <p:txEl>
+                                              <p:pRg st="5" end="5"/>
+                                            </p:txEl>
+                                          </p:spTgt>
+                                        </p:tgtEl>
+                                        <p:attrNameLst>
+                                          <p:attrName>style.visibility</p:attrName>
+                                        </p:attrNameLst>
+                                      </p:cBhvr>
+                                      <p:to>
+                                        <p:strVal val="visible"/>
+                                      </p:to>
+                                    </p:set>
+                                    <p:anim calcmode="lin" valueType="num">
+                                      <p:cBhvr additive="base">
+                                        <p:cTn id="33" dur="500" fill="hold"/>
+                                        <p:tgtEl>
+                                          <p:spTgt spid="3">
+                                            <p:txEl>
+                                              <p:pRg st="5" end="5"/>
+                                            </p:txEl>
+                                          </p:spTgt>
+                                        </p:tgtEl>
+                                        <p:attrNameLst>
+                                          <p:attrName>ppt_x</p:attrName>
+                                        </p:attrNameLst>
+                                      </p:cBhvr>
+                                      <p:tavLst>
+                                        <p:tav tm="0">
+                                          <p:val>
+                                            <p:strVal val="#ppt_x"/>
+                                          </p:val>
+                                        </p:tav>
+                                        <p:tav tm="100000">
+                                          <p:val>
+                                            <p:strVal val="#ppt_x"/>
+                                          </p:val>
+                                        </p:tav>
+                                      </p:tavLst>
+                                    </p:anim>
+                                    <p:anim calcmode="lin" valueType="num">
+                                      <p:cBhvr additive="base">
+                                        <p:cTn id="34" dur="500" fill="hold"/>
+                                        <p:tgtEl>
+                                          <p:spTgt spid="3">
+                                            <p:txEl>
+                                              <p:pRg st="5" end="5"/>
                                             </p:txEl>
                                           </p:spTgt>
                                         </p:tgtEl>
@@ -3176,6 +4398,734 @@
       </p:grpSpPr>
       <p:sp>
         <p:nvSpPr>
+          <p:cNvPr id="4" name="Title 3">
+            <a:extLst>
+              <a:ext uri="{FF2B5EF4-FFF2-40B4-BE49-F238E27FC236}">
+                <a16:creationId xmlns:a16="http://schemas.microsoft.com/office/drawing/2014/main" id="{D8347365-ADDB-4DDA-94F1-3A6C77915DAE}"/>
+              </a:ext>
+            </a:extLst>
+          </p:cNvPr>
+          <p:cNvSpPr>
+            <a:spLocks noGrp="1"/>
+          </p:cNvSpPr>
+          <p:nvPr>
+            <p:ph type="title"/>
+          </p:nvPr>
+        </p:nvSpPr>
+        <p:spPr>
+          <a:xfrm>
+            <a:off x="4966284" y="360363"/>
+            <a:ext cx="6193842" cy="5759449"/>
+          </a:xfrm>
+        </p:spPr>
+        <p:txBody>
+          <a:bodyPr/>
+          <a:lstStyle/>
+          <a:p>
+            <a:pPr algn="l"/>
+            <a:r>
+              <a:rPr lang="en-US" sz="9600" dirty="0"/>
+              <a:t>Back to the Project!</a:t>
+            </a:r>
+          </a:p>
+        </p:txBody>
+      </p:sp>
+    </p:spTree>
+    <p:extLst>
+      <p:ext uri="{BB962C8B-B14F-4D97-AF65-F5344CB8AC3E}">
+        <p14:creationId xmlns:p14="http://schemas.microsoft.com/office/powerpoint/2010/main" val="3617159197"/>
+      </p:ext>
+    </p:extLst>
+  </p:cSld>
+  <p:clrMapOvr>
+    <a:masterClrMapping/>
+  </p:clrMapOvr>
+</p:sld>
+</file>
+
+<file path=ppt/slides/slide13.xml><?xml version="1.0" encoding="utf-8"?>
+<p:sld xmlns:a="http://schemas.openxmlformats.org/drawingml/2006/main" xmlns:r="http://schemas.openxmlformats.org/officeDocument/2006/relationships" xmlns:p="http://schemas.openxmlformats.org/presentationml/2006/main">
+  <p:cSld>
+    <p:spTree>
+      <p:nvGrpSpPr>
+        <p:cNvPr id="1" name=""/>
+        <p:cNvGrpSpPr/>
+        <p:nvPr/>
+      </p:nvGrpSpPr>
+      <p:grpSpPr>
+        <a:xfrm>
+          <a:off x="0" y="0"/>
+          <a:ext cx="0" cy="0"/>
+          <a:chOff x="0" y="0"/>
+          <a:chExt cx="0" cy="0"/>
+        </a:xfrm>
+      </p:grpSpPr>
+      <p:sp>
+        <p:nvSpPr>
+          <p:cNvPr id="2" name="Title 1">
+            <a:extLst>
+              <a:ext uri="{FF2B5EF4-FFF2-40B4-BE49-F238E27FC236}">
+                <a16:creationId xmlns:a16="http://schemas.microsoft.com/office/drawing/2014/main" id="{33D08392-A10B-4AA1-A274-63B50976F2D6}"/>
+              </a:ext>
+            </a:extLst>
+          </p:cNvPr>
+          <p:cNvSpPr>
+            <a:spLocks noGrp="1"/>
+          </p:cNvSpPr>
+          <p:nvPr>
+            <p:ph type="title"/>
+          </p:nvPr>
+        </p:nvSpPr>
+        <p:spPr/>
+        <p:txBody>
+          <a:bodyPr/>
+          <a:lstStyle/>
+          <a:p>
+            <a:r>
+              <a:rPr lang="en-US" dirty="0"/>
+              <a:t>Potential Gotchas</a:t>
+            </a:r>
+          </a:p>
+        </p:txBody>
+      </p:sp>
+      <p:sp>
+        <p:nvSpPr>
+          <p:cNvPr id="3" name="Content Placeholder 2">
+            <a:extLst>
+              <a:ext uri="{FF2B5EF4-FFF2-40B4-BE49-F238E27FC236}">
+                <a16:creationId xmlns:a16="http://schemas.microsoft.com/office/drawing/2014/main" id="{E2D99E83-0C87-4976-99FC-314FC960626F}"/>
+              </a:ext>
+            </a:extLst>
+          </p:cNvPr>
+          <p:cNvSpPr>
+            <a:spLocks noGrp="1"/>
+          </p:cNvSpPr>
+          <p:nvPr>
+            <p:ph idx="1"/>
+          </p:nvPr>
+        </p:nvSpPr>
+        <p:spPr/>
+        <p:txBody>
+          <a:bodyPr/>
+          <a:lstStyle/>
+          <a:p>
+            <a:r>
+              <a:rPr lang="en-US" dirty="0"/>
+              <a:t>Large numbers of objects</a:t>
+            </a:r>
+          </a:p>
+          <a:p>
+            <a:r>
+              <a:rPr lang="en-US" dirty="0"/>
+              <a:t>External</a:t>
+            </a:r>
+            <a:r>
+              <a:rPr lang="en-US" baseline="0" dirty="0"/>
+              <a:t> databases</a:t>
+            </a:r>
+          </a:p>
+          <a:p>
+            <a:r>
+              <a:rPr lang="en-US" baseline="0" dirty="0"/>
+              <a:t>Users and Permissions</a:t>
+            </a:r>
+          </a:p>
+          <a:p>
+            <a:r>
+              <a:rPr lang="en-US" baseline="0" dirty="0"/>
+              <a:t>Rollbacks</a:t>
+            </a:r>
+          </a:p>
+          <a:p>
+            <a:r>
+              <a:rPr lang="en-US" baseline="0" dirty="0"/>
+              <a:t>SQL Server-only features such as </a:t>
+            </a:r>
+            <a:r>
+              <a:rPr lang="en-US" baseline="0" dirty="0" err="1"/>
+              <a:t>FileStream</a:t>
+            </a:r>
+            <a:endParaRPr lang="en-US" dirty="0"/>
+          </a:p>
+        </p:txBody>
+      </p:sp>
+    </p:spTree>
+    <p:extLst>
+      <p:ext uri="{BB962C8B-B14F-4D97-AF65-F5344CB8AC3E}">
+        <p14:creationId xmlns:p14="http://schemas.microsoft.com/office/powerpoint/2010/main" val="1565111515"/>
+      </p:ext>
+    </p:extLst>
+  </p:cSld>
+  <p:clrMapOvr>
+    <a:masterClrMapping/>
+  </p:clrMapOvr>
+  <p:timing>
+    <p:tnLst>
+      <p:par>
+        <p:cTn id="1" dur="indefinite" restart="never" nodeType="tmRoot">
+          <p:childTnLst>
+            <p:seq concurrent="1" nextAc="seek">
+              <p:cTn id="2" dur="indefinite" nodeType="mainSeq">
+                <p:childTnLst>
+                  <p:par>
+                    <p:cTn id="3" fill="hold">
+                      <p:stCondLst>
+                        <p:cond delay="indefinite"/>
+                      </p:stCondLst>
+                      <p:childTnLst>
+                        <p:par>
+                          <p:cTn id="4" fill="hold">
+                            <p:stCondLst>
+                              <p:cond delay="0"/>
+                            </p:stCondLst>
+                            <p:childTnLst>
+                              <p:par>
+                                <p:cTn id="5" presetID="2" presetClass="entr" presetSubtype="4" fill="hold" nodeType="clickEffect">
+                                  <p:stCondLst>
+                                    <p:cond delay="0"/>
+                                  </p:stCondLst>
+                                  <p:childTnLst>
+                                    <p:set>
+                                      <p:cBhvr>
+                                        <p:cTn id="6" dur="1" fill="hold">
+                                          <p:stCondLst>
+                                            <p:cond delay="0"/>
+                                          </p:stCondLst>
+                                        </p:cTn>
+                                        <p:tgtEl>
+                                          <p:spTgt spid="3">
+                                            <p:txEl>
+                                              <p:pRg st="0" end="0"/>
+                                            </p:txEl>
+                                          </p:spTgt>
+                                        </p:tgtEl>
+                                        <p:attrNameLst>
+                                          <p:attrName>style.visibility</p:attrName>
+                                        </p:attrNameLst>
+                                      </p:cBhvr>
+                                      <p:to>
+                                        <p:strVal val="visible"/>
+                                      </p:to>
+                                    </p:set>
+                                    <p:anim calcmode="lin" valueType="num">
+                                      <p:cBhvr additive="base">
+                                        <p:cTn id="7" dur="500" fill="hold"/>
+                                        <p:tgtEl>
+                                          <p:spTgt spid="3">
+                                            <p:txEl>
+                                              <p:pRg st="0" end="0"/>
+                                            </p:txEl>
+                                          </p:spTgt>
+                                        </p:tgtEl>
+                                        <p:attrNameLst>
+                                          <p:attrName>ppt_x</p:attrName>
+                                        </p:attrNameLst>
+                                      </p:cBhvr>
+                                      <p:tavLst>
+                                        <p:tav tm="0">
+                                          <p:val>
+                                            <p:strVal val="#ppt_x"/>
+                                          </p:val>
+                                        </p:tav>
+                                        <p:tav tm="100000">
+                                          <p:val>
+                                            <p:strVal val="#ppt_x"/>
+                                          </p:val>
+                                        </p:tav>
+                                      </p:tavLst>
+                                    </p:anim>
+                                    <p:anim calcmode="lin" valueType="num">
+                                      <p:cBhvr additive="base">
+                                        <p:cTn id="8" dur="500" fill="hold"/>
+                                        <p:tgtEl>
+                                          <p:spTgt spid="3">
+                                            <p:txEl>
+                                              <p:pRg st="0" end="0"/>
+                                            </p:txEl>
+                                          </p:spTgt>
+                                        </p:tgtEl>
+                                        <p:attrNameLst>
+                                          <p:attrName>ppt_y</p:attrName>
+                                        </p:attrNameLst>
+                                      </p:cBhvr>
+                                      <p:tavLst>
+                                        <p:tav tm="0">
+                                          <p:val>
+                                            <p:strVal val="1+#ppt_h/2"/>
+                                          </p:val>
+                                        </p:tav>
+                                        <p:tav tm="100000">
+                                          <p:val>
+                                            <p:strVal val="#ppt_y"/>
+                                          </p:val>
+                                        </p:tav>
+                                      </p:tavLst>
+                                    </p:anim>
+                                  </p:childTnLst>
+                                </p:cTn>
+                              </p:par>
+                            </p:childTnLst>
+                          </p:cTn>
+                        </p:par>
+                      </p:childTnLst>
+                    </p:cTn>
+                  </p:par>
+                  <p:par>
+                    <p:cTn id="9" fill="hold">
+                      <p:stCondLst>
+                        <p:cond delay="indefinite"/>
+                      </p:stCondLst>
+                      <p:childTnLst>
+                        <p:par>
+                          <p:cTn id="10" fill="hold">
+                            <p:stCondLst>
+                              <p:cond delay="0"/>
+                            </p:stCondLst>
+                            <p:childTnLst>
+                              <p:par>
+                                <p:cTn id="11" presetID="2" presetClass="entr" presetSubtype="4" fill="hold" nodeType="clickEffect">
+                                  <p:stCondLst>
+                                    <p:cond delay="0"/>
+                                  </p:stCondLst>
+                                  <p:childTnLst>
+                                    <p:set>
+                                      <p:cBhvr>
+                                        <p:cTn id="12" dur="1" fill="hold">
+                                          <p:stCondLst>
+                                            <p:cond delay="0"/>
+                                          </p:stCondLst>
+                                        </p:cTn>
+                                        <p:tgtEl>
+                                          <p:spTgt spid="3">
+                                            <p:txEl>
+                                              <p:pRg st="1" end="1"/>
+                                            </p:txEl>
+                                          </p:spTgt>
+                                        </p:tgtEl>
+                                        <p:attrNameLst>
+                                          <p:attrName>style.visibility</p:attrName>
+                                        </p:attrNameLst>
+                                      </p:cBhvr>
+                                      <p:to>
+                                        <p:strVal val="visible"/>
+                                      </p:to>
+                                    </p:set>
+                                    <p:anim calcmode="lin" valueType="num">
+                                      <p:cBhvr additive="base">
+                                        <p:cTn id="13" dur="500" fill="hold"/>
+                                        <p:tgtEl>
+                                          <p:spTgt spid="3">
+                                            <p:txEl>
+                                              <p:pRg st="1" end="1"/>
+                                            </p:txEl>
+                                          </p:spTgt>
+                                        </p:tgtEl>
+                                        <p:attrNameLst>
+                                          <p:attrName>ppt_x</p:attrName>
+                                        </p:attrNameLst>
+                                      </p:cBhvr>
+                                      <p:tavLst>
+                                        <p:tav tm="0">
+                                          <p:val>
+                                            <p:strVal val="#ppt_x"/>
+                                          </p:val>
+                                        </p:tav>
+                                        <p:tav tm="100000">
+                                          <p:val>
+                                            <p:strVal val="#ppt_x"/>
+                                          </p:val>
+                                        </p:tav>
+                                      </p:tavLst>
+                                    </p:anim>
+                                    <p:anim calcmode="lin" valueType="num">
+                                      <p:cBhvr additive="base">
+                                        <p:cTn id="14" dur="500" fill="hold"/>
+                                        <p:tgtEl>
+                                          <p:spTgt spid="3">
+                                            <p:txEl>
+                                              <p:pRg st="1" end="1"/>
+                                            </p:txEl>
+                                          </p:spTgt>
+                                        </p:tgtEl>
+                                        <p:attrNameLst>
+                                          <p:attrName>ppt_y</p:attrName>
+                                        </p:attrNameLst>
+                                      </p:cBhvr>
+                                      <p:tavLst>
+                                        <p:tav tm="0">
+                                          <p:val>
+                                            <p:strVal val="1+#ppt_h/2"/>
+                                          </p:val>
+                                        </p:tav>
+                                        <p:tav tm="100000">
+                                          <p:val>
+                                            <p:strVal val="#ppt_y"/>
+                                          </p:val>
+                                        </p:tav>
+                                      </p:tavLst>
+                                    </p:anim>
+                                  </p:childTnLst>
+                                </p:cTn>
+                              </p:par>
+                            </p:childTnLst>
+                          </p:cTn>
+                        </p:par>
+                      </p:childTnLst>
+                    </p:cTn>
+                  </p:par>
+                  <p:par>
+                    <p:cTn id="15" fill="hold">
+                      <p:stCondLst>
+                        <p:cond delay="indefinite"/>
+                      </p:stCondLst>
+                      <p:childTnLst>
+                        <p:par>
+                          <p:cTn id="16" fill="hold">
+                            <p:stCondLst>
+                              <p:cond delay="0"/>
+                            </p:stCondLst>
+                            <p:childTnLst>
+                              <p:par>
+                                <p:cTn id="17" presetID="2" presetClass="entr" presetSubtype="4" fill="hold" nodeType="clickEffect">
+                                  <p:stCondLst>
+                                    <p:cond delay="0"/>
+                                  </p:stCondLst>
+                                  <p:childTnLst>
+                                    <p:set>
+                                      <p:cBhvr>
+                                        <p:cTn id="18" dur="1" fill="hold">
+                                          <p:stCondLst>
+                                            <p:cond delay="0"/>
+                                          </p:stCondLst>
+                                        </p:cTn>
+                                        <p:tgtEl>
+                                          <p:spTgt spid="3">
+                                            <p:txEl>
+                                              <p:pRg st="2" end="2"/>
+                                            </p:txEl>
+                                          </p:spTgt>
+                                        </p:tgtEl>
+                                        <p:attrNameLst>
+                                          <p:attrName>style.visibility</p:attrName>
+                                        </p:attrNameLst>
+                                      </p:cBhvr>
+                                      <p:to>
+                                        <p:strVal val="visible"/>
+                                      </p:to>
+                                    </p:set>
+                                    <p:anim calcmode="lin" valueType="num">
+                                      <p:cBhvr additive="base">
+                                        <p:cTn id="19" dur="500" fill="hold"/>
+                                        <p:tgtEl>
+                                          <p:spTgt spid="3">
+                                            <p:txEl>
+                                              <p:pRg st="2" end="2"/>
+                                            </p:txEl>
+                                          </p:spTgt>
+                                        </p:tgtEl>
+                                        <p:attrNameLst>
+                                          <p:attrName>ppt_x</p:attrName>
+                                        </p:attrNameLst>
+                                      </p:cBhvr>
+                                      <p:tavLst>
+                                        <p:tav tm="0">
+                                          <p:val>
+                                            <p:strVal val="#ppt_x"/>
+                                          </p:val>
+                                        </p:tav>
+                                        <p:tav tm="100000">
+                                          <p:val>
+                                            <p:strVal val="#ppt_x"/>
+                                          </p:val>
+                                        </p:tav>
+                                      </p:tavLst>
+                                    </p:anim>
+                                    <p:anim calcmode="lin" valueType="num">
+                                      <p:cBhvr additive="base">
+                                        <p:cTn id="20" dur="500" fill="hold"/>
+                                        <p:tgtEl>
+                                          <p:spTgt spid="3">
+                                            <p:txEl>
+                                              <p:pRg st="2" end="2"/>
+                                            </p:txEl>
+                                          </p:spTgt>
+                                        </p:tgtEl>
+                                        <p:attrNameLst>
+                                          <p:attrName>ppt_y</p:attrName>
+                                        </p:attrNameLst>
+                                      </p:cBhvr>
+                                      <p:tavLst>
+                                        <p:tav tm="0">
+                                          <p:val>
+                                            <p:strVal val="1+#ppt_h/2"/>
+                                          </p:val>
+                                        </p:tav>
+                                        <p:tav tm="100000">
+                                          <p:val>
+                                            <p:strVal val="#ppt_y"/>
+                                          </p:val>
+                                        </p:tav>
+                                      </p:tavLst>
+                                    </p:anim>
+                                  </p:childTnLst>
+                                </p:cTn>
+                              </p:par>
+                            </p:childTnLst>
+                          </p:cTn>
+                        </p:par>
+                      </p:childTnLst>
+                    </p:cTn>
+                  </p:par>
+                  <p:par>
+                    <p:cTn id="21" fill="hold">
+                      <p:stCondLst>
+                        <p:cond delay="indefinite"/>
+                      </p:stCondLst>
+                      <p:childTnLst>
+                        <p:par>
+                          <p:cTn id="22" fill="hold">
+                            <p:stCondLst>
+                              <p:cond delay="0"/>
+                            </p:stCondLst>
+                            <p:childTnLst>
+                              <p:par>
+                                <p:cTn id="23" presetID="2" presetClass="entr" presetSubtype="4" fill="hold" nodeType="clickEffect">
+                                  <p:stCondLst>
+                                    <p:cond delay="0"/>
+                                  </p:stCondLst>
+                                  <p:childTnLst>
+                                    <p:set>
+                                      <p:cBhvr>
+                                        <p:cTn id="24" dur="1" fill="hold">
+                                          <p:stCondLst>
+                                            <p:cond delay="0"/>
+                                          </p:stCondLst>
+                                        </p:cTn>
+                                        <p:tgtEl>
+                                          <p:spTgt spid="3">
+                                            <p:txEl>
+                                              <p:pRg st="3" end="3"/>
+                                            </p:txEl>
+                                          </p:spTgt>
+                                        </p:tgtEl>
+                                        <p:attrNameLst>
+                                          <p:attrName>style.visibility</p:attrName>
+                                        </p:attrNameLst>
+                                      </p:cBhvr>
+                                      <p:to>
+                                        <p:strVal val="visible"/>
+                                      </p:to>
+                                    </p:set>
+                                    <p:anim calcmode="lin" valueType="num">
+                                      <p:cBhvr additive="base">
+                                        <p:cTn id="25" dur="500" fill="hold"/>
+                                        <p:tgtEl>
+                                          <p:spTgt spid="3">
+                                            <p:txEl>
+                                              <p:pRg st="3" end="3"/>
+                                            </p:txEl>
+                                          </p:spTgt>
+                                        </p:tgtEl>
+                                        <p:attrNameLst>
+                                          <p:attrName>ppt_x</p:attrName>
+                                        </p:attrNameLst>
+                                      </p:cBhvr>
+                                      <p:tavLst>
+                                        <p:tav tm="0">
+                                          <p:val>
+                                            <p:strVal val="#ppt_x"/>
+                                          </p:val>
+                                        </p:tav>
+                                        <p:tav tm="100000">
+                                          <p:val>
+                                            <p:strVal val="#ppt_x"/>
+                                          </p:val>
+                                        </p:tav>
+                                      </p:tavLst>
+                                    </p:anim>
+                                    <p:anim calcmode="lin" valueType="num">
+                                      <p:cBhvr additive="base">
+                                        <p:cTn id="26" dur="500" fill="hold"/>
+                                        <p:tgtEl>
+                                          <p:spTgt spid="3">
+                                            <p:txEl>
+                                              <p:pRg st="3" end="3"/>
+                                            </p:txEl>
+                                          </p:spTgt>
+                                        </p:tgtEl>
+                                        <p:attrNameLst>
+                                          <p:attrName>ppt_y</p:attrName>
+                                        </p:attrNameLst>
+                                      </p:cBhvr>
+                                      <p:tavLst>
+                                        <p:tav tm="0">
+                                          <p:val>
+                                            <p:strVal val="1+#ppt_h/2"/>
+                                          </p:val>
+                                        </p:tav>
+                                        <p:tav tm="100000">
+                                          <p:val>
+                                            <p:strVal val="#ppt_y"/>
+                                          </p:val>
+                                        </p:tav>
+                                      </p:tavLst>
+                                    </p:anim>
+                                  </p:childTnLst>
+                                </p:cTn>
+                              </p:par>
+                            </p:childTnLst>
+                          </p:cTn>
+                        </p:par>
+                      </p:childTnLst>
+                    </p:cTn>
+                  </p:par>
+                  <p:par>
+                    <p:cTn id="27" fill="hold">
+                      <p:stCondLst>
+                        <p:cond delay="indefinite"/>
+                      </p:stCondLst>
+                      <p:childTnLst>
+                        <p:par>
+                          <p:cTn id="28" fill="hold">
+                            <p:stCondLst>
+                              <p:cond delay="0"/>
+                            </p:stCondLst>
+                            <p:childTnLst>
+                              <p:par>
+                                <p:cTn id="29" presetID="2" presetClass="entr" presetSubtype="4" fill="hold" nodeType="clickEffect">
+                                  <p:stCondLst>
+                                    <p:cond delay="0"/>
+                                  </p:stCondLst>
+                                  <p:childTnLst>
+                                    <p:set>
+                                      <p:cBhvr>
+                                        <p:cTn id="30" dur="1" fill="hold">
+                                          <p:stCondLst>
+                                            <p:cond delay="0"/>
+                                          </p:stCondLst>
+                                        </p:cTn>
+                                        <p:tgtEl>
+                                          <p:spTgt spid="3">
+                                            <p:txEl>
+                                              <p:pRg st="4" end="4"/>
+                                            </p:txEl>
+                                          </p:spTgt>
+                                        </p:tgtEl>
+                                        <p:attrNameLst>
+                                          <p:attrName>style.visibility</p:attrName>
+                                        </p:attrNameLst>
+                                      </p:cBhvr>
+                                      <p:to>
+                                        <p:strVal val="visible"/>
+                                      </p:to>
+                                    </p:set>
+                                    <p:anim calcmode="lin" valueType="num">
+                                      <p:cBhvr additive="base">
+                                        <p:cTn id="31" dur="500" fill="hold"/>
+                                        <p:tgtEl>
+                                          <p:spTgt spid="3">
+                                            <p:txEl>
+                                              <p:pRg st="4" end="4"/>
+                                            </p:txEl>
+                                          </p:spTgt>
+                                        </p:tgtEl>
+                                        <p:attrNameLst>
+                                          <p:attrName>ppt_x</p:attrName>
+                                        </p:attrNameLst>
+                                      </p:cBhvr>
+                                      <p:tavLst>
+                                        <p:tav tm="0">
+                                          <p:val>
+                                            <p:strVal val="#ppt_x"/>
+                                          </p:val>
+                                        </p:tav>
+                                        <p:tav tm="100000">
+                                          <p:val>
+                                            <p:strVal val="#ppt_x"/>
+                                          </p:val>
+                                        </p:tav>
+                                      </p:tavLst>
+                                    </p:anim>
+                                    <p:anim calcmode="lin" valueType="num">
+                                      <p:cBhvr additive="base">
+                                        <p:cTn id="32" dur="500" fill="hold"/>
+                                        <p:tgtEl>
+                                          <p:spTgt spid="3">
+                                            <p:txEl>
+                                              <p:pRg st="4" end="4"/>
+                                            </p:txEl>
+                                          </p:spTgt>
+                                        </p:tgtEl>
+                                        <p:attrNameLst>
+                                          <p:attrName>ppt_y</p:attrName>
+                                        </p:attrNameLst>
+                                      </p:cBhvr>
+                                      <p:tavLst>
+                                        <p:tav tm="0">
+                                          <p:val>
+                                            <p:strVal val="1+#ppt_h/2"/>
+                                          </p:val>
+                                        </p:tav>
+                                        <p:tav tm="100000">
+                                          <p:val>
+                                            <p:strVal val="#ppt_y"/>
+                                          </p:val>
+                                        </p:tav>
+                                      </p:tavLst>
+                                    </p:anim>
+                                  </p:childTnLst>
+                                </p:cTn>
+                              </p:par>
+                            </p:childTnLst>
+                          </p:cTn>
+                        </p:par>
+                      </p:childTnLst>
+                    </p:cTn>
+                  </p:par>
+                </p:childTnLst>
+              </p:cTn>
+              <p:prevCondLst>
+                <p:cond evt="onPrev" delay="0">
+                  <p:tgtEl>
+                    <p:sldTgt/>
+                  </p:tgtEl>
+                </p:cond>
+              </p:prevCondLst>
+              <p:nextCondLst>
+                <p:cond evt="onNext" delay="0">
+                  <p:tgtEl>
+                    <p:sldTgt/>
+                  </p:tgtEl>
+                </p:cond>
+              </p:nextCondLst>
+            </p:seq>
+          </p:childTnLst>
+        </p:cTn>
+      </p:par>
+    </p:tnLst>
+  </p:timing>
+</p:sld>
+</file>
+
+<file path=ppt/slides/slide14.xml><?xml version="1.0" encoding="utf-8"?>
+<p:sld xmlns:a="http://schemas.openxmlformats.org/drawingml/2006/main" xmlns:r="http://schemas.openxmlformats.org/officeDocument/2006/relationships" xmlns:p="http://schemas.openxmlformats.org/presentationml/2006/main">
+  <p:cSld>
+    <p:spTree>
+      <p:nvGrpSpPr>
+        <p:cNvPr id="1" name=""/>
+        <p:cNvGrpSpPr/>
+        <p:nvPr/>
+      </p:nvGrpSpPr>
+      <p:grpSpPr>
+        <a:xfrm>
+          <a:off x="0" y="0"/>
+          <a:ext cx="0" cy="0"/>
+          <a:chOff x="0" y="0"/>
+          <a:chExt cx="0" cy="0"/>
+        </a:xfrm>
+      </p:grpSpPr>
+      <p:sp>
+        <p:nvSpPr>
           <p:cNvPr id="2" name="Title 1">
             <a:extLst>
               <a:ext uri="{FF2B5EF4-FFF2-40B4-BE49-F238E27FC236}">
@@ -3891,7 +5841,7 @@
 </p:sld>
 </file>
 
-<file path=ppt/slides/slide13.xml><?xml version="1.0" encoding="utf-8"?>
+<file path=ppt/slides/slide15.xml><?xml version="1.0" encoding="utf-8"?>
 <p:sld xmlns:a="http://schemas.openxmlformats.org/drawingml/2006/main" xmlns:r="http://schemas.openxmlformats.org/officeDocument/2006/relationships" xmlns:p="http://schemas.openxmlformats.org/presentationml/2006/main">
   <p:cSld>
     <p:spTree>
@@ -4070,6 +6020,964 @@
 </file>
 
 <file path=ppt/slides/slide2.xml><?xml version="1.0" encoding="utf-8"?>
+<p:sld xmlns:a="http://schemas.openxmlformats.org/drawingml/2006/main" xmlns:r="http://schemas.openxmlformats.org/officeDocument/2006/relationships" xmlns:p="http://schemas.openxmlformats.org/presentationml/2006/main">
+  <p:cSld>
+    <p:spTree>
+      <p:nvGrpSpPr>
+        <p:cNvPr id="1" name=""/>
+        <p:cNvGrpSpPr/>
+        <p:nvPr/>
+      </p:nvGrpSpPr>
+      <p:grpSpPr>
+        <a:xfrm>
+          <a:off x="0" y="0"/>
+          <a:ext cx="0" cy="0"/>
+          <a:chOff x="0" y="0"/>
+          <a:chExt cx="0" cy="0"/>
+        </a:xfrm>
+      </p:grpSpPr>
+      <p:sp>
+        <p:nvSpPr>
+          <p:cNvPr id="4098" name="TextBox 2090"/>
+          <p:cNvSpPr txBox="1">
+            <a:spLocks noChangeArrowheads="1"/>
+          </p:cNvSpPr>
+          <p:nvPr/>
+        </p:nvSpPr>
+        <p:spPr bwMode="auto">
+          <a:xfrm>
+            <a:off x="1653133" y="147003"/>
+            <a:ext cx="6192167" cy="732188"/>
+          </a:xfrm>
+          <a:prstGeom prst="rect">
+            <a:avLst/>
+          </a:prstGeom>
+          <a:noFill/>
+          <a:ln>
+            <a:noFill/>
+          </a:ln>
+          <a:extLst>
+            <a:ext uri="{909E8E84-426E-40DD-AFC4-6F175D3DCCD1}">
+              <a14:hiddenFill xmlns:a14="http://schemas.microsoft.com/office/drawing/2010/main">
+                <a:solidFill>
+                  <a:srgbClr val="FFFFFF"/>
+                </a:solidFill>
+              </a14:hiddenFill>
+            </a:ext>
+            <a:ext uri="{91240B29-F687-4F45-9708-019B960494DF}">
+              <a14:hiddenLine xmlns:a14="http://schemas.microsoft.com/office/drawing/2010/main" w="9525">
+                <a:solidFill>
+                  <a:srgbClr val="000000"/>
+                </a:solidFill>
+                <a:miter lim="800000"/>
+                <a:headEnd/>
+                <a:tailEnd/>
+              </a14:hiddenLine>
+            </a:ext>
+          </a:extLst>
+        </p:spPr>
+        <p:txBody>
+          <a:bodyPr>
+            <a:spAutoFit/>
+          </a:bodyPr>
+          <a:lstStyle>
+            <a:lvl1pPr eaLnBrk="0" hangingPunct="0">
+              <a:spcBef>
+                <a:spcPct val="20000"/>
+              </a:spcBef>
+              <a:buChar char="•"/>
+              <a:defRPr sz="3200">
+                <a:solidFill>
+                  <a:schemeClr val="tx1"/>
+                </a:solidFill>
+                <a:latin typeface="Arial" charset="0"/>
+              </a:defRPr>
+            </a:lvl1pPr>
+            <a:lvl2pPr marL="742950" indent="-285750" eaLnBrk="0" hangingPunct="0">
+              <a:spcBef>
+                <a:spcPct val="20000"/>
+              </a:spcBef>
+              <a:buChar char="–"/>
+              <a:defRPr sz="2800">
+                <a:solidFill>
+                  <a:schemeClr val="tx1"/>
+                </a:solidFill>
+                <a:latin typeface="Arial" charset="0"/>
+              </a:defRPr>
+            </a:lvl2pPr>
+            <a:lvl3pPr marL="1143000" indent="-228600" eaLnBrk="0" hangingPunct="0">
+              <a:spcBef>
+                <a:spcPct val="20000"/>
+              </a:spcBef>
+              <a:buChar char="•"/>
+              <a:defRPr sz="2400">
+                <a:solidFill>
+                  <a:schemeClr val="tx1"/>
+                </a:solidFill>
+                <a:latin typeface="Arial" charset="0"/>
+              </a:defRPr>
+            </a:lvl3pPr>
+            <a:lvl4pPr marL="1600200" indent="-228600" eaLnBrk="0" hangingPunct="0">
+              <a:spcBef>
+                <a:spcPct val="20000"/>
+              </a:spcBef>
+              <a:buChar char="–"/>
+              <a:defRPr sz="2000">
+                <a:solidFill>
+                  <a:schemeClr val="tx1"/>
+                </a:solidFill>
+                <a:latin typeface="Arial" charset="0"/>
+              </a:defRPr>
+            </a:lvl4pPr>
+            <a:lvl5pPr marL="2057400" indent="-228600" eaLnBrk="0" hangingPunct="0">
+              <a:spcBef>
+                <a:spcPct val="20000"/>
+              </a:spcBef>
+              <a:buChar char="»"/>
+              <a:defRPr sz="2000">
+                <a:solidFill>
+                  <a:schemeClr val="tx1"/>
+                </a:solidFill>
+                <a:latin typeface="Arial" charset="0"/>
+              </a:defRPr>
+            </a:lvl5pPr>
+            <a:lvl6pPr marL="2514600" indent="-228600" eaLnBrk="0" fontAlgn="base" hangingPunct="0">
+              <a:spcBef>
+                <a:spcPct val="20000"/>
+              </a:spcBef>
+              <a:spcAft>
+                <a:spcPct val="0"/>
+              </a:spcAft>
+              <a:buChar char="»"/>
+              <a:defRPr sz="2000">
+                <a:solidFill>
+                  <a:schemeClr val="tx1"/>
+                </a:solidFill>
+                <a:latin typeface="Arial" charset="0"/>
+              </a:defRPr>
+            </a:lvl6pPr>
+            <a:lvl7pPr marL="2971800" indent="-228600" eaLnBrk="0" fontAlgn="base" hangingPunct="0">
+              <a:spcBef>
+                <a:spcPct val="20000"/>
+              </a:spcBef>
+              <a:spcAft>
+                <a:spcPct val="0"/>
+              </a:spcAft>
+              <a:buChar char="»"/>
+              <a:defRPr sz="2000">
+                <a:solidFill>
+                  <a:schemeClr val="tx1"/>
+                </a:solidFill>
+                <a:latin typeface="Arial" charset="0"/>
+              </a:defRPr>
+            </a:lvl7pPr>
+            <a:lvl8pPr marL="3429000" indent="-228600" eaLnBrk="0" fontAlgn="base" hangingPunct="0">
+              <a:spcBef>
+                <a:spcPct val="20000"/>
+              </a:spcBef>
+              <a:spcAft>
+                <a:spcPct val="0"/>
+              </a:spcAft>
+              <a:buChar char="»"/>
+              <a:defRPr sz="2000">
+                <a:solidFill>
+                  <a:schemeClr val="tx1"/>
+                </a:solidFill>
+                <a:latin typeface="Arial" charset="0"/>
+              </a:defRPr>
+            </a:lvl8pPr>
+            <a:lvl9pPr marL="3886200" indent="-228600" eaLnBrk="0" fontAlgn="base" hangingPunct="0">
+              <a:spcBef>
+                <a:spcPct val="20000"/>
+              </a:spcBef>
+              <a:spcAft>
+                <a:spcPct val="0"/>
+              </a:spcAft>
+              <a:buChar char="»"/>
+              <a:defRPr sz="2000">
+                <a:solidFill>
+                  <a:schemeClr val="tx1"/>
+                </a:solidFill>
+                <a:latin typeface="Arial" charset="0"/>
+              </a:defRPr>
+            </a:lvl9pPr>
+          </a:lstStyle>
+          <a:p>
+            <a:pPr eaLnBrk="1" hangingPunct="1">
+              <a:spcBef>
+                <a:spcPct val="0"/>
+              </a:spcBef>
+              <a:buFontTx/>
+              <a:buNone/>
+            </a:pPr>
+            <a:r>
+              <a:rPr lang="en-US" altLang="en-US" sz="4158"/>
+              <a:t>Our Niche</a:t>
+            </a:r>
+          </a:p>
+        </p:txBody>
+      </p:sp>
+      <p:sp>
+        <p:nvSpPr>
+          <p:cNvPr id="4099" name="TextBox 1"/>
+          <p:cNvSpPr txBox="1">
+            <a:spLocks noChangeArrowheads="1"/>
+          </p:cNvSpPr>
+          <p:nvPr/>
+        </p:nvSpPr>
+        <p:spPr bwMode="auto">
+          <a:xfrm>
+            <a:off x="2088145" y="1656044"/>
+            <a:ext cx="3273839" cy="1139286"/>
+          </a:xfrm>
+          <a:prstGeom prst="rect">
+            <a:avLst/>
+          </a:prstGeom>
+          <a:noFill/>
+          <a:ln>
+            <a:noFill/>
+          </a:ln>
+          <a:extLst>
+            <a:ext uri="{909E8E84-426E-40DD-AFC4-6F175D3DCCD1}">
+              <a14:hiddenFill xmlns:a14="http://schemas.microsoft.com/office/drawing/2010/main">
+                <a:solidFill>
+                  <a:srgbClr val="FFFFFF"/>
+                </a:solidFill>
+              </a14:hiddenFill>
+            </a:ext>
+            <a:ext uri="{91240B29-F687-4F45-9708-019B960494DF}">
+              <a14:hiddenLine xmlns:a14="http://schemas.microsoft.com/office/drawing/2010/main" w="9525">
+                <a:solidFill>
+                  <a:srgbClr val="000000"/>
+                </a:solidFill>
+                <a:miter lim="800000"/>
+                <a:headEnd/>
+                <a:tailEnd/>
+              </a14:hiddenLine>
+            </a:ext>
+          </a:extLst>
+        </p:spPr>
+        <p:txBody>
+          <a:bodyPr wrap="square">
+            <a:spAutoFit/>
+          </a:bodyPr>
+          <a:lstStyle>
+            <a:lvl1pPr eaLnBrk="0" hangingPunct="0">
+              <a:spcBef>
+                <a:spcPct val="20000"/>
+              </a:spcBef>
+              <a:buChar char="•"/>
+              <a:defRPr sz="3200">
+                <a:solidFill>
+                  <a:schemeClr val="tx1"/>
+                </a:solidFill>
+                <a:latin typeface="Arial" charset="0"/>
+              </a:defRPr>
+            </a:lvl1pPr>
+            <a:lvl2pPr marL="742950" indent="-285750" eaLnBrk="0" hangingPunct="0">
+              <a:spcBef>
+                <a:spcPct val="20000"/>
+              </a:spcBef>
+              <a:buChar char="–"/>
+              <a:defRPr sz="2800">
+                <a:solidFill>
+                  <a:schemeClr val="tx1"/>
+                </a:solidFill>
+                <a:latin typeface="Arial" charset="0"/>
+              </a:defRPr>
+            </a:lvl2pPr>
+            <a:lvl3pPr marL="1143000" indent="-228600" eaLnBrk="0" hangingPunct="0">
+              <a:spcBef>
+                <a:spcPct val="20000"/>
+              </a:spcBef>
+              <a:buChar char="•"/>
+              <a:defRPr sz="2400">
+                <a:solidFill>
+                  <a:schemeClr val="tx1"/>
+                </a:solidFill>
+                <a:latin typeface="Arial" charset="0"/>
+              </a:defRPr>
+            </a:lvl3pPr>
+            <a:lvl4pPr marL="1600200" indent="-228600" eaLnBrk="0" hangingPunct="0">
+              <a:spcBef>
+                <a:spcPct val="20000"/>
+              </a:spcBef>
+              <a:buChar char="–"/>
+              <a:defRPr sz="2000">
+                <a:solidFill>
+                  <a:schemeClr val="tx1"/>
+                </a:solidFill>
+                <a:latin typeface="Arial" charset="0"/>
+              </a:defRPr>
+            </a:lvl4pPr>
+            <a:lvl5pPr marL="2057400" indent="-228600" eaLnBrk="0" hangingPunct="0">
+              <a:spcBef>
+                <a:spcPct val="20000"/>
+              </a:spcBef>
+              <a:buChar char="»"/>
+              <a:defRPr sz="2000">
+                <a:solidFill>
+                  <a:schemeClr val="tx1"/>
+                </a:solidFill>
+                <a:latin typeface="Arial" charset="0"/>
+              </a:defRPr>
+            </a:lvl5pPr>
+            <a:lvl6pPr marL="2514600" indent="-228600" eaLnBrk="0" fontAlgn="base" hangingPunct="0">
+              <a:spcBef>
+                <a:spcPct val="20000"/>
+              </a:spcBef>
+              <a:spcAft>
+                <a:spcPct val="0"/>
+              </a:spcAft>
+              <a:buChar char="»"/>
+              <a:defRPr sz="2000">
+                <a:solidFill>
+                  <a:schemeClr val="tx1"/>
+                </a:solidFill>
+                <a:latin typeface="Arial" charset="0"/>
+              </a:defRPr>
+            </a:lvl6pPr>
+            <a:lvl7pPr marL="2971800" indent="-228600" eaLnBrk="0" fontAlgn="base" hangingPunct="0">
+              <a:spcBef>
+                <a:spcPct val="20000"/>
+              </a:spcBef>
+              <a:spcAft>
+                <a:spcPct val="0"/>
+              </a:spcAft>
+              <a:buChar char="»"/>
+              <a:defRPr sz="2000">
+                <a:solidFill>
+                  <a:schemeClr val="tx1"/>
+                </a:solidFill>
+                <a:latin typeface="Arial" charset="0"/>
+              </a:defRPr>
+            </a:lvl7pPr>
+            <a:lvl8pPr marL="3429000" indent="-228600" eaLnBrk="0" fontAlgn="base" hangingPunct="0">
+              <a:spcBef>
+                <a:spcPct val="20000"/>
+              </a:spcBef>
+              <a:spcAft>
+                <a:spcPct val="0"/>
+              </a:spcAft>
+              <a:buChar char="»"/>
+              <a:defRPr sz="2000">
+                <a:solidFill>
+                  <a:schemeClr val="tx1"/>
+                </a:solidFill>
+                <a:latin typeface="Arial" charset="0"/>
+              </a:defRPr>
+            </a:lvl8pPr>
+            <a:lvl9pPr marL="3886200" indent="-228600" eaLnBrk="0" fontAlgn="base" hangingPunct="0">
+              <a:spcBef>
+                <a:spcPct val="20000"/>
+              </a:spcBef>
+              <a:spcAft>
+                <a:spcPct val="0"/>
+              </a:spcAft>
+              <a:buChar char="»"/>
+              <a:defRPr sz="2000">
+                <a:solidFill>
+                  <a:schemeClr val="tx1"/>
+                </a:solidFill>
+                <a:latin typeface="Arial" charset="0"/>
+              </a:defRPr>
+            </a:lvl9pPr>
+          </a:lstStyle>
+          <a:p>
+            <a:pPr eaLnBrk="1" hangingPunct="1">
+              <a:spcBef>
+                <a:spcPct val="0"/>
+              </a:spcBef>
+              <a:buFontTx/>
+              <a:buNone/>
+            </a:pPr>
+            <a:r>
+              <a:rPr lang="en-US" altLang="en-US" sz="1701" i="1" dirty="0"/>
+              <a:t>“We provide senior level DBAs to support to our customers for maximum flexibility in a model that aligns costs with usage.”</a:t>
+            </a:r>
+          </a:p>
+        </p:txBody>
+      </p:sp>
+      <p:sp>
+        <p:nvSpPr>
+          <p:cNvPr id="8" name="TextBox 7"/>
+          <p:cNvSpPr txBox="1"/>
+          <p:nvPr/>
+        </p:nvSpPr>
+        <p:spPr>
+          <a:xfrm>
+            <a:off x="1944141" y="3312090"/>
+            <a:ext cx="4620828" cy="2666307"/>
+          </a:xfrm>
+          <a:prstGeom prst="rect">
+            <a:avLst/>
+          </a:prstGeom>
+          <a:noFill/>
+          <a:effectLst>
+            <a:outerShdw blurRad="50800" dist="38100" dir="5400000" algn="t" rotWithShape="0">
+              <a:prstClr val="black">
+                <a:alpha val="40000"/>
+              </a:prstClr>
+            </a:outerShdw>
+          </a:effectLst>
+        </p:spPr>
+        <p:txBody>
+          <a:bodyPr wrap="square">
+            <a:spAutoFit/>
+          </a:bodyPr>
+          <a:lstStyle/>
+          <a:p>
+            <a:pPr algn="just">
+              <a:spcAft>
+                <a:spcPts val="118"/>
+              </a:spcAft>
+              <a:defRPr/>
+            </a:pPr>
+            <a:r>
+              <a:rPr lang="en-US" sz="1512" b="1" dirty="0"/>
+              <a:t>            Service Features</a:t>
+            </a:r>
+          </a:p>
+          <a:p>
+            <a:pPr>
+              <a:spcAft>
+                <a:spcPts val="165"/>
+              </a:spcAft>
+              <a:defRPr/>
+            </a:pPr>
+            <a:endParaRPr lang="en-US" sz="1512" dirty="0"/>
+          </a:p>
+          <a:p>
+            <a:pPr marL="270005" indent="-270005">
+              <a:spcAft>
+                <a:spcPts val="165"/>
+              </a:spcAft>
+              <a:buFont typeface="Wingdings" pitchFamily="2" charset="2"/>
+              <a:buChar char="ü"/>
+              <a:defRPr/>
+            </a:pPr>
+            <a:r>
+              <a:rPr lang="en-US" sz="1512" dirty="0"/>
+              <a:t>Experienced, Assigned DBAs </a:t>
+            </a:r>
+          </a:p>
+          <a:p>
+            <a:pPr marL="270005" indent="-270005">
+              <a:spcAft>
+                <a:spcPts val="165"/>
+              </a:spcAft>
+              <a:buFont typeface="Wingdings" pitchFamily="2" charset="2"/>
+              <a:buChar char="ü"/>
+              <a:defRPr/>
+            </a:pPr>
+            <a:r>
+              <a:rPr lang="en-US" sz="1512" dirty="0"/>
+              <a:t>100% U.S. Citizens</a:t>
+            </a:r>
+          </a:p>
+          <a:p>
+            <a:pPr marL="270005" indent="-270005">
+              <a:spcAft>
+                <a:spcPts val="165"/>
+              </a:spcAft>
+              <a:buFont typeface="Wingdings" pitchFamily="2" charset="2"/>
+              <a:buChar char="ü"/>
+              <a:defRPr/>
+            </a:pPr>
+            <a:r>
+              <a:rPr lang="en-US" sz="1512" dirty="0"/>
+              <a:t>Direct Contact with DBAs</a:t>
+            </a:r>
+          </a:p>
+          <a:p>
+            <a:pPr marL="270005" indent="-270005">
+              <a:spcAft>
+                <a:spcPts val="165"/>
+              </a:spcAft>
+              <a:buFont typeface="Wingdings" pitchFamily="2" charset="2"/>
+              <a:buChar char="ü"/>
+              <a:defRPr/>
+            </a:pPr>
+            <a:r>
+              <a:rPr lang="en-US" sz="1512" dirty="0"/>
+              <a:t>24x7 Incident Response</a:t>
+            </a:r>
+          </a:p>
+          <a:p>
+            <a:pPr marL="270005" indent="-270005">
+              <a:spcAft>
+                <a:spcPts val="165"/>
+              </a:spcAft>
+              <a:buFont typeface="Wingdings" pitchFamily="2" charset="2"/>
+              <a:buChar char="ü"/>
+              <a:defRPr/>
+            </a:pPr>
+            <a:r>
+              <a:rPr lang="en-US" sz="1512" dirty="0"/>
+              <a:t>Integrated operational monitoring (optional)</a:t>
+            </a:r>
+          </a:p>
+          <a:p>
+            <a:pPr marL="270005" indent="-270005">
+              <a:spcAft>
+                <a:spcPts val="165"/>
+              </a:spcAft>
+              <a:buFont typeface="Wingdings" pitchFamily="2" charset="2"/>
+              <a:buChar char="ü"/>
+              <a:defRPr/>
+            </a:pPr>
+            <a:r>
+              <a:rPr lang="en-US" sz="1512" dirty="0"/>
+              <a:t>Performance monitoring/assessment (optional)</a:t>
+            </a:r>
+          </a:p>
+          <a:p>
+            <a:pPr marL="270005" indent="-270005">
+              <a:spcAft>
+                <a:spcPts val="165"/>
+              </a:spcAft>
+              <a:buFont typeface="Wingdings" pitchFamily="2" charset="2"/>
+              <a:buChar char="ü"/>
+              <a:defRPr/>
+            </a:pPr>
+            <a:r>
+              <a:rPr lang="en-US" sz="1512" dirty="0"/>
+              <a:t>Weekly Activity/Usage Reports</a:t>
+            </a:r>
+          </a:p>
+          <a:p>
+            <a:pPr>
+              <a:spcAft>
+                <a:spcPts val="165"/>
+              </a:spcAft>
+              <a:defRPr/>
+            </a:pPr>
+            <a:endParaRPr lang="en-US" sz="1701" dirty="0"/>
+          </a:p>
+        </p:txBody>
+      </p:sp>
+      <p:sp>
+        <p:nvSpPr>
+          <p:cNvPr id="47" name="TextBox 46"/>
+          <p:cNvSpPr txBox="1"/>
+          <p:nvPr/>
+        </p:nvSpPr>
+        <p:spPr>
+          <a:xfrm>
+            <a:off x="6296003" y="3312089"/>
+            <a:ext cx="3901606" cy="1620124"/>
+          </a:xfrm>
+          <a:prstGeom prst="rect">
+            <a:avLst/>
+          </a:prstGeom>
+          <a:noFill/>
+          <a:effectLst>
+            <a:outerShdw blurRad="50800" dist="38100" dir="5400000" algn="t" rotWithShape="0">
+              <a:prstClr val="black">
+                <a:alpha val="40000"/>
+              </a:prstClr>
+            </a:outerShdw>
+          </a:effectLst>
+        </p:spPr>
+        <p:txBody>
+          <a:bodyPr>
+            <a:spAutoFit/>
+          </a:bodyPr>
+          <a:lstStyle/>
+          <a:p>
+            <a:pPr algn="ctr">
+              <a:defRPr/>
+            </a:pPr>
+            <a:r>
+              <a:rPr lang="en-US" sz="1512" b="1" dirty="0"/>
+              <a:t>Service Benefits</a:t>
+            </a:r>
+          </a:p>
+          <a:p>
+            <a:pPr>
+              <a:spcAft>
+                <a:spcPts val="165"/>
+              </a:spcAft>
+              <a:defRPr/>
+            </a:pPr>
+            <a:endParaRPr lang="en-US" sz="1512" dirty="0"/>
+          </a:p>
+          <a:p>
+            <a:pPr marL="270005" indent="-270005">
+              <a:spcAft>
+                <a:spcPts val="165"/>
+              </a:spcAft>
+              <a:buFont typeface="Wingdings" pitchFamily="2" charset="2"/>
+              <a:buChar char="ü"/>
+              <a:defRPr/>
+            </a:pPr>
+            <a:r>
+              <a:rPr lang="en-US" sz="1512" dirty="0"/>
+              <a:t>Scalable DBA extension to team</a:t>
+            </a:r>
+          </a:p>
+          <a:p>
+            <a:pPr marL="270005" indent="-270005">
+              <a:spcAft>
+                <a:spcPts val="165"/>
+              </a:spcAft>
+              <a:buFont typeface="Wingdings" pitchFamily="2" charset="2"/>
+              <a:buChar char="ü"/>
+              <a:defRPr/>
+            </a:pPr>
+            <a:r>
+              <a:rPr lang="en-US" sz="1512" dirty="0"/>
+              <a:t>No hiring or training costs</a:t>
+            </a:r>
+          </a:p>
+          <a:p>
+            <a:pPr marL="270005" indent="-270005">
+              <a:spcAft>
+                <a:spcPts val="165"/>
+              </a:spcAft>
+              <a:buFont typeface="Wingdings" pitchFamily="2" charset="2"/>
+              <a:buChar char="ü"/>
+              <a:defRPr/>
+            </a:pPr>
+            <a:r>
+              <a:rPr lang="en-US" sz="1512" dirty="0"/>
+              <a:t>Pay-for-use model</a:t>
+            </a:r>
+          </a:p>
+          <a:p>
+            <a:pPr>
+              <a:defRPr/>
+            </a:pPr>
+            <a:endParaRPr lang="en-US" sz="1701" dirty="0"/>
+          </a:p>
+        </p:txBody>
+      </p:sp>
+      <p:pic>
+        <p:nvPicPr>
+          <p:cNvPr id="4104" name="Picture 8"/>
+          <p:cNvPicPr>
+            <a:picLocks noChangeAspect="1"/>
+          </p:cNvPicPr>
+          <p:nvPr/>
+        </p:nvPicPr>
+        <p:blipFill>
+          <a:blip r:embed="rId2" cstate="print">
+            <a:extLst>
+              <a:ext uri="{28A0092B-C50C-407E-A947-70E740481C1C}">
+                <a14:useLocalDpi xmlns:a14="http://schemas.microsoft.com/office/drawing/2010/main" val="0"/>
+              </a:ext>
+            </a:extLst>
+          </a:blip>
+          <a:srcRect/>
+          <a:stretch>
+            <a:fillRect/>
+          </a:stretch>
+        </p:blipFill>
+        <p:spPr bwMode="auto">
+          <a:xfrm>
+            <a:off x="7677296" y="27000"/>
+            <a:ext cx="2319063" cy="967527"/>
+          </a:xfrm>
+          <a:prstGeom prst="rect">
+            <a:avLst/>
+          </a:prstGeom>
+          <a:noFill/>
+          <a:ln>
+            <a:noFill/>
+          </a:ln>
+          <a:extLst>
+            <a:ext uri="{909E8E84-426E-40DD-AFC4-6F175D3DCCD1}">
+              <a14:hiddenFill xmlns:a14="http://schemas.microsoft.com/office/drawing/2010/main">
+                <a:solidFill>
+                  <a:srgbClr val="FFFFFF"/>
+                </a:solidFill>
+              </a14:hiddenFill>
+            </a:ext>
+            <a:ext uri="{91240B29-F687-4F45-9708-019B960494DF}">
+              <a14:hiddenLine xmlns:a14="http://schemas.microsoft.com/office/drawing/2010/main" w="9525">
+                <a:solidFill>
+                  <a:srgbClr val="000000"/>
+                </a:solidFill>
+                <a:miter lim="800000"/>
+                <a:headEnd/>
+                <a:tailEnd/>
+              </a14:hiddenLine>
+            </a:ext>
+          </a:extLst>
+        </p:spPr>
+      </p:pic>
+      <p:pic>
+        <p:nvPicPr>
+          <p:cNvPr id="9" name="Picture 8"/>
+          <p:cNvPicPr>
+            <a:picLocks noChangeAspect="1"/>
+          </p:cNvPicPr>
+          <p:nvPr/>
+        </p:nvPicPr>
+        <p:blipFill>
+          <a:blip r:embed="rId3"/>
+          <a:stretch>
+            <a:fillRect/>
+          </a:stretch>
+        </p:blipFill>
+        <p:spPr>
+          <a:xfrm>
+            <a:off x="5497495" y="1156397"/>
+            <a:ext cx="3574839" cy="1894769"/>
+          </a:xfrm>
+          <a:prstGeom prst="rect">
+            <a:avLst/>
+          </a:prstGeom>
+        </p:spPr>
+      </p:pic>
+      <p:sp>
+        <p:nvSpPr>
+          <p:cNvPr id="6" name="Rectangle 5">
+            <a:extLst>
+              <a:ext uri="{FF2B5EF4-FFF2-40B4-BE49-F238E27FC236}">
+                <a16:creationId xmlns:a16="http://schemas.microsoft.com/office/drawing/2014/main" id="{E7B26BE5-BC69-43D7-822E-D6BC4B9BF520}"/>
+              </a:ext>
+            </a:extLst>
+          </p:cNvPr>
+          <p:cNvSpPr/>
+          <p:nvPr/>
+        </p:nvSpPr>
+        <p:spPr>
+          <a:xfrm>
+            <a:off x="11767755" y="4622450"/>
+            <a:ext cx="934454" cy="500612"/>
+          </a:xfrm>
+          <a:prstGeom prst="rect">
+            <a:avLst/>
+          </a:prstGeom>
+          <a:noFill/>
+          <a:ln>
+            <a:noFill/>
+          </a:ln>
+          <a:effectLst>
+            <a:outerShdw blurRad="152400" dir="5400000" sx="90000" sy="-19000" rotWithShape="0">
+              <a:schemeClr val="tx1">
+                <a:lumMod val="50000"/>
+                <a:lumOff val="50000"/>
+                <a:alpha val="15000"/>
+              </a:schemeClr>
+            </a:outerShdw>
+          </a:effectLst>
+        </p:spPr>
+        <p:style>
+          <a:lnRef idx="2">
+            <a:schemeClr val="accent1">
+              <a:shade val="50000"/>
+            </a:schemeClr>
+          </a:lnRef>
+          <a:fillRef idx="1">
+            <a:schemeClr val="accent1"/>
+          </a:fillRef>
+          <a:effectRef idx="0">
+            <a:schemeClr val="accent1"/>
+          </a:effectRef>
+          <a:fontRef idx="minor">
+            <a:schemeClr val="lt1"/>
+          </a:fontRef>
+        </p:style>
+        <p:txBody>
+          <a:bodyPr rtlCol="0" anchor="ctr"/>
+          <a:lstStyle/>
+          <a:p>
+            <a:pPr algn="ctr"/>
+            <a:endParaRPr lang="en-US" sz="1701"/>
+          </a:p>
+        </p:txBody>
+      </p:sp>
+      <p:pic>
+        <p:nvPicPr>
+          <p:cNvPr id="5" name="Picture 4">
+            <a:extLst>
+              <a:ext uri="{FF2B5EF4-FFF2-40B4-BE49-F238E27FC236}">
+                <a16:creationId xmlns:a16="http://schemas.microsoft.com/office/drawing/2014/main" id="{82140C59-828B-4BD1-A76E-B9223CC75FDC}"/>
+              </a:ext>
+            </a:extLst>
+          </p:cNvPr>
+          <p:cNvPicPr>
+            <a:picLocks noChangeAspect="1"/>
+          </p:cNvPicPr>
+          <p:nvPr/>
+        </p:nvPicPr>
+        <p:blipFill>
+          <a:blip r:embed="rId4"/>
+          <a:stretch>
+            <a:fillRect/>
+          </a:stretch>
+        </p:blipFill>
+        <p:spPr>
+          <a:xfrm>
+            <a:off x="8797341" y="5665139"/>
+            <a:ext cx="907775" cy="264492"/>
+          </a:xfrm>
+          <a:prstGeom prst="rect">
+            <a:avLst/>
+          </a:prstGeom>
+        </p:spPr>
+      </p:pic>
+      <p:pic>
+        <p:nvPicPr>
+          <p:cNvPr id="14" name="Picture 13">
+            <a:extLst>
+              <a:ext uri="{FF2B5EF4-FFF2-40B4-BE49-F238E27FC236}">
+                <a16:creationId xmlns:a16="http://schemas.microsoft.com/office/drawing/2014/main" id="{CD80C156-76C3-4A19-83F5-9448E49298E8}"/>
+              </a:ext>
+            </a:extLst>
+          </p:cNvPr>
+          <p:cNvPicPr>
+            <a:picLocks noChangeAspect="1"/>
+          </p:cNvPicPr>
+          <p:nvPr/>
+        </p:nvPicPr>
+        <p:blipFill>
+          <a:blip r:embed="rId5"/>
+          <a:stretch>
+            <a:fillRect/>
+          </a:stretch>
+        </p:blipFill>
+        <p:spPr>
+          <a:xfrm>
+            <a:off x="7758197" y="4770011"/>
+            <a:ext cx="815928" cy="607517"/>
+          </a:xfrm>
+          <a:prstGeom prst="rect">
+            <a:avLst/>
+          </a:prstGeom>
+        </p:spPr>
+      </p:pic>
+      <p:pic>
+        <p:nvPicPr>
+          <p:cNvPr id="15" name="Picture 14">
+            <a:extLst>
+              <a:ext uri="{FF2B5EF4-FFF2-40B4-BE49-F238E27FC236}">
+                <a16:creationId xmlns:a16="http://schemas.microsoft.com/office/drawing/2014/main" id="{4D7DDF48-C024-46CA-A4B1-02484C1ACA53}"/>
+              </a:ext>
+            </a:extLst>
+          </p:cNvPr>
+          <p:cNvPicPr>
+            <a:picLocks noChangeAspect="1"/>
+          </p:cNvPicPr>
+          <p:nvPr/>
+        </p:nvPicPr>
+        <p:blipFill>
+          <a:blip r:embed="rId6"/>
+          <a:stretch>
+            <a:fillRect/>
+          </a:stretch>
+        </p:blipFill>
+        <p:spPr>
+          <a:xfrm>
+            <a:off x="6619368" y="5147405"/>
+            <a:ext cx="851678" cy="168972"/>
+          </a:xfrm>
+          <a:prstGeom prst="rect">
+            <a:avLst/>
+          </a:prstGeom>
+        </p:spPr>
+      </p:pic>
+      <p:pic>
+        <p:nvPicPr>
+          <p:cNvPr id="16" name="Picture 15">
+            <a:extLst>
+              <a:ext uri="{FF2B5EF4-FFF2-40B4-BE49-F238E27FC236}">
+                <a16:creationId xmlns:a16="http://schemas.microsoft.com/office/drawing/2014/main" id="{D8E7BC1D-EF62-4AA8-AD6C-2ACAB9817E87}"/>
+              </a:ext>
+            </a:extLst>
+          </p:cNvPr>
+          <p:cNvPicPr>
+            <a:picLocks noChangeAspect="1"/>
+          </p:cNvPicPr>
+          <p:nvPr/>
+        </p:nvPicPr>
+        <p:blipFill>
+          <a:blip r:embed="rId7"/>
+          <a:stretch>
+            <a:fillRect/>
+          </a:stretch>
+        </p:blipFill>
+        <p:spPr>
+          <a:xfrm>
+            <a:off x="8861276" y="5071555"/>
+            <a:ext cx="841657" cy="291231"/>
+          </a:xfrm>
+          <a:prstGeom prst="rect">
+            <a:avLst/>
+          </a:prstGeom>
+        </p:spPr>
+      </p:pic>
+      <p:pic>
+        <p:nvPicPr>
+          <p:cNvPr id="17" name="Picture 16">
+            <a:extLst>
+              <a:ext uri="{FF2B5EF4-FFF2-40B4-BE49-F238E27FC236}">
+                <a16:creationId xmlns:a16="http://schemas.microsoft.com/office/drawing/2014/main" id="{535C9EEF-8894-4CB1-8671-8A825098CE69}"/>
+              </a:ext>
+            </a:extLst>
+          </p:cNvPr>
+          <p:cNvPicPr>
+            <a:picLocks noChangeAspect="1"/>
+          </p:cNvPicPr>
+          <p:nvPr/>
+        </p:nvPicPr>
+        <p:blipFill>
+          <a:blip r:embed="rId8"/>
+          <a:stretch>
+            <a:fillRect/>
+          </a:stretch>
+        </p:blipFill>
+        <p:spPr>
+          <a:xfrm>
+            <a:off x="6659660" y="5450059"/>
+            <a:ext cx="783021" cy="490514"/>
+          </a:xfrm>
+          <a:prstGeom prst="rect">
+            <a:avLst/>
+          </a:prstGeom>
+        </p:spPr>
+      </p:pic>
+      <p:pic>
+        <p:nvPicPr>
+          <p:cNvPr id="18" name="Picture 17">
+            <a:extLst>
+              <a:ext uri="{FF2B5EF4-FFF2-40B4-BE49-F238E27FC236}">
+                <a16:creationId xmlns:a16="http://schemas.microsoft.com/office/drawing/2014/main" id="{7D3EC3F6-657F-437B-97E2-AD01E1E9AEF7}"/>
+              </a:ext>
+            </a:extLst>
+          </p:cNvPr>
+          <p:cNvPicPr>
+            <a:picLocks noChangeAspect="1"/>
+          </p:cNvPicPr>
+          <p:nvPr/>
+        </p:nvPicPr>
+        <p:blipFill>
+          <a:blip r:embed="rId9"/>
+          <a:stretch>
+            <a:fillRect/>
+          </a:stretch>
+        </p:blipFill>
+        <p:spPr>
+          <a:xfrm>
+            <a:off x="7757715" y="5665138"/>
+            <a:ext cx="816409" cy="264492"/>
+          </a:xfrm>
+          <a:prstGeom prst="rect">
+            <a:avLst/>
+          </a:prstGeom>
+        </p:spPr>
+      </p:pic>
+    </p:spTree>
+  </p:cSld>
+  <p:clrMapOvr>
+    <a:masterClrMapping/>
+  </p:clrMapOvr>
+</p:sld>
+</file>
+
+<file path=ppt/slides/slide3.xml><?xml version="1.0" encoding="utf-8"?>
 <p:sld xmlns:a="http://schemas.openxmlformats.org/drawingml/2006/main" xmlns:r="http://schemas.openxmlformats.org/officeDocument/2006/relationships" xmlns:p="http://schemas.openxmlformats.org/presentationml/2006/main">
   <p:cSld>
     <p:spTree>
@@ -4875,667 +7783,6 @@
                                           <p:spTgt spid="3">
                                             <p:txEl>
                                               <p:pRg st="6" end="6"/>
-                                            </p:txEl>
-                                          </p:spTgt>
-                                        </p:tgtEl>
-                                        <p:attrNameLst>
-                                          <p:attrName>ppt_y</p:attrName>
-                                        </p:attrNameLst>
-                                      </p:cBhvr>
-                                      <p:tavLst>
-                                        <p:tav tm="0">
-                                          <p:val>
-                                            <p:strVal val="1+#ppt_h/2"/>
-                                          </p:val>
-                                        </p:tav>
-                                        <p:tav tm="100000">
-                                          <p:val>
-                                            <p:strVal val="#ppt_y"/>
-                                          </p:val>
-                                        </p:tav>
-                                      </p:tavLst>
-                                    </p:anim>
-                                  </p:childTnLst>
-                                </p:cTn>
-                              </p:par>
-                            </p:childTnLst>
-                          </p:cTn>
-                        </p:par>
-                      </p:childTnLst>
-                    </p:cTn>
-                  </p:par>
-                </p:childTnLst>
-              </p:cTn>
-              <p:prevCondLst>
-                <p:cond evt="onPrev" delay="0">
-                  <p:tgtEl>
-                    <p:sldTgt/>
-                  </p:tgtEl>
-                </p:cond>
-              </p:prevCondLst>
-              <p:nextCondLst>
-                <p:cond evt="onNext" delay="0">
-                  <p:tgtEl>
-                    <p:sldTgt/>
-                  </p:tgtEl>
-                </p:cond>
-              </p:nextCondLst>
-            </p:seq>
-          </p:childTnLst>
-        </p:cTn>
-      </p:par>
-    </p:tnLst>
-  </p:timing>
-</p:sld>
-</file>
-
-<file path=ppt/slides/slide3.xml><?xml version="1.0" encoding="utf-8"?>
-<p:sld xmlns:a="http://schemas.openxmlformats.org/drawingml/2006/main" xmlns:r="http://schemas.openxmlformats.org/officeDocument/2006/relationships" xmlns:p="http://schemas.openxmlformats.org/presentationml/2006/main">
-  <p:cSld>
-    <p:spTree>
-      <p:nvGrpSpPr>
-        <p:cNvPr id="1" name=""/>
-        <p:cNvGrpSpPr/>
-        <p:nvPr/>
-      </p:nvGrpSpPr>
-      <p:grpSpPr>
-        <a:xfrm>
-          <a:off x="0" y="0"/>
-          <a:ext cx="0" cy="0"/>
-          <a:chOff x="0" y="0"/>
-          <a:chExt cx="0" cy="0"/>
-        </a:xfrm>
-      </p:grpSpPr>
-      <p:sp>
-        <p:nvSpPr>
-          <p:cNvPr id="2" name="Title 1">
-            <a:extLst>
-              <a:ext uri="{FF2B5EF4-FFF2-40B4-BE49-F238E27FC236}">
-                <a16:creationId xmlns:a16="http://schemas.microsoft.com/office/drawing/2014/main" id="{1DD2E924-A52C-43BA-80BC-834EBAC80103}"/>
-              </a:ext>
-            </a:extLst>
-          </p:cNvPr>
-          <p:cNvSpPr>
-            <a:spLocks noGrp="1"/>
-          </p:cNvSpPr>
-          <p:nvPr>
-            <p:ph type="title"/>
-          </p:nvPr>
-        </p:nvSpPr>
-        <p:spPr/>
-        <p:txBody>
-          <a:bodyPr/>
-          <a:lstStyle/>
-          <a:p>
-            <a:r>
-              <a:rPr lang="en-US" dirty="0"/>
-              <a:t>Installing SSDT</a:t>
-            </a:r>
-          </a:p>
-        </p:txBody>
-      </p:sp>
-      <p:sp>
-        <p:nvSpPr>
-          <p:cNvPr id="3" name="Content Placeholder 2">
-            <a:extLst>
-              <a:ext uri="{FF2B5EF4-FFF2-40B4-BE49-F238E27FC236}">
-                <a16:creationId xmlns:a16="http://schemas.microsoft.com/office/drawing/2014/main" id="{DCDBC9DA-3CDE-491D-AF76-796AC732AEA2}"/>
-              </a:ext>
-            </a:extLst>
-          </p:cNvPr>
-          <p:cNvSpPr>
-            <a:spLocks noGrp="1"/>
-          </p:cNvSpPr>
-          <p:nvPr>
-            <p:ph idx="1"/>
-          </p:nvPr>
-        </p:nvSpPr>
-        <p:spPr/>
-        <p:txBody>
-          <a:bodyPr/>
-          <a:lstStyle/>
-          <a:p>
-            <a:r>
-              <a:rPr lang="en-US" dirty="0"/>
-              <a:t>Official</a:t>
-            </a:r>
-            <a:r>
-              <a:rPr lang="en-US" baseline="0" dirty="0"/>
-              <a:t> source</a:t>
-            </a:r>
-          </a:p>
-          <a:p>
-            <a:r>
-              <a:rPr lang="en-US" baseline="0" dirty="0"/>
-              <a:t>Don’t need VS installed – will install a VS shell</a:t>
-            </a:r>
-          </a:p>
-          <a:p>
-            <a:r>
-              <a:rPr lang="en-US" baseline="0" dirty="0"/>
-              <a:t>Only install components you need/use</a:t>
-            </a:r>
-          </a:p>
-          <a:p>
-            <a:pPr lvl="1"/>
-            <a:r>
-              <a:rPr lang="en-US" dirty="0"/>
-              <a:t>DB Projects installed by default</a:t>
-            </a:r>
-          </a:p>
-          <a:p>
-            <a:pPr lvl="1"/>
-            <a:r>
-              <a:rPr lang="en-US" baseline="0" dirty="0"/>
-              <a:t>DB Projects also included in full Visual Studio 2015/2017 installs</a:t>
-            </a:r>
-          </a:p>
-        </p:txBody>
-      </p:sp>
-    </p:spTree>
-    <p:extLst>
-      <p:ext uri="{BB962C8B-B14F-4D97-AF65-F5344CB8AC3E}">
-        <p14:creationId xmlns:p14="http://schemas.microsoft.com/office/powerpoint/2010/main" val="903825920"/>
-      </p:ext>
-    </p:extLst>
-  </p:cSld>
-  <p:clrMapOvr>
-    <a:masterClrMapping/>
-  </p:clrMapOvr>
-  <p:timing>
-    <p:tnLst>
-      <p:par>
-        <p:cTn id="1" dur="indefinite" restart="never" nodeType="tmRoot">
-          <p:childTnLst>
-            <p:seq concurrent="1" nextAc="seek">
-              <p:cTn id="2" dur="indefinite" nodeType="mainSeq">
-                <p:childTnLst>
-                  <p:par>
-                    <p:cTn id="3" fill="hold">
-                      <p:stCondLst>
-                        <p:cond delay="indefinite"/>
-                      </p:stCondLst>
-                      <p:childTnLst>
-                        <p:par>
-                          <p:cTn id="4" fill="hold">
-                            <p:stCondLst>
-                              <p:cond delay="0"/>
-                            </p:stCondLst>
-                            <p:childTnLst>
-                              <p:par>
-                                <p:cTn id="5" presetID="2" presetClass="entr" presetSubtype="4" fill="hold" nodeType="clickEffect">
-                                  <p:stCondLst>
-                                    <p:cond delay="0"/>
-                                  </p:stCondLst>
-                                  <p:childTnLst>
-                                    <p:set>
-                                      <p:cBhvr>
-                                        <p:cTn id="6" dur="1" fill="hold">
-                                          <p:stCondLst>
-                                            <p:cond delay="0"/>
-                                          </p:stCondLst>
-                                        </p:cTn>
-                                        <p:tgtEl>
-                                          <p:spTgt spid="3">
-                                            <p:txEl>
-                                              <p:pRg st="0" end="0"/>
-                                            </p:txEl>
-                                          </p:spTgt>
-                                        </p:tgtEl>
-                                        <p:attrNameLst>
-                                          <p:attrName>style.visibility</p:attrName>
-                                        </p:attrNameLst>
-                                      </p:cBhvr>
-                                      <p:to>
-                                        <p:strVal val="visible"/>
-                                      </p:to>
-                                    </p:set>
-                                    <p:anim calcmode="lin" valueType="num">
-                                      <p:cBhvr additive="base">
-                                        <p:cTn id="7" dur="500" fill="hold"/>
-                                        <p:tgtEl>
-                                          <p:spTgt spid="3">
-                                            <p:txEl>
-                                              <p:pRg st="0" end="0"/>
-                                            </p:txEl>
-                                          </p:spTgt>
-                                        </p:tgtEl>
-                                        <p:attrNameLst>
-                                          <p:attrName>ppt_x</p:attrName>
-                                        </p:attrNameLst>
-                                      </p:cBhvr>
-                                      <p:tavLst>
-                                        <p:tav tm="0">
-                                          <p:val>
-                                            <p:strVal val="#ppt_x"/>
-                                          </p:val>
-                                        </p:tav>
-                                        <p:tav tm="100000">
-                                          <p:val>
-                                            <p:strVal val="#ppt_x"/>
-                                          </p:val>
-                                        </p:tav>
-                                      </p:tavLst>
-                                    </p:anim>
-                                    <p:anim calcmode="lin" valueType="num">
-                                      <p:cBhvr additive="base">
-                                        <p:cTn id="8" dur="500" fill="hold"/>
-                                        <p:tgtEl>
-                                          <p:spTgt spid="3">
-                                            <p:txEl>
-                                              <p:pRg st="0" end="0"/>
-                                            </p:txEl>
-                                          </p:spTgt>
-                                        </p:tgtEl>
-                                        <p:attrNameLst>
-                                          <p:attrName>ppt_y</p:attrName>
-                                        </p:attrNameLst>
-                                      </p:cBhvr>
-                                      <p:tavLst>
-                                        <p:tav tm="0">
-                                          <p:val>
-                                            <p:strVal val="1+#ppt_h/2"/>
-                                          </p:val>
-                                        </p:tav>
-                                        <p:tav tm="100000">
-                                          <p:val>
-                                            <p:strVal val="#ppt_y"/>
-                                          </p:val>
-                                        </p:tav>
-                                      </p:tavLst>
-                                    </p:anim>
-                                  </p:childTnLst>
-                                </p:cTn>
-                              </p:par>
-                            </p:childTnLst>
-                          </p:cTn>
-                        </p:par>
-                      </p:childTnLst>
-                    </p:cTn>
-                  </p:par>
-                  <p:par>
-                    <p:cTn id="9" fill="hold">
-                      <p:stCondLst>
-                        <p:cond delay="indefinite"/>
-                      </p:stCondLst>
-                      <p:childTnLst>
-                        <p:par>
-                          <p:cTn id="10" fill="hold">
-                            <p:stCondLst>
-                              <p:cond delay="0"/>
-                            </p:stCondLst>
-                            <p:childTnLst>
-                              <p:par>
-                                <p:cTn id="11" presetID="2" presetClass="entr" presetSubtype="4" fill="hold" nodeType="clickEffect">
-                                  <p:stCondLst>
-                                    <p:cond delay="0"/>
-                                  </p:stCondLst>
-                                  <p:childTnLst>
-                                    <p:set>
-                                      <p:cBhvr>
-                                        <p:cTn id="12" dur="1" fill="hold">
-                                          <p:stCondLst>
-                                            <p:cond delay="0"/>
-                                          </p:stCondLst>
-                                        </p:cTn>
-                                        <p:tgtEl>
-                                          <p:spTgt spid="3">
-                                            <p:txEl>
-                                              <p:pRg st="1" end="1"/>
-                                            </p:txEl>
-                                          </p:spTgt>
-                                        </p:tgtEl>
-                                        <p:attrNameLst>
-                                          <p:attrName>style.visibility</p:attrName>
-                                        </p:attrNameLst>
-                                      </p:cBhvr>
-                                      <p:to>
-                                        <p:strVal val="visible"/>
-                                      </p:to>
-                                    </p:set>
-                                    <p:anim calcmode="lin" valueType="num">
-                                      <p:cBhvr additive="base">
-                                        <p:cTn id="13" dur="500" fill="hold"/>
-                                        <p:tgtEl>
-                                          <p:spTgt spid="3">
-                                            <p:txEl>
-                                              <p:pRg st="1" end="1"/>
-                                            </p:txEl>
-                                          </p:spTgt>
-                                        </p:tgtEl>
-                                        <p:attrNameLst>
-                                          <p:attrName>ppt_x</p:attrName>
-                                        </p:attrNameLst>
-                                      </p:cBhvr>
-                                      <p:tavLst>
-                                        <p:tav tm="0">
-                                          <p:val>
-                                            <p:strVal val="#ppt_x"/>
-                                          </p:val>
-                                        </p:tav>
-                                        <p:tav tm="100000">
-                                          <p:val>
-                                            <p:strVal val="#ppt_x"/>
-                                          </p:val>
-                                        </p:tav>
-                                      </p:tavLst>
-                                    </p:anim>
-                                    <p:anim calcmode="lin" valueType="num">
-                                      <p:cBhvr additive="base">
-                                        <p:cTn id="14" dur="500" fill="hold"/>
-                                        <p:tgtEl>
-                                          <p:spTgt spid="3">
-                                            <p:txEl>
-                                              <p:pRg st="1" end="1"/>
-                                            </p:txEl>
-                                          </p:spTgt>
-                                        </p:tgtEl>
-                                        <p:attrNameLst>
-                                          <p:attrName>ppt_y</p:attrName>
-                                        </p:attrNameLst>
-                                      </p:cBhvr>
-                                      <p:tavLst>
-                                        <p:tav tm="0">
-                                          <p:val>
-                                            <p:strVal val="1+#ppt_h/2"/>
-                                          </p:val>
-                                        </p:tav>
-                                        <p:tav tm="100000">
-                                          <p:val>
-                                            <p:strVal val="#ppt_y"/>
-                                          </p:val>
-                                        </p:tav>
-                                      </p:tavLst>
-                                    </p:anim>
-                                  </p:childTnLst>
-                                </p:cTn>
-                              </p:par>
-                            </p:childTnLst>
-                          </p:cTn>
-                        </p:par>
-                      </p:childTnLst>
-                    </p:cTn>
-                  </p:par>
-                  <p:par>
-                    <p:cTn id="15" fill="hold">
-                      <p:stCondLst>
-                        <p:cond delay="indefinite"/>
-                      </p:stCondLst>
-                      <p:childTnLst>
-                        <p:par>
-                          <p:cTn id="16" fill="hold">
-                            <p:stCondLst>
-                              <p:cond delay="0"/>
-                            </p:stCondLst>
-                            <p:childTnLst>
-                              <p:par>
-                                <p:cTn id="17" presetID="2" presetClass="entr" presetSubtype="4" fill="hold" nodeType="clickEffect">
-                                  <p:stCondLst>
-                                    <p:cond delay="0"/>
-                                  </p:stCondLst>
-                                  <p:childTnLst>
-                                    <p:set>
-                                      <p:cBhvr>
-                                        <p:cTn id="18" dur="1" fill="hold">
-                                          <p:stCondLst>
-                                            <p:cond delay="0"/>
-                                          </p:stCondLst>
-                                        </p:cTn>
-                                        <p:tgtEl>
-                                          <p:spTgt spid="3">
-                                            <p:txEl>
-                                              <p:pRg st="2" end="2"/>
-                                            </p:txEl>
-                                          </p:spTgt>
-                                        </p:tgtEl>
-                                        <p:attrNameLst>
-                                          <p:attrName>style.visibility</p:attrName>
-                                        </p:attrNameLst>
-                                      </p:cBhvr>
-                                      <p:to>
-                                        <p:strVal val="visible"/>
-                                      </p:to>
-                                    </p:set>
-                                    <p:anim calcmode="lin" valueType="num">
-                                      <p:cBhvr additive="base">
-                                        <p:cTn id="19" dur="500" fill="hold"/>
-                                        <p:tgtEl>
-                                          <p:spTgt spid="3">
-                                            <p:txEl>
-                                              <p:pRg st="2" end="2"/>
-                                            </p:txEl>
-                                          </p:spTgt>
-                                        </p:tgtEl>
-                                        <p:attrNameLst>
-                                          <p:attrName>ppt_x</p:attrName>
-                                        </p:attrNameLst>
-                                      </p:cBhvr>
-                                      <p:tavLst>
-                                        <p:tav tm="0">
-                                          <p:val>
-                                            <p:strVal val="#ppt_x"/>
-                                          </p:val>
-                                        </p:tav>
-                                        <p:tav tm="100000">
-                                          <p:val>
-                                            <p:strVal val="#ppt_x"/>
-                                          </p:val>
-                                        </p:tav>
-                                      </p:tavLst>
-                                    </p:anim>
-                                    <p:anim calcmode="lin" valueType="num">
-                                      <p:cBhvr additive="base">
-                                        <p:cTn id="20" dur="500" fill="hold"/>
-                                        <p:tgtEl>
-                                          <p:spTgt spid="3">
-                                            <p:txEl>
-                                              <p:pRg st="2" end="2"/>
-                                            </p:txEl>
-                                          </p:spTgt>
-                                        </p:tgtEl>
-                                        <p:attrNameLst>
-                                          <p:attrName>ppt_y</p:attrName>
-                                        </p:attrNameLst>
-                                      </p:cBhvr>
-                                      <p:tavLst>
-                                        <p:tav tm="0">
-                                          <p:val>
-                                            <p:strVal val="1+#ppt_h/2"/>
-                                          </p:val>
-                                        </p:tav>
-                                        <p:tav tm="100000">
-                                          <p:val>
-                                            <p:strVal val="#ppt_y"/>
-                                          </p:val>
-                                        </p:tav>
-                                      </p:tavLst>
-                                    </p:anim>
-                                  </p:childTnLst>
-                                </p:cTn>
-                              </p:par>
-                            </p:childTnLst>
-                          </p:cTn>
-                        </p:par>
-                      </p:childTnLst>
-                    </p:cTn>
-                  </p:par>
-                  <p:par>
-                    <p:cTn id="21" fill="hold">
-                      <p:stCondLst>
-                        <p:cond delay="indefinite"/>
-                      </p:stCondLst>
-                      <p:childTnLst>
-                        <p:par>
-                          <p:cTn id="22" fill="hold">
-                            <p:stCondLst>
-                              <p:cond delay="0"/>
-                            </p:stCondLst>
-                            <p:childTnLst>
-                              <p:par>
-                                <p:cTn id="23" presetID="2" presetClass="entr" presetSubtype="4" fill="hold" nodeType="clickEffect">
-                                  <p:stCondLst>
-                                    <p:cond delay="0"/>
-                                  </p:stCondLst>
-                                  <p:childTnLst>
-                                    <p:set>
-                                      <p:cBhvr>
-                                        <p:cTn id="24" dur="1" fill="hold">
-                                          <p:stCondLst>
-                                            <p:cond delay="0"/>
-                                          </p:stCondLst>
-                                        </p:cTn>
-                                        <p:tgtEl>
-                                          <p:spTgt spid="3">
-                                            <p:txEl>
-                                              <p:pRg st="3" end="3"/>
-                                            </p:txEl>
-                                          </p:spTgt>
-                                        </p:tgtEl>
-                                        <p:attrNameLst>
-                                          <p:attrName>style.visibility</p:attrName>
-                                        </p:attrNameLst>
-                                      </p:cBhvr>
-                                      <p:to>
-                                        <p:strVal val="visible"/>
-                                      </p:to>
-                                    </p:set>
-                                    <p:anim calcmode="lin" valueType="num">
-                                      <p:cBhvr additive="base">
-                                        <p:cTn id="25" dur="500" fill="hold"/>
-                                        <p:tgtEl>
-                                          <p:spTgt spid="3">
-                                            <p:txEl>
-                                              <p:pRg st="3" end="3"/>
-                                            </p:txEl>
-                                          </p:spTgt>
-                                        </p:tgtEl>
-                                        <p:attrNameLst>
-                                          <p:attrName>ppt_x</p:attrName>
-                                        </p:attrNameLst>
-                                      </p:cBhvr>
-                                      <p:tavLst>
-                                        <p:tav tm="0">
-                                          <p:val>
-                                            <p:strVal val="#ppt_x"/>
-                                          </p:val>
-                                        </p:tav>
-                                        <p:tav tm="100000">
-                                          <p:val>
-                                            <p:strVal val="#ppt_x"/>
-                                          </p:val>
-                                        </p:tav>
-                                      </p:tavLst>
-                                    </p:anim>
-                                    <p:anim calcmode="lin" valueType="num">
-                                      <p:cBhvr additive="base">
-                                        <p:cTn id="26" dur="500" fill="hold"/>
-                                        <p:tgtEl>
-                                          <p:spTgt spid="3">
-                                            <p:txEl>
-                                              <p:pRg st="3" end="3"/>
-                                            </p:txEl>
-                                          </p:spTgt>
-                                        </p:tgtEl>
-                                        <p:attrNameLst>
-                                          <p:attrName>ppt_y</p:attrName>
-                                        </p:attrNameLst>
-                                      </p:cBhvr>
-                                      <p:tavLst>
-                                        <p:tav tm="0">
-                                          <p:val>
-                                            <p:strVal val="1+#ppt_h/2"/>
-                                          </p:val>
-                                        </p:tav>
-                                        <p:tav tm="100000">
-                                          <p:val>
-                                            <p:strVal val="#ppt_y"/>
-                                          </p:val>
-                                        </p:tav>
-                                      </p:tavLst>
-                                    </p:anim>
-                                  </p:childTnLst>
-                                </p:cTn>
-                              </p:par>
-                            </p:childTnLst>
-                          </p:cTn>
-                        </p:par>
-                      </p:childTnLst>
-                    </p:cTn>
-                  </p:par>
-                  <p:par>
-                    <p:cTn id="27" fill="hold">
-                      <p:stCondLst>
-                        <p:cond delay="indefinite"/>
-                      </p:stCondLst>
-                      <p:childTnLst>
-                        <p:par>
-                          <p:cTn id="28" fill="hold">
-                            <p:stCondLst>
-                              <p:cond delay="0"/>
-                            </p:stCondLst>
-                            <p:childTnLst>
-                              <p:par>
-                                <p:cTn id="29" presetID="2" presetClass="entr" presetSubtype="4" fill="hold" nodeType="clickEffect">
-                                  <p:stCondLst>
-                                    <p:cond delay="0"/>
-                                  </p:stCondLst>
-                                  <p:childTnLst>
-                                    <p:set>
-                                      <p:cBhvr>
-                                        <p:cTn id="30" dur="1" fill="hold">
-                                          <p:stCondLst>
-                                            <p:cond delay="0"/>
-                                          </p:stCondLst>
-                                        </p:cTn>
-                                        <p:tgtEl>
-                                          <p:spTgt spid="3">
-                                            <p:txEl>
-                                              <p:pRg st="4" end="4"/>
-                                            </p:txEl>
-                                          </p:spTgt>
-                                        </p:tgtEl>
-                                        <p:attrNameLst>
-                                          <p:attrName>style.visibility</p:attrName>
-                                        </p:attrNameLst>
-                                      </p:cBhvr>
-                                      <p:to>
-                                        <p:strVal val="visible"/>
-                                      </p:to>
-                                    </p:set>
-                                    <p:anim calcmode="lin" valueType="num">
-                                      <p:cBhvr additive="base">
-                                        <p:cTn id="31" dur="500" fill="hold"/>
-                                        <p:tgtEl>
-                                          <p:spTgt spid="3">
-                                            <p:txEl>
-                                              <p:pRg st="4" end="4"/>
-                                            </p:txEl>
-                                          </p:spTgt>
-                                        </p:tgtEl>
-                                        <p:attrNameLst>
-                                          <p:attrName>ppt_x</p:attrName>
-                                        </p:attrNameLst>
-                                      </p:cBhvr>
-                                      <p:tavLst>
-                                        <p:tav tm="0">
-                                          <p:val>
-                                            <p:strVal val="#ppt_x"/>
-                                          </p:val>
-                                        </p:tav>
-                                        <p:tav tm="100000">
-                                          <p:val>
-                                            <p:strVal val="#ppt_x"/>
-                                          </p:val>
-                                        </p:tav>
-                                      </p:tavLst>
-                                    </p:anim>
-                                    <p:anim calcmode="lin" valueType="num">
-                                      <p:cBhvr additive="base">
-                                        <p:cTn id="32" dur="500" fill="hold"/>
-                                        <p:tgtEl>
-                                          <p:spTgt spid="3">
-                                            <p:txEl>
-                                              <p:pRg st="4" end="4"/>
                                             </p:txEl>
                                           </p:spTgt>
                                         </p:tgtEl>
@@ -5612,6 +7859,908 @@
           <p:cNvPr id="2" name="Title 1">
             <a:extLst>
               <a:ext uri="{FF2B5EF4-FFF2-40B4-BE49-F238E27FC236}">
+                <a16:creationId xmlns:a16="http://schemas.microsoft.com/office/drawing/2014/main" id="{1DD2E924-A52C-43BA-80BC-834EBAC80103}"/>
+              </a:ext>
+            </a:extLst>
+          </p:cNvPr>
+          <p:cNvSpPr>
+            <a:spLocks noGrp="1"/>
+          </p:cNvSpPr>
+          <p:nvPr>
+            <p:ph type="title"/>
+          </p:nvPr>
+        </p:nvSpPr>
+        <p:spPr/>
+        <p:txBody>
+          <a:bodyPr/>
+          <a:lstStyle/>
+          <a:p>
+            <a:r>
+              <a:rPr lang="en-US" dirty="0"/>
+              <a:t>Installing SSDT</a:t>
+            </a:r>
+          </a:p>
+        </p:txBody>
+      </p:sp>
+      <p:sp>
+        <p:nvSpPr>
+          <p:cNvPr id="3" name="Content Placeholder 2">
+            <a:extLst>
+              <a:ext uri="{FF2B5EF4-FFF2-40B4-BE49-F238E27FC236}">
+                <a16:creationId xmlns:a16="http://schemas.microsoft.com/office/drawing/2014/main" id="{DCDBC9DA-3CDE-491D-AF76-796AC732AEA2}"/>
+              </a:ext>
+            </a:extLst>
+          </p:cNvPr>
+          <p:cNvSpPr>
+            <a:spLocks noGrp="1"/>
+          </p:cNvSpPr>
+          <p:nvPr>
+            <p:ph idx="1"/>
+          </p:nvPr>
+        </p:nvSpPr>
+        <p:spPr/>
+        <p:txBody>
+          <a:bodyPr>
+            <a:normAutofit lnSpcReduction="10000"/>
+          </a:bodyPr>
+          <a:lstStyle/>
+          <a:p>
+            <a:r>
+              <a:rPr lang="en-US" dirty="0"/>
+              <a:t>Official</a:t>
+            </a:r>
+            <a:r>
+              <a:rPr lang="en-US" baseline="0" dirty="0"/>
+              <a:t> source – Microsoft SSDT</a:t>
+            </a:r>
+            <a:r>
+              <a:rPr lang="en-US" dirty="0"/>
+              <a:t> or VS</a:t>
+            </a:r>
+            <a:endParaRPr lang="en-US" baseline="0" dirty="0"/>
+          </a:p>
+          <a:p>
+            <a:r>
+              <a:rPr lang="en-US" dirty="0"/>
+              <a:t>Use “Chocolatey”</a:t>
+            </a:r>
+            <a:endParaRPr lang="en-US" baseline="0" dirty="0"/>
+          </a:p>
+          <a:p>
+            <a:r>
+              <a:rPr lang="en-US" baseline="0" dirty="0"/>
+              <a:t>Don’t need VS installed – will install a VS shell or Community Edition</a:t>
+            </a:r>
+          </a:p>
+          <a:p>
+            <a:r>
+              <a:rPr lang="en-US" baseline="0" dirty="0"/>
+              <a:t>Only install components/extensions you need/use</a:t>
+            </a:r>
+          </a:p>
+          <a:p>
+            <a:pPr lvl="1"/>
+            <a:r>
+              <a:rPr lang="en-US" dirty="0"/>
+              <a:t>DB Projects installed by default</a:t>
+            </a:r>
+          </a:p>
+          <a:p>
+            <a:pPr lvl="1"/>
+            <a:r>
+              <a:rPr lang="en-US" baseline="0" dirty="0"/>
+              <a:t>DB Projects also included in full Visual Studio 2015+ installs</a:t>
+            </a:r>
+          </a:p>
+        </p:txBody>
+      </p:sp>
+    </p:spTree>
+    <p:extLst>
+      <p:ext uri="{BB962C8B-B14F-4D97-AF65-F5344CB8AC3E}">
+        <p14:creationId xmlns:p14="http://schemas.microsoft.com/office/powerpoint/2010/main" val="903825920"/>
+      </p:ext>
+    </p:extLst>
+  </p:cSld>
+  <p:clrMapOvr>
+    <a:masterClrMapping/>
+  </p:clrMapOvr>
+  <p:timing>
+    <p:tnLst>
+      <p:par>
+        <p:cTn id="1" dur="indefinite" restart="never" nodeType="tmRoot">
+          <p:childTnLst>
+            <p:seq concurrent="1" nextAc="seek">
+              <p:cTn id="2" dur="indefinite" nodeType="mainSeq">
+                <p:childTnLst>
+                  <p:par>
+                    <p:cTn id="3" fill="hold">
+                      <p:stCondLst>
+                        <p:cond delay="indefinite"/>
+                      </p:stCondLst>
+                      <p:childTnLst>
+                        <p:par>
+                          <p:cTn id="4" fill="hold">
+                            <p:stCondLst>
+                              <p:cond delay="0"/>
+                            </p:stCondLst>
+                            <p:childTnLst>
+                              <p:par>
+                                <p:cTn id="5" presetID="2" presetClass="entr" presetSubtype="4" fill="hold" nodeType="clickEffect">
+                                  <p:stCondLst>
+                                    <p:cond delay="0"/>
+                                  </p:stCondLst>
+                                  <p:childTnLst>
+                                    <p:set>
+                                      <p:cBhvr>
+                                        <p:cTn id="6" dur="1" fill="hold">
+                                          <p:stCondLst>
+                                            <p:cond delay="0"/>
+                                          </p:stCondLst>
+                                        </p:cTn>
+                                        <p:tgtEl>
+                                          <p:spTgt spid="3">
+                                            <p:txEl>
+                                              <p:pRg st="0" end="0"/>
+                                            </p:txEl>
+                                          </p:spTgt>
+                                        </p:tgtEl>
+                                        <p:attrNameLst>
+                                          <p:attrName>style.visibility</p:attrName>
+                                        </p:attrNameLst>
+                                      </p:cBhvr>
+                                      <p:to>
+                                        <p:strVal val="visible"/>
+                                      </p:to>
+                                    </p:set>
+                                    <p:anim calcmode="lin" valueType="num">
+                                      <p:cBhvr additive="base">
+                                        <p:cTn id="7" dur="500" fill="hold"/>
+                                        <p:tgtEl>
+                                          <p:spTgt spid="3">
+                                            <p:txEl>
+                                              <p:pRg st="0" end="0"/>
+                                            </p:txEl>
+                                          </p:spTgt>
+                                        </p:tgtEl>
+                                        <p:attrNameLst>
+                                          <p:attrName>ppt_x</p:attrName>
+                                        </p:attrNameLst>
+                                      </p:cBhvr>
+                                      <p:tavLst>
+                                        <p:tav tm="0">
+                                          <p:val>
+                                            <p:strVal val="#ppt_x"/>
+                                          </p:val>
+                                        </p:tav>
+                                        <p:tav tm="100000">
+                                          <p:val>
+                                            <p:strVal val="#ppt_x"/>
+                                          </p:val>
+                                        </p:tav>
+                                      </p:tavLst>
+                                    </p:anim>
+                                    <p:anim calcmode="lin" valueType="num">
+                                      <p:cBhvr additive="base">
+                                        <p:cTn id="8" dur="500" fill="hold"/>
+                                        <p:tgtEl>
+                                          <p:spTgt spid="3">
+                                            <p:txEl>
+                                              <p:pRg st="0" end="0"/>
+                                            </p:txEl>
+                                          </p:spTgt>
+                                        </p:tgtEl>
+                                        <p:attrNameLst>
+                                          <p:attrName>ppt_y</p:attrName>
+                                        </p:attrNameLst>
+                                      </p:cBhvr>
+                                      <p:tavLst>
+                                        <p:tav tm="0">
+                                          <p:val>
+                                            <p:strVal val="1+#ppt_h/2"/>
+                                          </p:val>
+                                        </p:tav>
+                                        <p:tav tm="100000">
+                                          <p:val>
+                                            <p:strVal val="#ppt_y"/>
+                                          </p:val>
+                                        </p:tav>
+                                      </p:tavLst>
+                                    </p:anim>
+                                  </p:childTnLst>
+                                </p:cTn>
+                              </p:par>
+                            </p:childTnLst>
+                          </p:cTn>
+                        </p:par>
+                      </p:childTnLst>
+                    </p:cTn>
+                  </p:par>
+                  <p:par>
+                    <p:cTn id="9" fill="hold">
+                      <p:stCondLst>
+                        <p:cond delay="indefinite"/>
+                      </p:stCondLst>
+                      <p:childTnLst>
+                        <p:par>
+                          <p:cTn id="10" fill="hold">
+                            <p:stCondLst>
+                              <p:cond delay="0"/>
+                            </p:stCondLst>
+                            <p:childTnLst>
+                              <p:par>
+                                <p:cTn id="11" presetID="2" presetClass="entr" presetSubtype="4" fill="hold" nodeType="clickEffect">
+                                  <p:stCondLst>
+                                    <p:cond delay="0"/>
+                                  </p:stCondLst>
+                                  <p:childTnLst>
+                                    <p:set>
+                                      <p:cBhvr>
+                                        <p:cTn id="12" dur="1" fill="hold">
+                                          <p:stCondLst>
+                                            <p:cond delay="0"/>
+                                          </p:stCondLst>
+                                        </p:cTn>
+                                        <p:tgtEl>
+                                          <p:spTgt spid="3">
+                                            <p:txEl>
+                                              <p:pRg st="1" end="1"/>
+                                            </p:txEl>
+                                          </p:spTgt>
+                                        </p:tgtEl>
+                                        <p:attrNameLst>
+                                          <p:attrName>style.visibility</p:attrName>
+                                        </p:attrNameLst>
+                                      </p:cBhvr>
+                                      <p:to>
+                                        <p:strVal val="visible"/>
+                                      </p:to>
+                                    </p:set>
+                                    <p:anim calcmode="lin" valueType="num">
+                                      <p:cBhvr additive="base">
+                                        <p:cTn id="13" dur="500" fill="hold"/>
+                                        <p:tgtEl>
+                                          <p:spTgt spid="3">
+                                            <p:txEl>
+                                              <p:pRg st="1" end="1"/>
+                                            </p:txEl>
+                                          </p:spTgt>
+                                        </p:tgtEl>
+                                        <p:attrNameLst>
+                                          <p:attrName>ppt_x</p:attrName>
+                                        </p:attrNameLst>
+                                      </p:cBhvr>
+                                      <p:tavLst>
+                                        <p:tav tm="0">
+                                          <p:val>
+                                            <p:strVal val="#ppt_x"/>
+                                          </p:val>
+                                        </p:tav>
+                                        <p:tav tm="100000">
+                                          <p:val>
+                                            <p:strVal val="#ppt_x"/>
+                                          </p:val>
+                                        </p:tav>
+                                      </p:tavLst>
+                                    </p:anim>
+                                    <p:anim calcmode="lin" valueType="num">
+                                      <p:cBhvr additive="base">
+                                        <p:cTn id="14" dur="500" fill="hold"/>
+                                        <p:tgtEl>
+                                          <p:spTgt spid="3">
+                                            <p:txEl>
+                                              <p:pRg st="1" end="1"/>
+                                            </p:txEl>
+                                          </p:spTgt>
+                                        </p:tgtEl>
+                                        <p:attrNameLst>
+                                          <p:attrName>ppt_y</p:attrName>
+                                        </p:attrNameLst>
+                                      </p:cBhvr>
+                                      <p:tavLst>
+                                        <p:tav tm="0">
+                                          <p:val>
+                                            <p:strVal val="1+#ppt_h/2"/>
+                                          </p:val>
+                                        </p:tav>
+                                        <p:tav tm="100000">
+                                          <p:val>
+                                            <p:strVal val="#ppt_y"/>
+                                          </p:val>
+                                        </p:tav>
+                                      </p:tavLst>
+                                    </p:anim>
+                                  </p:childTnLst>
+                                </p:cTn>
+                              </p:par>
+                            </p:childTnLst>
+                          </p:cTn>
+                        </p:par>
+                      </p:childTnLst>
+                    </p:cTn>
+                  </p:par>
+                  <p:par>
+                    <p:cTn id="15" fill="hold">
+                      <p:stCondLst>
+                        <p:cond delay="indefinite"/>
+                      </p:stCondLst>
+                      <p:childTnLst>
+                        <p:par>
+                          <p:cTn id="16" fill="hold">
+                            <p:stCondLst>
+                              <p:cond delay="0"/>
+                            </p:stCondLst>
+                            <p:childTnLst>
+                              <p:par>
+                                <p:cTn id="17" presetID="2" presetClass="entr" presetSubtype="4" fill="hold" nodeType="clickEffect">
+                                  <p:stCondLst>
+                                    <p:cond delay="0"/>
+                                  </p:stCondLst>
+                                  <p:childTnLst>
+                                    <p:set>
+                                      <p:cBhvr>
+                                        <p:cTn id="18" dur="1" fill="hold">
+                                          <p:stCondLst>
+                                            <p:cond delay="0"/>
+                                          </p:stCondLst>
+                                        </p:cTn>
+                                        <p:tgtEl>
+                                          <p:spTgt spid="3">
+                                            <p:txEl>
+                                              <p:pRg st="2" end="2"/>
+                                            </p:txEl>
+                                          </p:spTgt>
+                                        </p:tgtEl>
+                                        <p:attrNameLst>
+                                          <p:attrName>style.visibility</p:attrName>
+                                        </p:attrNameLst>
+                                      </p:cBhvr>
+                                      <p:to>
+                                        <p:strVal val="visible"/>
+                                      </p:to>
+                                    </p:set>
+                                    <p:anim calcmode="lin" valueType="num">
+                                      <p:cBhvr additive="base">
+                                        <p:cTn id="19" dur="500" fill="hold"/>
+                                        <p:tgtEl>
+                                          <p:spTgt spid="3">
+                                            <p:txEl>
+                                              <p:pRg st="2" end="2"/>
+                                            </p:txEl>
+                                          </p:spTgt>
+                                        </p:tgtEl>
+                                        <p:attrNameLst>
+                                          <p:attrName>ppt_x</p:attrName>
+                                        </p:attrNameLst>
+                                      </p:cBhvr>
+                                      <p:tavLst>
+                                        <p:tav tm="0">
+                                          <p:val>
+                                            <p:strVal val="#ppt_x"/>
+                                          </p:val>
+                                        </p:tav>
+                                        <p:tav tm="100000">
+                                          <p:val>
+                                            <p:strVal val="#ppt_x"/>
+                                          </p:val>
+                                        </p:tav>
+                                      </p:tavLst>
+                                    </p:anim>
+                                    <p:anim calcmode="lin" valueType="num">
+                                      <p:cBhvr additive="base">
+                                        <p:cTn id="20" dur="500" fill="hold"/>
+                                        <p:tgtEl>
+                                          <p:spTgt spid="3">
+                                            <p:txEl>
+                                              <p:pRg st="2" end="2"/>
+                                            </p:txEl>
+                                          </p:spTgt>
+                                        </p:tgtEl>
+                                        <p:attrNameLst>
+                                          <p:attrName>ppt_y</p:attrName>
+                                        </p:attrNameLst>
+                                      </p:cBhvr>
+                                      <p:tavLst>
+                                        <p:tav tm="0">
+                                          <p:val>
+                                            <p:strVal val="1+#ppt_h/2"/>
+                                          </p:val>
+                                        </p:tav>
+                                        <p:tav tm="100000">
+                                          <p:val>
+                                            <p:strVal val="#ppt_y"/>
+                                          </p:val>
+                                        </p:tav>
+                                      </p:tavLst>
+                                    </p:anim>
+                                  </p:childTnLst>
+                                </p:cTn>
+                              </p:par>
+                            </p:childTnLst>
+                          </p:cTn>
+                        </p:par>
+                      </p:childTnLst>
+                    </p:cTn>
+                  </p:par>
+                  <p:par>
+                    <p:cTn id="21" fill="hold">
+                      <p:stCondLst>
+                        <p:cond delay="indefinite"/>
+                      </p:stCondLst>
+                      <p:childTnLst>
+                        <p:par>
+                          <p:cTn id="22" fill="hold">
+                            <p:stCondLst>
+                              <p:cond delay="0"/>
+                            </p:stCondLst>
+                            <p:childTnLst>
+                              <p:par>
+                                <p:cTn id="23" presetID="2" presetClass="entr" presetSubtype="4" fill="hold" nodeType="clickEffect">
+                                  <p:stCondLst>
+                                    <p:cond delay="0"/>
+                                  </p:stCondLst>
+                                  <p:childTnLst>
+                                    <p:set>
+                                      <p:cBhvr>
+                                        <p:cTn id="24" dur="1" fill="hold">
+                                          <p:stCondLst>
+                                            <p:cond delay="0"/>
+                                          </p:stCondLst>
+                                        </p:cTn>
+                                        <p:tgtEl>
+                                          <p:spTgt spid="3">
+                                            <p:txEl>
+                                              <p:pRg st="3" end="3"/>
+                                            </p:txEl>
+                                          </p:spTgt>
+                                        </p:tgtEl>
+                                        <p:attrNameLst>
+                                          <p:attrName>style.visibility</p:attrName>
+                                        </p:attrNameLst>
+                                      </p:cBhvr>
+                                      <p:to>
+                                        <p:strVal val="visible"/>
+                                      </p:to>
+                                    </p:set>
+                                    <p:anim calcmode="lin" valueType="num">
+                                      <p:cBhvr additive="base">
+                                        <p:cTn id="25" dur="500" fill="hold"/>
+                                        <p:tgtEl>
+                                          <p:spTgt spid="3">
+                                            <p:txEl>
+                                              <p:pRg st="3" end="3"/>
+                                            </p:txEl>
+                                          </p:spTgt>
+                                        </p:tgtEl>
+                                        <p:attrNameLst>
+                                          <p:attrName>ppt_x</p:attrName>
+                                        </p:attrNameLst>
+                                      </p:cBhvr>
+                                      <p:tavLst>
+                                        <p:tav tm="0">
+                                          <p:val>
+                                            <p:strVal val="#ppt_x"/>
+                                          </p:val>
+                                        </p:tav>
+                                        <p:tav tm="100000">
+                                          <p:val>
+                                            <p:strVal val="#ppt_x"/>
+                                          </p:val>
+                                        </p:tav>
+                                      </p:tavLst>
+                                    </p:anim>
+                                    <p:anim calcmode="lin" valueType="num">
+                                      <p:cBhvr additive="base">
+                                        <p:cTn id="26" dur="500" fill="hold"/>
+                                        <p:tgtEl>
+                                          <p:spTgt spid="3">
+                                            <p:txEl>
+                                              <p:pRg st="3" end="3"/>
+                                            </p:txEl>
+                                          </p:spTgt>
+                                        </p:tgtEl>
+                                        <p:attrNameLst>
+                                          <p:attrName>ppt_y</p:attrName>
+                                        </p:attrNameLst>
+                                      </p:cBhvr>
+                                      <p:tavLst>
+                                        <p:tav tm="0">
+                                          <p:val>
+                                            <p:strVal val="1+#ppt_h/2"/>
+                                          </p:val>
+                                        </p:tav>
+                                        <p:tav tm="100000">
+                                          <p:val>
+                                            <p:strVal val="#ppt_y"/>
+                                          </p:val>
+                                        </p:tav>
+                                      </p:tavLst>
+                                    </p:anim>
+                                  </p:childTnLst>
+                                </p:cTn>
+                              </p:par>
+                            </p:childTnLst>
+                          </p:cTn>
+                        </p:par>
+                      </p:childTnLst>
+                    </p:cTn>
+                  </p:par>
+                  <p:par>
+                    <p:cTn id="27" fill="hold">
+                      <p:stCondLst>
+                        <p:cond delay="indefinite"/>
+                      </p:stCondLst>
+                      <p:childTnLst>
+                        <p:par>
+                          <p:cTn id="28" fill="hold">
+                            <p:stCondLst>
+                              <p:cond delay="0"/>
+                            </p:stCondLst>
+                            <p:childTnLst>
+                              <p:par>
+                                <p:cTn id="29" presetID="2" presetClass="entr" presetSubtype="4" fill="hold" nodeType="clickEffect">
+                                  <p:stCondLst>
+                                    <p:cond delay="0"/>
+                                  </p:stCondLst>
+                                  <p:childTnLst>
+                                    <p:set>
+                                      <p:cBhvr>
+                                        <p:cTn id="30" dur="1" fill="hold">
+                                          <p:stCondLst>
+                                            <p:cond delay="0"/>
+                                          </p:stCondLst>
+                                        </p:cTn>
+                                        <p:tgtEl>
+                                          <p:spTgt spid="3">
+                                            <p:txEl>
+                                              <p:pRg st="4" end="4"/>
+                                            </p:txEl>
+                                          </p:spTgt>
+                                        </p:tgtEl>
+                                        <p:attrNameLst>
+                                          <p:attrName>style.visibility</p:attrName>
+                                        </p:attrNameLst>
+                                      </p:cBhvr>
+                                      <p:to>
+                                        <p:strVal val="visible"/>
+                                      </p:to>
+                                    </p:set>
+                                    <p:anim calcmode="lin" valueType="num">
+                                      <p:cBhvr additive="base">
+                                        <p:cTn id="31" dur="500" fill="hold"/>
+                                        <p:tgtEl>
+                                          <p:spTgt spid="3">
+                                            <p:txEl>
+                                              <p:pRg st="4" end="4"/>
+                                            </p:txEl>
+                                          </p:spTgt>
+                                        </p:tgtEl>
+                                        <p:attrNameLst>
+                                          <p:attrName>ppt_x</p:attrName>
+                                        </p:attrNameLst>
+                                      </p:cBhvr>
+                                      <p:tavLst>
+                                        <p:tav tm="0">
+                                          <p:val>
+                                            <p:strVal val="#ppt_x"/>
+                                          </p:val>
+                                        </p:tav>
+                                        <p:tav tm="100000">
+                                          <p:val>
+                                            <p:strVal val="#ppt_x"/>
+                                          </p:val>
+                                        </p:tav>
+                                      </p:tavLst>
+                                    </p:anim>
+                                    <p:anim calcmode="lin" valueType="num">
+                                      <p:cBhvr additive="base">
+                                        <p:cTn id="32" dur="500" fill="hold"/>
+                                        <p:tgtEl>
+                                          <p:spTgt spid="3">
+                                            <p:txEl>
+                                              <p:pRg st="4" end="4"/>
+                                            </p:txEl>
+                                          </p:spTgt>
+                                        </p:tgtEl>
+                                        <p:attrNameLst>
+                                          <p:attrName>ppt_y</p:attrName>
+                                        </p:attrNameLst>
+                                      </p:cBhvr>
+                                      <p:tavLst>
+                                        <p:tav tm="0">
+                                          <p:val>
+                                            <p:strVal val="1+#ppt_h/2"/>
+                                          </p:val>
+                                        </p:tav>
+                                        <p:tav tm="100000">
+                                          <p:val>
+                                            <p:strVal val="#ppt_y"/>
+                                          </p:val>
+                                        </p:tav>
+                                      </p:tavLst>
+                                    </p:anim>
+                                  </p:childTnLst>
+                                </p:cTn>
+                              </p:par>
+                            </p:childTnLst>
+                          </p:cTn>
+                        </p:par>
+                      </p:childTnLst>
+                    </p:cTn>
+                  </p:par>
+                  <p:par>
+                    <p:cTn id="33" fill="hold">
+                      <p:stCondLst>
+                        <p:cond delay="indefinite"/>
+                      </p:stCondLst>
+                      <p:childTnLst>
+                        <p:par>
+                          <p:cTn id="34" fill="hold">
+                            <p:stCondLst>
+                              <p:cond delay="0"/>
+                            </p:stCondLst>
+                            <p:childTnLst>
+                              <p:par>
+                                <p:cTn id="35" presetID="2" presetClass="entr" presetSubtype="4" fill="hold" nodeType="clickEffect">
+                                  <p:stCondLst>
+                                    <p:cond delay="0"/>
+                                  </p:stCondLst>
+                                  <p:childTnLst>
+                                    <p:set>
+                                      <p:cBhvr>
+                                        <p:cTn id="36" dur="1" fill="hold">
+                                          <p:stCondLst>
+                                            <p:cond delay="0"/>
+                                          </p:stCondLst>
+                                        </p:cTn>
+                                        <p:tgtEl>
+                                          <p:spTgt spid="3">
+                                            <p:txEl>
+                                              <p:pRg st="5" end="5"/>
+                                            </p:txEl>
+                                          </p:spTgt>
+                                        </p:tgtEl>
+                                        <p:attrNameLst>
+                                          <p:attrName>style.visibility</p:attrName>
+                                        </p:attrNameLst>
+                                      </p:cBhvr>
+                                      <p:to>
+                                        <p:strVal val="visible"/>
+                                      </p:to>
+                                    </p:set>
+                                    <p:anim calcmode="lin" valueType="num">
+                                      <p:cBhvr additive="base">
+                                        <p:cTn id="37" dur="500" fill="hold"/>
+                                        <p:tgtEl>
+                                          <p:spTgt spid="3">
+                                            <p:txEl>
+                                              <p:pRg st="5" end="5"/>
+                                            </p:txEl>
+                                          </p:spTgt>
+                                        </p:tgtEl>
+                                        <p:attrNameLst>
+                                          <p:attrName>ppt_x</p:attrName>
+                                        </p:attrNameLst>
+                                      </p:cBhvr>
+                                      <p:tavLst>
+                                        <p:tav tm="0">
+                                          <p:val>
+                                            <p:strVal val="#ppt_x"/>
+                                          </p:val>
+                                        </p:tav>
+                                        <p:tav tm="100000">
+                                          <p:val>
+                                            <p:strVal val="#ppt_x"/>
+                                          </p:val>
+                                        </p:tav>
+                                      </p:tavLst>
+                                    </p:anim>
+                                    <p:anim calcmode="lin" valueType="num">
+                                      <p:cBhvr additive="base">
+                                        <p:cTn id="38" dur="500" fill="hold"/>
+                                        <p:tgtEl>
+                                          <p:spTgt spid="3">
+                                            <p:txEl>
+                                              <p:pRg st="5" end="5"/>
+                                            </p:txEl>
+                                          </p:spTgt>
+                                        </p:tgtEl>
+                                        <p:attrNameLst>
+                                          <p:attrName>ppt_y</p:attrName>
+                                        </p:attrNameLst>
+                                      </p:cBhvr>
+                                      <p:tavLst>
+                                        <p:tav tm="0">
+                                          <p:val>
+                                            <p:strVal val="1+#ppt_h/2"/>
+                                          </p:val>
+                                        </p:tav>
+                                        <p:tav tm="100000">
+                                          <p:val>
+                                            <p:strVal val="#ppt_y"/>
+                                          </p:val>
+                                        </p:tav>
+                                      </p:tavLst>
+                                    </p:anim>
+                                  </p:childTnLst>
+                                </p:cTn>
+                              </p:par>
+                            </p:childTnLst>
+                          </p:cTn>
+                        </p:par>
+                      </p:childTnLst>
+                    </p:cTn>
+                  </p:par>
+                </p:childTnLst>
+              </p:cTn>
+              <p:prevCondLst>
+                <p:cond evt="onPrev" delay="0">
+                  <p:tgtEl>
+                    <p:sldTgt/>
+                  </p:tgtEl>
+                </p:cond>
+              </p:prevCondLst>
+              <p:nextCondLst>
+                <p:cond evt="onNext" delay="0">
+                  <p:tgtEl>
+                    <p:sldTgt/>
+                  </p:tgtEl>
+                </p:cond>
+              </p:nextCondLst>
+            </p:seq>
+          </p:childTnLst>
+        </p:cTn>
+      </p:par>
+    </p:tnLst>
+  </p:timing>
+</p:sld>
+</file>
+
+<file path=ppt/slides/slide5.xml><?xml version="1.0" encoding="utf-8"?>
+<p:sld xmlns:a="http://schemas.openxmlformats.org/drawingml/2006/main" xmlns:r="http://schemas.openxmlformats.org/officeDocument/2006/relationships" xmlns:p="http://schemas.openxmlformats.org/presentationml/2006/main">
+  <p:cSld>
+    <p:spTree>
+      <p:nvGrpSpPr>
+        <p:cNvPr id="1" name=""/>
+        <p:cNvGrpSpPr/>
+        <p:nvPr/>
+      </p:nvGrpSpPr>
+      <p:grpSpPr>
+        <a:xfrm>
+          <a:off x="0" y="0"/>
+          <a:ext cx="0" cy="0"/>
+          <a:chOff x="0" y="0"/>
+          <a:chExt cx="0" cy="0"/>
+        </a:xfrm>
+      </p:grpSpPr>
+      <p:sp>
+        <p:nvSpPr>
+          <p:cNvPr id="2" name="Title 1">
+            <a:extLst>
+              <a:ext uri="{FF2B5EF4-FFF2-40B4-BE49-F238E27FC236}">
+                <a16:creationId xmlns:a16="http://schemas.microsoft.com/office/drawing/2014/main" id="{2F95E056-1630-4EFF-ACC4-492067D5D20D}"/>
+              </a:ext>
+            </a:extLst>
+          </p:cNvPr>
+          <p:cNvSpPr>
+            <a:spLocks noGrp="1"/>
+          </p:cNvSpPr>
+          <p:nvPr>
+            <p:ph type="title"/>
+          </p:nvPr>
+        </p:nvSpPr>
+        <p:spPr/>
+        <p:txBody>
+          <a:bodyPr/>
+          <a:lstStyle/>
+          <a:p>
+            <a:r>
+              <a:rPr lang="en-US" dirty="0"/>
+              <a:t>Visual Studio 2019</a:t>
+            </a:r>
+          </a:p>
+        </p:txBody>
+      </p:sp>
+      <p:sp>
+        <p:nvSpPr>
+          <p:cNvPr id="3" name="Content Placeholder 2">
+            <a:extLst>
+              <a:ext uri="{FF2B5EF4-FFF2-40B4-BE49-F238E27FC236}">
+                <a16:creationId xmlns:a16="http://schemas.microsoft.com/office/drawing/2014/main" id="{914646D4-F162-42BF-817A-9A1809577F32}"/>
+              </a:ext>
+            </a:extLst>
+          </p:cNvPr>
+          <p:cNvSpPr>
+            <a:spLocks noGrp="1"/>
+          </p:cNvSpPr>
+          <p:nvPr>
+            <p:ph idx="1"/>
+          </p:nvPr>
+        </p:nvSpPr>
+        <p:spPr>
+          <a:xfrm>
+            <a:off x="432861" y="1483809"/>
+            <a:ext cx="3027311" cy="4041631"/>
+          </a:xfrm>
+        </p:spPr>
+        <p:txBody>
+          <a:bodyPr/>
+          <a:lstStyle/>
+          <a:p>
+            <a:r>
+              <a:rPr lang="en-US" dirty="0"/>
+              <a:t>Visual Studio 2019 started using Extensions. Modify your install to add SSDT</a:t>
+            </a:r>
+          </a:p>
+          <a:p>
+            <a:endParaRPr lang="en-US" dirty="0"/>
+          </a:p>
+        </p:txBody>
+      </p:sp>
+      <p:pic>
+        <p:nvPicPr>
+          <p:cNvPr id="4" name="Picture 3">
+            <a:extLst>
+              <a:ext uri="{FF2B5EF4-FFF2-40B4-BE49-F238E27FC236}">
+                <a16:creationId xmlns:a16="http://schemas.microsoft.com/office/drawing/2014/main" id="{6D4CB31F-90DE-40A8-83DE-F692A4722E5C}"/>
+              </a:ext>
+            </a:extLst>
+          </p:cNvPr>
+          <p:cNvPicPr>
+            <a:picLocks noChangeAspect="1"/>
+          </p:cNvPicPr>
+          <p:nvPr/>
+        </p:nvPicPr>
+        <p:blipFill>
+          <a:blip r:embed="rId3"/>
+          <a:stretch>
+            <a:fillRect/>
+          </a:stretch>
+        </p:blipFill>
+        <p:spPr>
+          <a:xfrm>
+            <a:off x="3625587" y="1249077"/>
+            <a:ext cx="7576371" cy="4511097"/>
+          </a:xfrm>
+          <a:prstGeom prst="rect">
+            <a:avLst/>
+          </a:prstGeom>
+        </p:spPr>
+      </p:pic>
+    </p:spTree>
+    <p:extLst>
+      <p:ext uri="{BB962C8B-B14F-4D97-AF65-F5344CB8AC3E}">
+        <p14:creationId xmlns:p14="http://schemas.microsoft.com/office/powerpoint/2010/main" val="1053607195"/>
+      </p:ext>
+    </p:extLst>
+  </p:cSld>
+  <p:clrMapOvr>
+    <a:masterClrMapping/>
+  </p:clrMapOvr>
+</p:sld>
+</file>
+
+<file path=ppt/slides/slide6.xml><?xml version="1.0" encoding="utf-8"?>
+<p:sld xmlns:a="http://schemas.openxmlformats.org/drawingml/2006/main" xmlns:r="http://schemas.openxmlformats.org/officeDocument/2006/relationships" xmlns:p="http://schemas.openxmlformats.org/presentationml/2006/main">
+  <p:cSld>
+    <p:spTree>
+      <p:nvGrpSpPr>
+        <p:cNvPr id="1" name=""/>
+        <p:cNvGrpSpPr/>
+        <p:nvPr/>
+      </p:nvGrpSpPr>
+      <p:grpSpPr>
+        <a:xfrm>
+          <a:off x="0" y="0"/>
+          <a:ext cx="0" cy="0"/>
+          <a:chOff x="0" y="0"/>
+          <a:chExt cx="0" cy="0"/>
+        </a:xfrm>
+      </p:grpSpPr>
+      <p:sp>
+        <p:nvSpPr>
+          <p:cNvPr id="2" name="Title 1">
+            <a:extLst>
+              <a:ext uri="{FF2B5EF4-FFF2-40B4-BE49-F238E27FC236}">
                 <a16:creationId xmlns:a16="http://schemas.microsoft.com/office/drawing/2014/main" id="{F6E65ADA-9C9C-4766-B629-A4F3162DCBFE}"/>
               </a:ext>
             </a:extLst>
@@ -5650,7 +8799,7 @@
 </p:sld>
 </file>
 
-<file path=ppt/slides/slide5.xml><?xml version="1.0" encoding="utf-8"?>
+<file path=ppt/slides/slide7.xml><?xml version="1.0" encoding="utf-8"?>
 <p:sld xmlns:a="http://schemas.openxmlformats.org/drawingml/2006/main" xmlns:r="http://schemas.openxmlformats.org/officeDocument/2006/relationships" xmlns:p="http://schemas.openxmlformats.org/presentationml/2006/main">
   <p:cSld>
     <p:spTree>
@@ -6230,7 +9379,7 @@
 </p:sld>
 </file>
 
-<file path=ppt/slides/slide6.xml><?xml version="1.0" encoding="utf-8"?>
+<file path=ppt/slides/slide8.xml><?xml version="1.0" encoding="utf-8"?>
 <p:sld xmlns:a="http://schemas.openxmlformats.org/drawingml/2006/main" xmlns:r="http://schemas.openxmlformats.org/officeDocument/2006/relationships" xmlns:p="http://schemas.openxmlformats.org/presentationml/2006/main">
   <p:cSld>
     <p:spTree>
@@ -7243,7 +10392,7 @@
 </p:sld>
 </file>
 
-<file path=ppt/slides/slide7.xml><?xml version="1.0" encoding="utf-8"?>
+<file path=ppt/slides/slide9.xml><?xml version="1.0" encoding="utf-8"?>
 <p:sld xmlns:a="http://schemas.openxmlformats.org/drawingml/2006/main" xmlns:r="http://schemas.openxmlformats.org/officeDocument/2006/relationships" xmlns:p="http://schemas.openxmlformats.org/presentationml/2006/main">
   <p:cSld>
     <p:spTree>
@@ -7789,1226 +10938,6 @@
                                           <p:spTgt spid="3">
                                             <p:txEl>
                                               <p:pRg st="3" end="3"/>
-                                            </p:txEl>
-                                          </p:spTgt>
-                                        </p:tgtEl>
-                                        <p:attrNameLst>
-                                          <p:attrName>ppt_y</p:attrName>
-                                        </p:attrNameLst>
-                                      </p:cBhvr>
-                                      <p:tavLst>
-                                        <p:tav tm="0">
-                                          <p:val>
-                                            <p:strVal val="1+#ppt_h/2"/>
-                                          </p:val>
-                                        </p:tav>
-                                        <p:tav tm="100000">
-                                          <p:val>
-                                            <p:strVal val="#ppt_y"/>
-                                          </p:val>
-                                        </p:tav>
-                                      </p:tavLst>
-                                    </p:anim>
-                                  </p:childTnLst>
-                                </p:cTn>
-                              </p:par>
-                            </p:childTnLst>
-                          </p:cTn>
-                        </p:par>
-                      </p:childTnLst>
-                    </p:cTn>
-                  </p:par>
-                </p:childTnLst>
-              </p:cTn>
-              <p:prevCondLst>
-                <p:cond evt="onPrev" delay="0">
-                  <p:tgtEl>
-                    <p:sldTgt/>
-                  </p:tgtEl>
-                </p:cond>
-              </p:prevCondLst>
-              <p:nextCondLst>
-                <p:cond evt="onNext" delay="0">
-                  <p:tgtEl>
-                    <p:sldTgt/>
-                  </p:tgtEl>
-                </p:cond>
-              </p:nextCondLst>
-            </p:seq>
-          </p:childTnLst>
-        </p:cTn>
-      </p:par>
-    </p:tnLst>
-  </p:timing>
-</p:sld>
-</file>
-
-<file path=ppt/slides/slide8.xml><?xml version="1.0" encoding="utf-8"?>
-<p:sld xmlns:a="http://schemas.openxmlformats.org/drawingml/2006/main" xmlns:r="http://schemas.openxmlformats.org/officeDocument/2006/relationships" xmlns:p="http://schemas.openxmlformats.org/presentationml/2006/main">
-  <p:cSld>
-    <p:spTree>
-      <p:nvGrpSpPr>
-        <p:cNvPr id="1" name=""/>
-        <p:cNvGrpSpPr/>
-        <p:nvPr/>
-      </p:nvGrpSpPr>
-      <p:grpSpPr>
-        <a:xfrm>
-          <a:off x="0" y="0"/>
-          <a:ext cx="0" cy="0"/>
-          <a:chOff x="0" y="0"/>
-          <a:chExt cx="0" cy="0"/>
-        </a:xfrm>
-      </p:grpSpPr>
-      <p:sp>
-        <p:nvSpPr>
-          <p:cNvPr id="2" name="Title 1">
-            <a:extLst>
-              <a:ext uri="{FF2B5EF4-FFF2-40B4-BE49-F238E27FC236}">
-                <a16:creationId xmlns:a16="http://schemas.microsoft.com/office/drawing/2014/main" id="{15BAF32E-3072-48A9-9BED-490BF6303564}"/>
-              </a:ext>
-            </a:extLst>
-          </p:cNvPr>
-          <p:cNvSpPr>
-            <a:spLocks noGrp="1"/>
-          </p:cNvSpPr>
-          <p:nvPr>
-            <p:ph type="title"/>
-          </p:nvPr>
-        </p:nvSpPr>
-        <p:spPr/>
-        <p:txBody>
-          <a:bodyPr/>
-          <a:lstStyle/>
-          <a:p>
-            <a:r>
-              <a:rPr lang="en-US" dirty="0"/>
-              <a:t>Linked Servers</a:t>
-            </a:r>
-          </a:p>
-        </p:txBody>
-      </p:sp>
-      <p:sp>
-        <p:nvSpPr>
-          <p:cNvPr id="3" name="Content Placeholder 2">
-            <a:extLst>
-              <a:ext uri="{FF2B5EF4-FFF2-40B4-BE49-F238E27FC236}">
-                <a16:creationId xmlns:a16="http://schemas.microsoft.com/office/drawing/2014/main" id="{1F517A9D-9AD8-4377-84B1-DF08447CDAEF}"/>
-              </a:ext>
-            </a:extLst>
-          </p:cNvPr>
-          <p:cNvSpPr>
-            <a:spLocks noGrp="1"/>
-          </p:cNvSpPr>
-          <p:nvPr>
-            <p:ph idx="1"/>
-          </p:nvPr>
-        </p:nvSpPr>
-        <p:spPr>
-          <a:xfrm>
-            <a:off x="792110" y="1725046"/>
-            <a:ext cx="6788433" cy="1636545"/>
-          </a:xfrm>
-        </p:spPr>
-        <p:txBody>
-          <a:bodyPr>
-            <a:normAutofit fontScale="77500" lnSpcReduction="20000"/>
-          </a:bodyPr>
-          <a:lstStyle/>
-          <a:p>
-            <a:r>
-              <a:rPr lang="en-US" dirty="0"/>
-              <a:t>Similar to Cross-Database objects</a:t>
-            </a:r>
-          </a:p>
-          <a:p>
-            <a:r>
-              <a:rPr lang="en-US" dirty="0"/>
-              <a:t>Set your options</a:t>
-            </a:r>
-            <a:r>
-              <a:rPr lang="en-US" baseline="0" dirty="0"/>
-              <a:t> and </a:t>
-            </a:r>
-            <a:r>
-              <a:rPr lang="en-US" dirty="0"/>
-              <a:t>variables appropriately</a:t>
-            </a:r>
-          </a:p>
-          <a:p>
-            <a:r>
-              <a:rPr lang="en-US" dirty="0"/>
-              <a:t>Doesn’t seem to work w/ OPENQUERY</a:t>
-            </a:r>
-          </a:p>
-        </p:txBody>
-      </p:sp>
-      <p:pic>
-        <p:nvPicPr>
-          <p:cNvPr id="4" name="Picture 3">
-            <a:extLst>
-              <a:ext uri="{FF2B5EF4-FFF2-40B4-BE49-F238E27FC236}">
-                <a16:creationId xmlns:a16="http://schemas.microsoft.com/office/drawing/2014/main" id="{B93EE7B9-6FDB-4CF6-8D2F-D7102F2B7F5D}"/>
-              </a:ext>
-            </a:extLst>
-          </p:cNvPr>
-          <p:cNvPicPr>
-            <a:picLocks noChangeAspect="1"/>
-          </p:cNvPicPr>
-          <p:nvPr/>
-        </p:nvPicPr>
-        <p:blipFill>
-          <a:blip r:embed="rId2"/>
-          <a:stretch>
-            <a:fillRect/>
-          </a:stretch>
-        </p:blipFill>
-        <p:spPr>
-          <a:xfrm>
-            <a:off x="2592159" y="3274452"/>
-            <a:ext cx="5993042" cy="2860714"/>
-          </a:xfrm>
-          <a:prstGeom prst="rect">
-            <a:avLst/>
-          </a:prstGeom>
-        </p:spPr>
-      </p:pic>
-    </p:spTree>
-    <p:extLst>
-      <p:ext uri="{BB962C8B-B14F-4D97-AF65-F5344CB8AC3E}">
-        <p14:creationId xmlns:p14="http://schemas.microsoft.com/office/powerpoint/2010/main" val="2657909093"/>
-      </p:ext>
-    </p:extLst>
-  </p:cSld>
-  <p:clrMapOvr>
-    <a:masterClrMapping/>
-  </p:clrMapOvr>
-  <p:timing>
-    <p:tnLst>
-      <p:par>
-        <p:cTn id="1" dur="indefinite" restart="never" nodeType="tmRoot">
-          <p:childTnLst>
-            <p:seq concurrent="1" nextAc="seek">
-              <p:cTn id="2" dur="indefinite" nodeType="mainSeq">
-                <p:childTnLst>
-                  <p:par>
-                    <p:cTn id="3" fill="hold">
-                      <p:stCondLst>
-                        <p:cond delay="indefinite"/>
-                      </p:stCondLst>
-                      <p:childTnLst>
-                        <p:par>
-                          <p:cTn id="4" fill="hold">
-                            <p:stCondLst>
-                              <p:cond delay="0"/>
-                            </p:stCondLst>
-                            <p:childTnLst>
-                              <p:par>
-                                <p:cTn id="5" presetID="2" presetClass="entr" presetSubtype="4" fill="hold" nodeType="clickEffect">
-                                  <p:stCondLst>
-                                    <p:cond delay="0"/>
-                                  </p:stCondLst>
-                                  <p:childTnLst>
-                                    <p:set>
-                                      <p:cBhvr>
-                                        <p:cTn id="6" dur="1" fill="hold">
-                                          <p:stCondLst>
-                                            <p:cond delay="0"/>
-                                          </p:stCondLst>
-                                        </p:cTn>
-                                        <p:tgtEl>
-                                          <p:spTgt spid="3">
-                                            <p:txEl>
-                                              <p:pRg st="0" end="0"/>
-                                            </p:txEl>
-                                          </p:spTgt>
-                                        </p:tgtEl>
-                                        <p:attrNameLst>
-                                          <p:attrName>style.visibility</p:attrName>
-                                        </p:attrNameLst>
-                                      </p:cBhvr>
-                                      <p:to>
-                                        <p:strVal val="visible"/>
-                                      </p:to>
-                                    </p:set>
-                                    <p:anim calcmode="lin" valueType="num">
-                                      <p:cBhvr additive="base">
-                                        <p:cTn id="7" dur="500" fill="hold"/>
-                                        <p:tgtEl>
-                                          <p:spTgt spid="3">
-                                            <p:txEl>
-                                              <p:pRg st="0" end="0"/>
-                                            </p:txEl>
-                                          </p:spTgt>
-                                        </p:tgtEl>
-                                        <p:attrNameLst>
-                                          <p:attrName>ppt_x</p:attrName>
-                                        </p:attrNameLst>
-                                      </p:cBhvr>
-                                      <p:tavLst>
-                                        <p:tav tm="0">
-                                          <p:val>
-                                            <p:strVal val="#ppt_x"/>
-                                          </p:val>
-                                        </p:tav>
-                                        <p:tav tm="100000">
-                                          <p:val>
-                                            <p:strVal val="#ppt_x"/>
-                                          </p:val>
-                                        </p:tav>
-                                      </p:tavLst>
-                                    </p:anim>
-                                    <p:anim calcmode="lin" valueType="num">
-                                      <p:cBhvr additive="base">
-                                        <p:cTn id="8" dur="500" fill="hold"/>
-                                        <p:tgtEl>
-                                          <p:spTgt spid="3">
-                                            <p:txEl>
-                                              <p:pRg st="0" end="0"/>
-                                            </p:txEl>
-                                          </p:spTgt>
-                                        </p:tgtEl>
-                                        <p:attrNameLst>
-                                          <p:attrName>ppt_y</p:attrName>
-                                        </p:attrNameLst>
-                                      </p:cBhvr>
-                                      <p:tavLst>
-                                        <p:tav tm="0">
-                                          <p:val>
-                                            <p:strVal val="1+#ppt_h/2"/>
-                                          </p:val>
-                                        </p:tav>
-                                        <p:tav tm="100000">
-                                          <p:val>
-                                            <p:strVal val="#ppt_y"/>
-                                          </p:val>
-                                        </p:tav>
-                                      </p:tavLst>
-                                    </p:anim>
-                                  </p:childTnLst>
-                                </p:cTn>
-                              </p:par>
-                            </p:childTnLst>
-                          </p:cTn>
-                        </p:par>
-                      </p:childTnLst>
-                    </p:cTn>
-                  </p:par>
-                  <p:par>
-                    <p:cTn id="9" fill="hold">
-                      <p:stCondLst>
-                        <p:cond delay="indefinite"/>
-                      </p:stCondLst>
-                      <p:childTnLst>
-                        <p:par>
-                          <p:cTn id="10" fill="hold">
-                            <p:stCondLst>
-                              <p:cond delay="0"/>
-                            </p:stCondLst>
-                            <p:childTnLst>
-                              <p:par>
-                                <p:cTn id="11" presetID="2" presetClass="entr" presetSubtype="4" fill="hold" nodeType="clickEffect">
-                                  <p:stCondLst>
-                                    <p:cond delay="0"/>
-                                  </p:stCondLst>
-                                  <p:childTnLst>
-                                    <p:set>
-                                      <p:cBhvr>
-                                        <p:cTn id="12" dur="1" fill="hold">
-                                          <p:stCondLst>
-                                            <p:cond delay="0"/>
-                                          </p:stCondLst>
-                                        </p:cTn>
-                                        <p:tgtEl>
-                                          <p:spTgt spid="3">
-                                            <p:txEl>
-                                              <p:pRg st="1" end="1"/>
-                                            </p:txEl>
-                                          </p:spTgt>
-                                        </p:tgtEl>
-                                        <p:attrNameLst>
-                                          <p:attrName>style.visibility</p:attrName>
-                                        </p:attrNameLst>
-                                      </p:cBhvr>
-                                      <p:to>
-                                        <p:strVal val="visible"/>
-                                      </p:to>
-                                    </p:set>
-                                    <p:anim calcmode="lin" valueType="num">
-                                      <p:cBhvr additive="base">
-                                        <p:cTn id="13" dur="500" fill="hold"/>
-                                        <p:tgtEl>
-                                          <p:spTgt spid="3">
-                                            <p:txEl>
-                                              <p:pRg st="1" end="1"/>
-                                            </p:txEl>
-                                          </p:spTgt>
-                                        </p:tgtEl>
-                                        <p:attrNameLst>
-                                          <p:attrName>ppt_x</p:attrName>
-                                        </p:attrNameLst>
-                                      </p:cBhvr>
-                                      <p:tavLst>
-                                        <p:tav tm="0">
-                                          <p:val>
-                                            <p:strVal val="#ppt_x"/>
-                                          </p:val>
-                                        </p:tav>
-                                        <p:tav tm="100000">
-                                          <p:val>
-                                            <p:strVal val="#ppt_x"/>
-                                          </p:val>
-                                        </p:tav>
-                                      </p:tavLst>
-                                    </p:anim>
-                                    <p:anim calcmode="lin" valueType="num">
-                                      <p:cBhvr additive="base">
-                                        <p:cTn id="14" dur="500" fill="hold"/>
-                                        <p:tgtEl>
-                                          <p:spTgt spid="3">
-                                            <p:txEl>
-                                              <p:pRg st="1" end="1"/>
-                                            </p:txEl>
-                                          </p:spTgt>
-                                        </p:tgtEl>
-                                        <p:attrNameLst>
-                                          <p:attrName>ppt_y</p:attrName>
-                                        </p:attrNameLst>
-                                      </p:cBhvr>
-                                      <p:tavLst>
-                                        <p:tav tm="0">
-                                          <p:val>
-                                            <p:strVal val="1+#ppt_h/2"/>
-                                          </p:val>
-                                        </p:tav>
-                                        <p:tav tm="100000">
-                                          <p:val>
-                                            <p:strVal val="#ppt_y"/>
-                                          </p:val>
-                                        </p:tav>
-                                      </p:tavLst>
-                                    </p:anim>
-                                  </p:childTnLst>
-                                </p:cTn>
-                              </p:par>
-                            </p:childTnLst>
-                          </p:cTn>
-                        </p:par>
-                      </p:childTnLst>
-                    </p:cTn>
-                  </p:par>
-                  <p:par>
-                    <p:cTn id="15" fill="hold">
-                      <p:stCondLst>
-                        <p:cond delay="indefinite"/>
-                      </p:stCondLst>
-                      <p:childTnLst>
-                        <p:par>
-                          <p:cTn id="16" fill="hold">
-                            <p:stCondLst>
-                              <p:cond delay="0"/>
-                            </p:stCondLst>
-                            <p:childTnLst>
-                              <p:par>
-                                <p:cTn id="17" presetID="2" presetClass="entr" presetSubtype="4" fill="hold" nodeType="clickEffect">
-                                  <p:stCondLst>
-                                    <p:cond delay="0"/>
-                                  </p:stCondLst>
-                                  <p:childTnLst>
-                                    <p:set>
-                                      <p:cBhvr>
-                                        <p:cTn id="18" dur="1" fill="hold">
-                                          <p:stCondLst>
-                                            <p:cond delay="0"/>
-                                          </p:stCondLst>
-                                        </p:cTn>
-                                        <p:tgtEl>
-                                          <p:spTgt spid="3">
-                                            <p:txEl>
-                                              <p:pRg st="2" end="2"/>
-                                            </p:txEl>
-                                          </p:spTgt>
-                                        </p:tgtEl>
-                                        <p:attrNameLst>
-                                          <p:attrName>style.visibility</p:attrName>
-                                        </p:attrNameLst>
-                                      </p:cBhvr>
-                                      <p:to>
-                                        <p:strVal val="visible"/>
-                                      </p:to>
-                                    </p:set>
-                                    <p:anim calcmode="lin" valueType="num">
-                                      <p:cBhvr additive="base">
-                                        <p:cTn id="19" dur="500" fill="hold"/>
-                                        <p:tgtEl>
-                                          <p:spTgt spid="3">
-                                            <p:txEl>
-                                              <p:pRg st="2" end="2"/>
-                                            </p:txEl>
-                                          </p:spTgt>
-                                        </p:tgtEl>
-                                        <p:attrNameLst>
-                                          <p:attrName>ppt_x</p:attrName>
-                                        </p:attrNameLst>
-                                      </p:cBhvr>
-                                      <p:tavLst>
-                                        <p:tav tm="0">
-                                          <p:val>
-                                            <p:strVal val="#ppt_x"/>
-                                          </p:val>
-                                        </p:tav>
-                                        <p:tav tm="100000">
-                                          <p:val>
-                                            <p:strVal val="#ppt_x"/>
-                                          </p:val>
-                                        </p:tav>
-                                      </p:tavLst>
-                                    </p:anim>
-                                    <p:anim calcmode="lin" valueType="num">
-                                      <p:cBhvr additive="base">
-                                        <p:cTn id="20" dur="500" fill="hold"/>
-                                        <p:tgtEl>
-                                          <p:spTgt spid="3">
-                                            <p:txEl>
-                                              <p:pRg st="2" end="2"/>
-                                            </p:txEl>
-                                          </p:spTgt>
-                                        </p:tgtEl>
-                                        <p:attrNameLst>
-                                          <p:attrName>ppt_y</p:attrName>
-                                        </p:attrNameLst>
-                                      </p:cBhvr>
-                                      <p:tavLst>
-                                        <p:tav tm="0">
-                                          <p:val>
-                                            <p:strVal val="1+#ppt_h/2"/>
-                                          </p:val>
-                                        </p:tav>
-                                        <p:tav tm="100000">
-                                          <p:val>
-                                            <p:strVal val="#ppt_y"/>
-                                          </p:val>
-                                        </p:tav>
-                                      </p:tavLst>
-                                    </p:anim>
-                                  </p:childTnLst>
-                                </p:cTn>
-                              </p:par>
-                            </p:childTnLst>
-                          </p:cTn>
-                        </p:par>
-                      </p:childTnLst>
-                    </p:cTn>
-                  </p:par>
-                </p:childTnLst>
-              </p:cTn>
-              <p:prevCondLst>
-                <p:cond evt="onPrev" delay="0">
-                  <p:tgtEl>
-                    <p:sldTgt/>
-                  </p:tgtEl>
-                </p:cond>
-              </p:prevCondLst>
-              <p:nextCondLst>
-                <p:cond evt="onNext" delay="0">
-                  <p:tgtEl>
-                    <p:sldTgt/>
-                  </p:tgtEl>
-                </p:cond>
-              </p:nextCondLst>
-            </p:seq>
-          </p:childTnLst>
-        </p:cTn>
-      </p:par>
-    </p:tnLst>
-  </p:timing>
-</p:sld>
-</file>
-
-<file path=ppt/slides/slide9.xml><?xml version="1.0" encoding="utf-8"?>
-<p:sld xmlns:a="http://schemas.openxmlformats.org/drawingml/2006/main" xmlns:r="http://schemas.openxmlformats.org/officeDocument/2006/relationships" xmlns:p="http://schemas.openxmlformats.org/presentationml/2006/main">
-  <p:cSld>
-    <p:spTree>
-      <p:nvGrpSpPr>
-        <p:cNvPr id="1" name=""/>
-        <p:cNvGrpSpPr/>
-        <p:nvPr/>
-      </p:nvGrpSpPr>
-      <p:grpSpPr>
-        <a:xfrm>
-          <a:off x="0" y="0"/>
-          <a:ext cx="0" cy="0"/>
-          <a:chOff x="0" y="0"/>
-          <a:chExt cx="0" cy="0"/>
-        </a:xfrm>
-      </p:grpSpPr>
-      <p:sp>
-        <p:nvSpPr>
-          <p:cNvPr id="2" name="Title 1">
-            <a:extLst>
-              <a:ext uri="{FF2B5EF4-FFF2-40B4-BE49-F238E27FC236}">
-                <a16:creationId xmlns:a16="http://schemas.microsoft.com/office/drawing/2014/main" id="{E4F36F66-45CF-4D2F-A14D-80C872F8C1A1}"/>
-              </a:ext>
-            </a:extLst>
-          </p:cNvPr>
-          <p:cNvSpPr>
-            <a:spLocks noGrp="1"/>
-          </p:cNvSpPr>
-          <p:nvPr>
-            <p:ph type="title"/>
-          </p:nvPr>
-        </p:nvSpPr>
-        <p:spPr/>
-        <p:txBody>
-          <a:bodyPr/>
-          <a:lstStyle/>
-          <a:p>
-            <a:r>
-              <a:rPr lang="en-US" dirty="0"/>
-              <a:t>Users/Logins</a:t>
-            </a:r>
-          </a:p>
-        </p:txBody>
-      </p:sp>
-      <p:sp>
-        <p:nvSpPr>
-          <p:cNvPr id="3" name="Content Placeholder 2">
-            <a:extLst>
-              <a:ext uri="{FF2B5EF4-FFF2-40B4-BE49-F238E27FC236}">
-                <a16:creationId xmlns:a16="http://schemas.microsoft.com/office/drawing/2014/main" id="{245CBCE6-5DD6-4018-8E85-3DCCAA41C6DF}"/>
-              </a:ext>
-            </a:extLst>
-          </p:cNvPr>
-          <p:cNvSpPr>
-            <a:spLocks noGrp="1"/>
-          </p:cNvSpPr>
-          <p:nvPr>
-            <p:ph idx="1"/>
-          </p:nvPr>
-        </p:nvSpPr>
-        <p:spPr/>
-        <p:txBody>
-          <a:bodyPr/>
-          <a:lstStyle/>
-          <a:p>
-            <a:r>
-              <a:rPr lang="en-US" dirty="0"/>
-              <a:t>Easiest to ignore initially</a:t>
-            </a:r>
-          </a:p>
-          <a:p>
-            <a:r>
-              <a:rPr lang="en-US" dirty="0"/>
-              <a:t>Use DB Roles</a:t>
-            </a:r>
-          </a:p>
-          <a:p>
-            <a:pPr lvl="1"/>
-            <a:r>
-              <a:rPr lang="en-US" dirty="0"/>
-              <a:t>Import puts these in the “Security” folder</a:t>
-            </a:r>
-          </a:p>
-          <a:p>
-            <a:r>
-              <a:rPr lang="en-US" dirty="0"/>
-              <a:t>If</a:t>
-            </a:r>
-            <a:r>
-              <a:rPr lang="en-US" baseline="0" dirty="0"/>
-              <a:t> you really need this, there are ways…</a:t>
-            </a:r>
-          </a:p>
-          <a:p>
-            <a:pPr lvl="1"/>
-            <a:r>
-              <a:rPr lang="en-US" dirty="0">
-                <a:hlinkClick r:id="rId2"/>
-              </a:rPr>
-              <a:t>https://schottsql.wordpress.com/2013/05/14/ssdt-setting-different-permissions-per-environment/</a:t>
-            </a:r>
-            <a:endParaRPr lang="en-US" dirty="0"/>
-          </a:p>
-          <a:p>
-            <a:pPr lvl="1"/>
-            <a:r>
-              <a:rPr lang="en-US" dirty="0"/>
-              <a:t>Kudos to Jamie Thomson for the idea</a:t>
-            </a:r>
-          </a:p>
-        </p:txBody>
-      </p:sp>
-    </p:spTree>
-    <p:extLst>
-      <p:ext uri="{BB962C8B-B14F-4D97-AF65-F5344CB8AC3E}">
-        <p14:creationId xmlns:p14="http://schemas.microsoft.com/office/powerpoint/2010/main" val="1211547763"/>
-      </p:ext>
-    </p:extLst>
-  </p:cSld>
-  <p:clrMapOvr>
-    <a:masterClrMapping/>
-  </p:clrMapOvr>
-  <p:timing>
-    <p:tnLst>
-      <p:par>
-        <p:cTn id="1" dur="indefinite" restart="never" nodeType="tmRoot">
-          <p:childTnLst>
-            <p:seq concurrent="1" nextAc="seek">
-              <p:cTn id="2" dur="indefinite" nodeType="mainSeq">
-                <p:childTnLst>
-                  <p:par>
-                    <p:cTn id="3" fill="hold">
-                      <p:stCondLst>
-                        <p:cond delay="indefinite"/>
-                      </p:stCondLst>
-                      <p:childTnLst>
-                        <p:par>
-                          <p:cTn id="4" fill="hold">
-                            <p:stCondLst>
-                              <p:cond delay="0"/>
-                            </p:stCondLst>
-                            <p:childTnLst>
-                              <p:par>
-                                <p:cTn id="5" presetID="2" presetClass="entr" presetSubtype="4" fill="hold" nodeType="clickEffect">
-                                  <p:stCondLst>
-                                    <p:cond delay="0"/>
-                                  </p:stCondLst>
-                                  <p:childTnLst>
-                                    <p:set>
-                                      <p:cBhvr>
-                                        <p:cTn id="6" dur="1" fill="hold">
-                                          <p:stCondLst>
-                                            <p:cond delay="0"/>
-                                          </p:stCondLst>
-                                        </p:cTn>
-                                        <p:tgtEl>
-                                          <p:spTgt spid="3">
-                                            <p:txEl>
-                                              <p:pRg st="0" end="0"/>
-                                            </p:txEl>
-                                          </p:spTgt>
-                                        </p:tgtEl>
-                                        <p:attrNameLst>
-                                          <p:attrName>style.visibility</p:attrName>
-                                        </p:attrNameLst>
-                                      </p:cBhvr>
-                                      <p:to>
-                                        <p:strVal val="visible"/>
-                                      </p:to>
-                                    </p:set>
-                                    <p:anim calcmode="lin" valueType="num">
-                                      <p:cBhvr additive="base">
-                                        <p:cTn id="7" dur="500" fill="hold"/>
-                                        <p:tgtEl>
-                                          <p:spTgt spid="3">
-                                            <p:txEl>
-                                              <p:pRg st="0" end="0"/>
-                                            </p:txEl>
-                                          </p:spTgt>
-                                        </p:tgtEl>
-                                        <p:attrNameLst>
-                                          <p:attrName>ppt_x</p:attrName>
-                                        </p:attrNameLst>
-                                      </p:cBhvr>
-                                      <p:tavLst>
-                                        <p:tav tm="0">
-                                          <p:val>
-                                            <p:strVal val="#ppt_x"/>
-                                          </p:val>
-                                        </p:tav>
-                                        <p:tav tm="100000">
-                                          <p:val>
-                                            <p:strVal val="#ppt_x"/>
-                                          </p:val>
-                                        </p:tav>
-                                      </p:tavLst>
-                                    </p:anim>
-                                    <p:anim calcmode="lin" valueType="num">
-                                      <p:cBhvr additive="base">
-                                        <p:cTn id="8" dur="500" fill="hold"/>
-                                        <p:tgtEl>
-                                          <p:spTgt spid="3">
-                                            <p:txEl>
-                                              <p:pRg st="0" end="0"/>
-                                            </p:txEl>
-                                          </p:spTgt>
-                                        </p:tgtEl>
-                                        <p:attrNameLst>
-                                          <p:attrName>ppt_y</p:attrName>
-                                        </p:attrNameLst>
-                                      </p:cBhvr>
-                                      <p:tavLst>
-                                        <p:tav tm="0">
-                                          <p:val>
-                                            <p:strVal val="1+#ppt_h/2"/>
-                                          </p:val>
-                                        </p:tav>
-                                        <p:tav tm="100000">
-                                          <p:val>
-                                            <p:strVal val="#ppt_y"/>
-                                          </p:val>
-                                        </p:tav>
-                                      </p:tavLst>
-                                    </p:anim>
-                                  </p:childTnLst>
-                                </p:cTn>
-                              </p:par>
-                            </p:childTnLst>
-                          </p:cTn>
-                        </p:par>
-                      </p:childTnLst>
-                    </p:cTn>
-                  </p:par>
-                  <p:par>
-                    <p:cTn id="9" fill="hold">
-                      <p:stCondLst>
-                        <p:cond delay="indefinite"/>
-                      </p:stCondLst>
-                      <p:childTnLst>
-                        <p:par>
-                          <p:cTn id="10" fill="hold">
-                            <p:stCondLst>
-                              <p:cond delay="0"/>
-                            </p:stCondLst>
-                            <p:childTnLst>
-                              <p:par>
-                                <p:cTn id="11" presetID="2" presetClass="entr" presetSubtype="4" fill="hold" nodeType="clickEffect">
-                                  <p:stCondLst>
-                                    <p:cond delay="0"/>
-                                  </p:stCondLst>
-                                  <p:childTnLst>
-                                    <p:set>
-                                      <p:cBhvr>
-                                        <p:cTn id="12" dur="1" fill="hold">
-                                          <p:stCondLst>
-                                            <p:cond delay="0"/>
-                                          </p:stCondLst>
-                                        </p:cTn>
-                                        <p:tgtEl>
-                                          <p:spTgt spid="3">
-                                            <p:txEl>
-                                              <p:pRg st="1" end="1"/>
-                                            </p:txEl>
-                                          </p:spTgt>
-                                        </p:tgtEl>
-                                        <p:attrNameLst>
-                                          <p:attrName>style.visibility</p:attrName>
-                                        </p:attrNameLst>
-                                      </p:cBhvr>
-                                      <p:to>
-                                        <p:strVal val="visible"/>
-                                      </p:to>
-                                    </p:set>
-                                    <p:anim calcmode="lin" valueType="num">
-                                      <p:cBhvr additive="base">
-                                        <p:cTn id="13" dur="500" fill="hold"/>
-                                        <p:tgtEl>
-                                          <p:spTgt spid="3">
-                                            <p:txEl>
-                                              <p:pRg st="1" end="1"/>
-                                            </p:txEl>
-                                          </p:spTgt>
-                                        </p:tgtEl>
-                                        <p:attrNameLst>
-                                          <p:attrName>ppt_x</p:attrName>
-                                        </p:attrNameLst>
-                                      </p:cBhvr>
-                                      <p:tavLst>
-                                        <p:tav tm="0">
-                                          <p:val>
-                                            <p:strVal val="#ppt_x"/>
-                                          </p:val>
-                                        </p:tav>
-                                        <p:tav tm="100000">
-                                          <p:val>
-                                            <p:strVal val="#ppt_x"/>
-                                          </p:val>
-                                        </p:tav>
-                                      </p:tavLst>
-                                    </p:anim>
-                                    <p:anim calcmode="lin" valueType="num">
-                                      <p:cBhvr additive="base">
-                                        <p:cTn id="14" dur="500" fill="hold"/>
-                                        <p:tgtEl>
-                                          <p:spTgt spid="3">
-                                            <p:txEl>
-                                              <p:pRg st="1" end="1"/>
-                                            </p:txEl>
-                                          </p:spTgt>
-                                        </p:tgtEl>
-                                        <p:attrNameLst>
-                                          <p:attrName>ppt_y</p:attrName>
-                                        </p:attrNameLst>
-                                      </p:cBhvr>
-                                      <p:tavLst>
-                                        <p:tav tm="0">
-                                          <p:val>
-                                            <p:strVal val="1+#ppt_h/2"/>
-                                          </p:val>
-                                        </p:tav>
-                                        <p:tav tm="100000">
-                                          <p:val>
-                                            <p:strVal val="#ppt_y"/>
-                                          </p:val>
-                                        </p:tav>
-                                      </p:tavLst>
-                                    </p:anim>
-                                  </p:childTnLst>
-                                </p:cTn>
-                              </p:par>
-                              <p:par>
-                                <p:cTn id="15" presetID="2" presetClass="entr" presetSubtype="4" fill="hold" nodeType="withEffect">
-                                  <p:stCondLst>
-                                    <p:cond delay="0"/>
-                                  </p:stCondLst>
-                                  <p:childTnLst>
-                                    <p:set>
-                                      <p:cBhvr>
-                                        <p:cTn id="16" dur="1" fill="hold">
-                                          <p:stCondLst>
-                                            <p:cond delay="0"/>
-                                          </p:stCondLst>
-                                        </p:cTn>
-                                        <p:tgtEl>
-                                          <p:spTgt spid="3">
-                                            <p:txEl>
-                                              <p:pRg st="2" end="2"/>
-                                            </p:txEl>
-                                          </p:spTgt>
-                                        </p:tgtEl>
-                                        <p:attrNameLst>
-                                          <p:attrName>style.visibility</p:attrName>
-                                        </p:attrNameLst>
-                                      </p:cBhvr>
-                                      <p:to>
-                                        <p:strVal val="visible"/>
-                                      </p:to>
-                                    </p:set>
-                                    <p:anim calcmode="lin" valueType="num">
-                                      <p:cBhvr additive="base">
-                                        <p:cTn id="17" dur="500" fill="hold"/>
-                                        <p:tgtEl>
-                                          <p:spTgt spid="3">
-                                            <p:txEl>
-                                              <p:pRg st="2" end="2"/>
-                                            </p:txEl>
-                                          </p:spTgt>
-                                        </p:tgtEl>
-                                        <p:attrNameLst>
-                                          <p:attrName>ppt_x</p:attrName>
-                                        </p:attrNameLst>
-                                      </p:cBhvr>
-                                      <p:tavLst>
-                                        <p:tav tm="0">
-                                          <p:val>
-                                            <p:strVal val="#ppt_x"/>
-                                          </p:val>
-                                        </p:tav>
-                                        <p:tav tm="100000">
-                                          <p:val>
-                                            <p:strVal val="#ppt_x"/>
-                                          </p:val>
-                                        </p:tav>
-                                      </p:tavLst>
-                                    </p:anim>
-                                    <p:anim calcmode="lin" valueType="num">
-                                      <p:cBhvr additive="base">
-                                        <p:cTn id="18" dur="500" fill="hold"/>
-                                        <p:tgtEl>
-                                          <p:spTgt spid="3">
-                                            <p:txEl>
-                                              <p:pRg st="2" end="2"/>
-                                            </p:txEl>
-                                          </p:spTgt>
-                                        </p:tgtEl>
-                                        <p:attrNameLst>
-                                          <p:attrName>ppt_y</p:attrName>
-                                        </p:attrNameLst>
-                                      </p:cBhvr>
-                                      <p:tavLst>
-                                        <p:tav tm="0">
-                                          <p:val>
-                                            <p:strVal val="1+#ppt_h/2"/>
-                                          </p:val>
-                                        </p:tav>
-                                        <p:tav tm="100000">
-                                          <p:val>
-                                            <p:strVal val="#ppt_y"/>
-                                          </p:val>
-                                        </p:tav>
-                                      </p:tavLst>
-                                    </p:anim>
-                                  </p:childTnLst>
-                                </p:cTn>
-                              </p:par>
-                            </p:childTnLst>
-                          </p:cTn>
-                        </p:par>
-                      </p:childTnLst>
-                    </p:cTn>
-                  </p:par>
-                  <p:par>
-                    <p:cTn id="19" fill="hold">
-                      <p:stCondLst>
-                        <p:cond delay="indefinite"/>
-                      </p:stCondLst>
-                      <p:childTnLst>
-                        <p:par>
-                          <p:cTn id="20" fill="hold">
-                            <p:stCondLst>
-                              <p:cond delay="0"/>
-                            </p:stCondLst>
-                            <p:childTnLst>
-                              <p:par>
-                                <p:cTn id="21" presetID="2" presetClass="entr" presetSubtype="4" fill="hold" nodeType="clickEffect">
-                                  <p:stCondLst>
-                                    <p:cond delay="0"/>
-                                  </p:stCondLst>
-                                  <p:childTnLst>
-                                    <p:set>
-                                      <p:cBhvr>
-                                        <p:cTn id="22" dur="1" fill="hold">
-                                          <p:stCondLst>
-                                            <p:cond delay="0"/>
-                                          </p:stCondLst>
-                                        </p:cTn>
-                                        <p:tgtEl>
-                                          <p:spTgt spid="3">
-                                            <p:txEl>
-                                              <p:pRg st="3" end="3"/>
-                                            </p:txEl>
-                                          </p:spTgt>
-                                        </p:tgtEl>
-                                        <p:attrNameLst>
-                                          <p:attrName>style.visibility</p:attrName>
-                                        </p:attrNameLst>
-                                      </p:cBhvr>
-                                      <p:to>
-                                        <p:strVal val="visible"/>
-                                      </p:to>
-                                    </p:set>
-                                    <p:anim calcmode="lin" valueType="num">
-                                      <p:cBhvr additive="base">
-                                        <p:cTn id="23" dur="500" fill="hold"/>
-                                        <p:tgtEl>
-                                          <p:spTgt spid="3">
-                                            <p:txEl>
-                                              <p:pRg st="3" end="3"/>
-                                            </p:txEl>
-                                          </p:spTgt>
-                                        </p:tgtEl>
-                                        <p:attrNameLst>
-                                          <p:attrName>ppt_x</p:attrName>
-                                        </p:attrNameLst>
-                                      </p:cBhvr>
-                                      <p:tavLst>
-                                        <p:tav tm="0">
-                                          <p:val>
-                                            <p:strVal val="#ppt_x"/>
-                                          </p:val>
-                                        </p:tav>
-                                        <p:tav tm="100000">
-                                          <p:val>
-                                            <p:strVal val="#ppt_x"/>
-                                          </p:val>
-                                        </p:tav>
-                                      </p:tavLst>
-                                    </p:anim>
-                                    <p:anim calcmode="lin" valueType="num">
-                                      <p:cBhvr additive="base">
-                                        <p:cTn id="24" dur="500" fill="hold"/>
-                                        <p:tgtEl>
-                                          <p:spTgt spid="3">
-                                            <p:txEl>
-                                              <p:pRg st="3" end="3"/>
-                                            </p:txEl>
-                                          </p:spTgt>
-                                        </p:tgtEl>
-                                        <p:attrNameLst>
-                                          <p:attrName>ppt_y</p:attrName>
-                                        </p:attrNameLst>
-                                      </p:cBhvr>
-                                      <p:tavLst>
-                                        <p:tav tm="0">
-                                          <p:val>
-                                            <p:strVal val="1+#ppt_h/2"/>
-                                          </p:val>
-                                        </p:tav>
-                                        <p:tav tm="100000">
-                                          <p:val>
-                                            <p:strVal val="#ppt_y"/>
-                                          </p:val>
-                                        </p:tav>
-                                      </p:tavLst>
-                                    </p:anim>
-                                  </p:childTnLst>
-                                </p:cTn>
-                              </p:par>
-                            </p:childTnLst>
-                          </p:cTn>
-                        </p:par>
-                      </p:childTnLst>
-                    </p:cTn>
-                  </p:par>
-                  <p:par>
-                    <p:cTn id="25" fill="hold">
-                      <p:stCondLst>
-                        <p:cond delay="indefinite"/>
-                      </p:stCondLst>
-                      <p:childTnLst>
-                        <p:par>
-                          <p:cTn id="26" fill="hold">
-                            <p:stCondLst>
-                              <p:cond delay="0"/>
-                            </p:stCondLst>
-                            <p:childTnLst>
-                              <p:par>
-                                <p:cTn id="27" presetID="2" presetClass="entr" presetSubtype="4" fill="hold" nodeType="clickEffect">
-                                  <p:stCondLst>
-                                    <p:cond delay="0"/>
-                                  </p:stCondLst>
-                                  <p:childTnLst>
-                                    <p:set>
-                                      <p:cBhvr>
-                                        <p:cTn id="28" dur="1" fill="hold">
-                                          <p:stCondLst>
-                                            <p:cond delay="0"/>
-                                          </p:stCondLst>
-                                        </p:cTn>
-                                        <p:tgtEl>
-                                          <p:spTgt spid="3">
-                                            <p:txEl>
-                                              <p:pRg st="4" end="4"/>
-                                            </p:txEl>
-                                          </p:spTgt>
-                                        </p:tgtEl>
-                                        <p:attrNameLst>
-                                          <p:attrName>style.visibility</p:attrName>
-                                        </p:attrNameLst>
-                                      </p:cBhvr>
-                                      <p:to>
-                                        <p:strVal val="visible"/>
-                                      </p:to>
-                                    </p:set>
-                                    <p:anim calcmode="lin" valueType="num">
-                                      <p:cBhvr additive="base">
-                                        <p:cTn id="29" dur="500" fill="hold"/>
-                                        <p:tgtEl>
-                                          <p:spTgt spid="3">
-                                            <p:txEl>
-                                              <p:pRg st="4" end="4"/>
-                                            </p:txEl>
-                                          </p:spTgt>
-                                        </p:tgtEl>
-                                        <p:attrNameLst>
-                                          <p:attrName>ppt_x</p:attrName>
-                                        </p:attrNameLst>
-                                      </p:cBhvr>
-                                      <p:tavLst>
-                                        <p:tav tm="0">
-                                          <p:val>
-                                            <p:strVal val="#ppt_x"/>
-                                          </p:val>
-                                        </p:tav>
-                                        <p:tav tm="100000">
-                                          <p:val>
-                                            <p:strVal val="#ppt_x"/>
-                                          </p:val>
-                                        </p:tav>
-                                      </p:tavLst>
-                                    </p:anim>
-                                    <p:anim calcmode="lin" valueType="num">
-                                      <p:cBhvr additive="base">
-                                        <p:cTn id="30" dur="500" fill="hold"/>
-                                        <p:tgtEl>
-                                          <p:spTgt spid="3">
-                                            <p:txEl>
-                                              <p:pRg st="4" end="4"/>
-                                            </p:txEl>
-                                          </p:spTgt>
-                                        </p:tgtEl>
-                                        <p:attrNameLst>
-                                          <p:attrName>ppt_y</p:attrName>
-                                        </p:attrNameLst>
-                                      </p:cBhvr>
-                                      <p:tavLst>
-                                        <p:tav tm="0">
-                                          <p:val>
-                                            <p:strVal val="1+#ppt_h/2"/>
-                                          </p:val>
-                                        </p:tav>
-                                        <p:tav tm="100000">
-                                          <p:val>
-                                            <p:strVal val="#ppt_y"/>
-                                          </p:val>
-                                        </p:tav>
-                                      </p:tavLst>
-                                    </p:anim>
-                                  </p:childTnLst>
-                                </p:cTn>
-                              </p:par>
-                              <p:par>
-                                <p:cTn id="31" presetID="2" presetClass="entr" presetSubtype="4" fill="hold" nodeType="withEffect">
-                                  <p:stCondLst>
-                                    <p:cond delay="0"/>
-                                  </p:stCondLst>
-                                  <p:childTnLst>
-                                    <p:set>
-                                      <p:cBhvr>
-                                        <p:cTn id="32" dur="1" fill="hold">
-                                          <p:stCondLst>
-                                            <p:cond delay="0"/>
-                                          </p:stCondLst>
-                                        </p:cTn>
-                                        <p:tgtEl>
-                                          <p:spTgt spid="3">
-                                            <p:txEl>
-                                              <p:pRg st="5" end="5"/>
-                                            </p:txEl>
-                                          </p:spTgt>
-                                        </p:tgtEl>
-                                        <p:attrNameLst>
-                                          <p:attrName>style.visibility</p:attrName>
-                                        </p:attrNameLst>
-                                      </p:cBhvr>
-                                      <p:to>
-                                        <p:strVal val="visible"/>
-                                      </p:to>
-                                    </p:set>
-                                    <p:anim calcmode="lin" valueType="num">
-                                      <p:cBhvr additive="base">
-                                        <p:cTn id="33" dur="500" fill="hold"/>
-                                        <p:tgtEl>
-                                          <p:spTgt spid="3">
-                                            <p:txEl>
-                                              <p:pRg st="5" end="5"/>
-                                            </p:txEl>
-                                          </p:spTgt>
-                                        </p:tgtEl>
-                                        <p:attrNameLst>
-                                          <p:attrName>ppt_x</p:attrName>
-                                        </p:attrNameLst>
-                                      </p:cBhvr>
-                                      <p:tavLst>
-                                        <p:tav tm="0">
-                                          <p:val>
-                                            <p:strVal val="#ppt_x"/>
-                                          </p:val>
-                                        </p:tav>
-                                        <p:tav tm="100000">
-                                          <p:val>
-                                            <p:strVal val="#ppt_x"/>
-                                          </p:val>
-                                        </p:tav>
-                                      </p:tavLst>
-                                    </p:anim>
-                                    <p:anim calcmode="lin" valueType="num">
-                                      <p:cBhvr additive="base">
-                                        <p:cTn id="34" dur="500" fill="hold"/>
-                                        <p:tgtEl>
-                                          <p:spTgt spid="3">
-                                            <p:txEl>
-                                              <p:pRg st="5" end="5"/>
                                             </p:txEl>
                                           </p:spTgt>
                                         </p:tgtEl>
